--- a/ppt/chap-深度信念网络.pptx
+++ b/ppt/chap-深度信念网络.pptx
@@ -153,10 +153,6 @@
         <p14:section name="默认节" id="{F7C6C2FB-27F1-4C54-84AD-CB6625FEB4C3}">
           <p14:sldIdLst>
             <p14:sldId id="256"/>
-          </p14:sldIdLst>
-        </p14:section>
-        <p14:section name="记忆与注意力机制" id="{264530B6-A138-4EE0-86A8-07E6F49B3B98}">
-          <p14:sldIdLst>
             <p14:sldId id="1055"/>
             <p14:sldId id="1073"/>
             <p14:sldId id="1074"/>
@@ -295,7 +291,7 @@
               <a:pPr>
                 <a:defRPr/>
               </a:pPr>
-              <a:t>6/7/2018</a:t>
+              <a:t>12/1/2018</a:t>
             </a:fld>
             <a:endParaRPr lang="en-US" altLang="zh-CN"/>
           </a:p>
@@ -362,38 +358,37 @@
           <a:p>
             <a:pPr lvl="0"/>
             <a:r>
-              <a:rPr lang="en-US" noProof="0" smtClean="0"/>
+              <a:rPr lang="en-US" noProof="0"/>
               <a:t>Click to edit Master text styles</a:t>
             </a:r>
           </a:p>
           <a:p>
             <a:pPr lvl="1"/>
             <a:r>
-              <a:rPr lang="en-US" noProof="0" smtClean="0"/>
+              <a:rPr lang="en-US" noProof="0"/>
               <a:t>Second level</a:t>
             </a:r>
           </a:p>
           <a:p>
             <a:pPr lvl="2"/>
             <a:r>
-              <a:rPr lang="en-US" noProof="0" smtClean="0"/>
+              <a:rPr lang="en-US" noProof="0"/>
               <a:t>Third level</a:t>
             </a:r>
           </a:p>
           <a:p>
             <a:pPr lvl="3"/>
             <a:r>
-              <a:rPr lang="en-US" noProof="0" smtClean="0"/>
+              <a:rPr lang="en-US" noProof="0"/>
               <a:t>Fourth level</a:t>
             </a:r>
           </a:p>
           <a:p>
             <a:pPr lvl="4"/>
             <a:r>
-              <a:rPr lang="en-US" noProof="0" smtClean="0"/>
+              <a:rPr lang="en-US" noProof="0"/>
               <a:t>Fifth level</a:t>
             </a:r>
-            <a:endParaRPr lang="en-US" noProof="0"/>
           </a:p>
         </p:txBody>
       </p:sp>
@@ -757,56 +752,55 @@
           <a:lstStyle/>
           <a:p>
             <a:r>
-              <a:rPr lang="zh-CN" altLang="en-US" dirty="0" smtClean="0"/>
+              <a:rPr lang="zh-CN" altLang="en-US" dirty="0"/>
               <a:t>在玻尔兹曼机中，每个变量</a:t>
             </a:r>
             <a:r>
-              <a:rPr lang="en-US" altLang="zh-CN" dirty="0" smtClean="0"/>
+              <a:rPr lang="en-US" altLang="zh-CN" dirty="0"/>
               <a:t>X </a:t>
             </a:r>
             <a:r>
-              <a:rPr lang="en-US" altLang="zh-CN" dirty="0" err="1" smtClean="0"/>
+              <a:rPr lang="en-US" altLang="zh-CN" dirty="0" err="1"/>
               <a:t>i</a:t>
             </a:r>
             <a:r>
-              <a:rPr lang="en-US" altLang="zh-CN" dirty="0" smtClean="0"/>
+              <a:rPr lang="en-US" altLang="zh-CN" dirty="0"/>
               <a:t> </a:t>
             </a:r>
             <a:r>
-              <a:rPr lang="zh-CN" altLang="en-US" dirty="0" smtClean="0"/>
+              <a:rPr lang="zh-CN" altLang="en-US" dirty="0"/>
               <a:t>可以解释为是否接受一个基本假设</a:t>
             </a:r>
             <a:r>
-              <a:rPr lang="en-US" altLang="zh-CN" dirty="0" smtClean="0"/>
+              <a:rPr lang="en-US" altLang="zh-CN" dirty="0"/>
               <a:t>[Ackley</a:t>
             </a:r>
           </a:p>
           <a:p>
             <a:r>
-              <a:rPr lang="en-US" altLang="zh-CN" dirty="0" smtClean="0"/>
+              <a:rPr lang="en-US" altLang="zh-CN" dirty="0"/>
               <a:t>et al., 1985]</a:t>
             </a:r>
             <a:r>
-              <a:rPr lang="zh-CN" altLang="en-US" dirty="0" smtClean="0"/>
+              <a:rPr lang="zh-CN" altLang="en-US" dirty="0"/>
               <a:t>，其取值为</a:t>
             </a:r>
             <a:r>
-              <a:rPr lang="en-US" altLang="zh-CN" dirty="0" smtClean="0"/>
+              <a:rPr lang="en-US" altLang="zh-CN" dirty="0"/>
               <a:t>1</a:t>
             </a:r>
             <a:r>
-              <a:rPr lang="zh-CN" altLang="en-US" dirty="0" smtClean="0"/>
+              <a:rPr lang="zh-CN" altLang="en-US" dirty="0"/>
               <a:t>或</a:t>
             </a:r>
             <a:r>
-              <a:rPr lang="en-US" altLang="zh-CN" dirty="0" smtClean="0"/>
+              <a:rPr lang="en-US" altLang="zh-CN" dirty="0"/>
               <a:t>0</a:t>
             </a:r>
             <a:r>
-              <a:rPr lang="zh-CN" altLang="en-US" dirty="0" smtClean="0"/>
+              <a:rPr lang="zh-CN" altLang="en-US" dirty="0"/>
               <a:t>分别表示系统接受或拒绝该假设。</a:t>
             </a:r>
-            <a:endParaRPr lang="zh-CN" altLang="en-US" dirty="0"/>
           </a:p>
         </p:txBody>
       </p:sp>
@@ -897,32 +891,32 @@
           <a:lstStyle/>
           <a:p>
             <a:r>
-              <a:rPr lang="zh-CN" altLang="en-US" dirty="0" smtClean="0"/>
+              <a:rPr lang="zh-CN" altLang="en-US" dirty="0"/>
               <a:t>为了有效地训练深度信念网络，我们将每一层的</a:t>
             </a:r>
             <a:r>
-              <a:rPr lang="en-US" altLang="zh-CN" dirty="0" smtClean="0"/>
+              <a:rPr lang="en-US" altLang="zh-CN" dirty="0"/>
               <a:t>sigmoid</a:t>
             </a:r>
             <a:r>
-              <a:rPr lang="zh-CN" altLang="en-US" dirty="0" smtClean="0"/>
+              <a:rPr lang="zh-CN" altLang="en-US" dirty="0"/>
               <a:t>信念网络转换为受限玻尔兹曼机。</a:t>
             </a:r>
           </a:p>
           <a:p>
             <a:r>
-              <a:rPr lang="zh-CN" altLang="en-US" dirty="0" smtClean="0"/>
+              <a:rPr lang="zh-CN" altLang="en-US" dirty="0"/>
               <a:t>这样，深度信念网络可以看作是由多个受限玻尔兹曼机从下到上进行堆叠，每一层受限玻尔兹曼机的隐层作为上一层受限玻尔兹曼机的可见层。</a:t>
             </a:r>
           </a:p>
           <a:p>
             <a:r>
-              <a:rPr lang="zh-CN" altLang="en-US" dirty="0" smtClean="0"/>
+              <a:rPr lang="zh-CN" altLang="en-US" dirty="0"/>
               <a:t>进一步地，深度信念网络可以采用逐层训练的方式来快速训练，即从最底层开始，每次只训练一层，直到最后一层。</a:t>
             </a:r>
           </a:p>
           <a:p>
-            <a:endParaRPr lang="zh-CN" altLang="en-US" dirty="0" smtClean="0"/>
+            <a:endParaRPr lang="zh-CN" altLang="en-US" dirty="0"/>
           </a:p>
           <a:p>
             <a:endParaRPr lang="zh-CN" altLang="en-US" dirty="0"/>
@@ -1129,7 +1123,7 @@
             <a:pPr algn="ctr" eaLnBrk="1" hangingPunct="1">
               <a:defRPr/>
             </a:pPr>
-            <a:endParaRPr lang="zh-CN" altLang="zh-CN" smtClean="0">
+            <a:endParaRPr lang="zh-CN" altLang="zh-CN">
               <a:solidFill>
                 <a:srgbClr val="FFFFFF"/>
               </a:solidFill>
@@ -1278,7 +1272,7 @@
             <a:pPr algn="ctr" eaLnBrk="1" hangingPunct="1">
               <a:defRPr/>
             </a:pPr>
-            <a:endParaRPr lang="zh-CN" altLang="zh-CN" smtClean="0">
+            <a:endParaRPr lang="zh-CN" altLang="zh-CN">
               <a:solidFill>
                 <a:srgbClr val="FFFFFF"/>
               </a:solidFill>
@@ -1427,7 +1421,7 @@
             <a:pPr algn="ctr" eaLnBrk="1" hangingPunct="1">
               <a:defRPr/>
             </a:pPr>
-            <a:endParaRPr lang="zh-CN" altLang="zh-CN" smtClean="0">
+            <a:endParaRPr lang="zh-CN" altLang="zh-CN">
               <a:solidFill>
                 <a:srgbClr val="FFFFFF"/>
               </a:solidFill>
@@ -1576,7 +1570,7 @@
             <a:pPr algn="ctr" eaLnBrk="1" hangingPunct="1">
               <a:defRPr/>
             </a:pPr>
-            <a:endParaRPr lang="zh-CN" altLang="zh-CN" smtClean="0">
+            <a:endParaRPr lang="zh-CN" altLang="zh-CN">
               <a:solidFill>
                 <a:srgbClr val="FFFFFF"/>
               </a:solidFill>
@@ -1727,13 +1721,6 @@
   <p:clrMapOvr>
     <a:masterClrMapping/>
   </p:clrMapOvr>
-  <p:timing>
-    <p:tnLst>
-      <p:par>
-        <p:cTn id="1" dur="indefinite" restart="never" nodeType="tmRoot"/>
-      </p:par>
-    </p:tnLst>
-  </p:timing>
 </p:sldLayout>
 </file>
 
@@ -1895,7 +1882,7 @@
             <a:pPr algn="ctr" eaLnBrk="1" hangingPunct="1">
               <a:defRPr/>
             </a:pPr>
-            <a:endParaRPr lang="zh-CN" altLang="zh-CN" smtClean="0">
+            <a:endParaRPr lang="zh-CN" altLang="zh-CN">
               <a:solidFill>
                 <a:srgbClr val="FFFFFF"/>
               </a:solidFill>
@@ -2044,7 +2031,7 @@
             <a:pPr algn="ctr" eaLnBrk="1" hangingPunct="1">
               <a:defRPr/>
             </a:pPr>
-            <a:endParaRPr lang="zh-CN" altLang="zh-CN" smtClean="0">
+            <a:endParaRPr lang="zh-CN" altLang="zh-CN">
               <a:solidFill>
                 <a:srgbClr val="FFFFFF"/>
               </a:solidFill>
@@ -2096,13 +2083,6 @@
   <p:clrMapOvr>
     <a:masterClrMapping/>
   </p:clrMapOvr>
-  <p:timing>
-    <p:tnLst>
-      <p:par>
-        <p:cTn id="1" dur="indefinite" restart="never" nodeType="tmRoot"/>
-      </p:par>
-    </p:tnLst>
-  </p:timing>
 </p:sldLayout>
 </file>
 
@@ -2146,10 +2126,9 @@
           </a:lstStyle>
           <a:p>
             <a:r>
-              <a:rPr lang="en-US" dirty="0" smtClean="0"/>
+              <a:rPr lang="en-US" dirty="0"/>
               <a:t>Click to edit Master title style</a:t>
             </a:r>
-            <a:endParaRPr lang="en-US" dirty="0"/>
           </a:p>
         </p:txBody>
       </p:sp>
@@ -2206,38 +2185,37 @@
           <a:p>
             <a:pPr lvl="0"/>
             <a:r>
-              <a:rPr lang="en-US" dirty="0" smtClean="0"/>
+              <a:rPr lang="en-US" dirty="0"/>
               <a:t>Click to edit Master text styles</a:t>
             </a:r>
           </a:p>
           <a:p>
             <a:pPr lvl="1"/>
             <a:r>
-              <a:rPr lang="en-US" dirty="0" smtClean="0"/>
+              <a:rPr lang="en-US" dirty="0"/>
               <a:t>Second level</a:t>
             </a:r>
           </a:p>
           <a:p>
             <a:pPr lvl="2"/>
             <a:r>
-              <a:rPr lang="en-US" dirty="0" smtClean="0"/>
+              <a:rPr lang="en-US" dirty="0"/>
               <a:t>Third level</a:t>
             </a:r>
           </a:p>
           <a:p>
             <a:pPr lvl="3"/>
             <a:r>
-              <a:rPr lang="en-US" dirty="0" smtClean="0"/>
+              <a:rPr lang="en-US" dirty="0"/>
               <a:t>Fourth level</a:t>
             </a:r>
           </a:p>
           <a:p>
             <a:pPr lvl="4"/>
             <a:r>
-              <a:rPr lang="en-US" dirty="0" smtClean="0"/>
+              <a:rPr lang="en-US" dirty="0"/>
               <a:t>Fifth level</a:t>
             </a:r>
-            <a:endParaRPr lang="en-US" dirty="0"/>
           </a:p>
         </p:txBody>
       </p:sp>
@@ -2251,13 +2229,6 @@
   <p:clrMapOvr>
     <a:masterClrMapping/>
   </p:clrMapOvr>
-  <p:timing>
-    <p:tnLst>
-      <p:par>
-        <p:cTn id="1" dur="indefinite" restart="never" nodeType="tmRoot"/>
-      </p:par>
-    </p:tnLst>
-  </p:timing>
 </p:sldLayout>
 </file>
 
@@ -2301,7 +2272,7 @@
           </a:lstStyle>
           <a:p>
             <a:r>
-              <a:rPr lang="en-US" altLang="zh-CN" dirty="0" smtClean="0"/>
+              <a:rPr lang="en-US" altLang="zh-CN" dirty="0"/>
               <a:t>Click to edit Master title style</a:t>
             </a:r>
             <a:endParaRPr lang="zh-CN" altLang="en-US" dirty="0"/>
@@ -2318,13 +2289,6 @@
   <p:clrMapOvr>
     <a:masterClrMapping/>
   </p:clrMapOvr>
-  <p:timing>
-    <p:tnLst>
-      <p:par>
-        <p:cTn id="1" dur="indefinite" restart="never" nodeType="tmRoot"/>
-      </p:par>
-    </p:tnLst>
-  </p:timing>
 </p:sldLayout>
 </file>
 
@@ -2366,10 +2330,9 @@
           <a:lstStyle/>
           <a:p>
             <a:r>
-              <a:rPr lang="en-US" dirty="0" smtClean="0"/>
+              <a:rPr lang="en-US" dirty="0"/>
               <a:t>Click to edit Master title style</a:t>
             </a:r>
-            <a:endParaRPr lang="en-US" dirty="0"/>
           </a:p>
         </p:txBody>
       </p:sp>
@@ -2395,38 +2358,37 @@
           <a:p>
             <a:pPr lvl="0"/>
             <a:r>
-              <a:rPr lang="en-US" dirty="0" smtClean="0"/>
+              <a:rPr lang="en-US" dirty="0"/>
               <a:t>Click to edit Master text styles</a:t>
             </a:r>
           </a:p>
           <a:p>
             <a:pPr lvl="1"/>
             <a:r>
-              <a:rPr lang="en-US" dirty="0" smtClean="0"/>
+              <a:rPr lang="en-US" dirty="0"/>
               <a:t>Second level</a:t>
             </a:r>
           </a:p>
           <a:p>
             <a:pPr lvl="2"/>
             <a:r>
-              <a:rPr lang="en-US" dirty="0" smtClean="0"/>
+              <a:rPr lang="en-US" dirty="0"/>
               <a:t>Third level</a:t>
             </a:r>
           </a:p>
           <a:p>
             <a:pPr lvl="3"/>
             <a:r>
-              <a:rPr lang="en-US" dirty="0" smtClean="0"/>
+              <a:rPr lang="en-US" dirty="0"/>
               <a:t>Fourth level</a:t>
             </a:r>
           </a:p>
           <a:p>
             <a:pPr lvl="4"/>
             <a:r>
-              <a:rPr lang="en-US" dirty="0" smtClean="0"/>
+              <a:rPr lang="en-US" dirty="0"/>
               <a:t>Fifth level</a:t>
             </a:r>
-            <a:endParaRPr lang="en-US" dirty="0"/>
           </a:p>
         </p:txBody>
       </p:sp>
@@ -2452,38 +2414,37 @@
           <a:p>
             <a:pPr lvl="0"/>
             <a:r>
-              <a:rPr lang="en-US" dirty="0" smtClean="0"/>
+              <a:rPr lang="en-US" dirty="0"/>
               <a:t>Click to edit Master text styles</a:t>
             </a:r>
           </a:p>
           <a:p>
             <a:pPr lvl="1"/>
             <a:r>
-              <a:rPr lang="en-US" dirty="0" smtClean="0"/>
+              <a:rPr lang="en-US" dirty="0"/>
               <a:t>Second level</a:t>
             </a:r>
           </a:p>
           <a:p>
             <a:pPr lvl="2"/>
             <a:r>
-              <a:rPr lang="en-US" dirty="0" smtClean="0"/>
+              <a:rPr lang="en-US" dirty="0"/>
               <a:t>Third level</a:t>
             </a:r>
           </a:p>
           <a:p>
             <a:pPr lvl="3"/>
             <a:r>
-              <a:rPr lang="en-US" dirty="0" smtClean="0"/>
+              <a:rPr lang="en-US" dirty="0"/>
               <a:t>Fourth level</a:t>
             </a:r>
           </a:p>
           <a:p>
             <a:pPr lvl="4"/>
             <a:r>
-              <a:rPr lang="en-US" dirty="0" smtClean="0"/>
+              <a:rPr lang="en-US" dirty="0"/>
               <a:t>Fifth level</a:t>
             </a:r>
-            <a:endParaRPr lang="en-US" dirty="0"/>
           </a:p>
         </p:txBody>
       </p:sp>
@@ -2497,13 +2458,6 @@
   <p:clrMapOvr>
     <a:masterClrMapping/>
   </p:clrMapOvr>
-  <p:timing>
-    <p:tnLst>
-      <p:par>
-        <p:cTn id="1" dur="indefinite" restart="never" nodeType="tmRoot"/>
-      </p:par>
-    </p:tnLst>
-  </p:timing>
 </p:sldLayout>
 </file>
 
@@ -2545,10 +2499,9 @@
           <a:lstStyle/>
           <a:p>
             <a:r>
-              <a:rPr lang="en-US" dirty="0" smtClean="0"/>
+              <a:rPr lang="en-US" dirty="0"/>
               <a:t>Click to edit Master title style</a:t>
             </a:r>
-            <a:endParaRPr lang="en-US" dirty="0"/>
           </a:p>
         </p:txBody>
       </p:sp>
@@ -2574,38 +2527,37 @@
           <a:p>
             <a:pPr lvl="0"/>
             <a:r>
-              <a:rPr lang="en-US" dirty="0" smtClean="0"/>
+              <a:rPr lang="en-US" dirty="0"/>
               <a:t>Click to edit Master text styles</a:t>
             </a:r>
           </a:p>
           <a:p>
             <a:pPr lvl="1"/>
             <a:r>
-              <a:rPr lang="en-US" dirty="0" smtClean="0"/>
+              <a:rPr lang="en-US" dirty="0"/>
               <a:t>Second level</a:t>
             </a:r>
           </a:p>
           <a:p>
             <a:pPr lvl="2"/>
             <a:r>
-              <a:rPr lang="en-US" dirty="0" smtClean="0"/>
+              <a:rPr lang="en-US" dirty="0"/>
               <a:t>Third level</a:t>
             </a:r>
           </a:p>
           <a:p>
             <a:pPr lvl="3"/>
             <a:r>
-              <a:rPr lang="en-US" dirty="0" smtClean="0"/>
+              <a:rPr lang="en-US" dirty="0"/>
               <a:t>Fourth level</a:t>
             </a:r>
           </a:p>
           <a:p>
             <a:pPr lvl="4"/>
             <a:r>
-              <a:rPr lang="en-US" dirty="0" smtClean="0"/>
+              <a:rPr lang="en-US" dirty="0"/>
               <a:t>Fifth level</a:t>
             </a:r>
-            <a:endParaRPr lang="en-US" dirty="0"/>
           </a:p>
         </p:txBody>
       </p:sp>
@@ -2649,13 +2601,6 @@
   <p:clrMapOvr>
     <a:masterClrMapping/>
   </p:clrMapOvr>
-  <p:timing>
-    <p:tnLst>
-      <p:par>
-        <p:cTn id="1" dur="indefinite" restart="never" nodeType="tmRoot"/>
-      </p:par>
-    </p:tnLst>
-  </p:timing>
 </p:sldLayout>
 </file>
 
@@ -2686,13 +2631,6 @@
   <p:clrMapOvr>
     <a:masterClrMapping/>
   </p:clrMapOvr>
-  <p:timing>
-    <p:tnLst>
-      <p:par>
-        <p:cTn id="1" dur="indefinite" restart="never" nodeType="tmRoot"/>
-      </p:par>
-    </p:tnLst>
-  </p:timing>
 </p:sldLayout>
 </file>
 
@@ -2735,7 +2673,7 @@
           <a:lstStyle/>
           <a:p>
             <a:r>
-              <a:rPr lang="zh-CN" altLang="en-US" sz="3600" dirty="0" smtClean="0">
+              <a:rPr lang="zh-CN" altLang="en-US" sz="3600" dirty="0">
                 <a:latin typeface="华文楷体" panose="02010600040101010101" pitchFamily="2" charset="-122"/>
                 <a:ea typeface="华文楷体" panose="02010600040101010101" pitchFamily="2" charset="-122"/>
               </a:rPr>
@@ -2758,13 +2696,6 @@
   <p:clrMapOvr>
     <a:masterClrMapping/>
   </p:clrMapOvr>
-  <p:timing>
-    <p:tnLst>
-      <p:par>
-        <p:cTn id="1" dur="indefinite" restart="never" nodeType="tmRoot"/>
-      </p:par>
-    </p:tnLst>
-  </p:timing>
 </p:sldLayout>
 </file>
 
@@ -2817,14 +2748,14 @@
           </a:ln>
           <a:extLst>
             <a:ext uri="{909E8E84-426E-40dd-AFC4-6F175D3DCCD1}">
-              <a14:hiddenFill xmlns="" xmlns:a14="http://schemas.microsoft.com/office/drawing/2010/main">
+              <a14:hiddenFill xmlns:a14="http://schemas.microsoft.com/office/drawing/2010/main" xmlns="">
                 <a:solidFill>
                   <a:srgbClr val="FFFFFF"/>
                 </a:solidFill>
               </a14:hiddenFill>
             </a:ext>
             <a:ext uri="{91240B29-F687-4f45-9708-019B960494DF}">
-              <a14:hiddenLine xmlns="" xmlns:a14="http://schemas.microsoft.com/office/drawing/2010/main" w="9525">
+              <a14:hiddenLine xmlns:a14="http://schemas.microsoft.com/office/drawing/2010/main" xmlns="" w="9525">
                 <a:solidFill>
                   <a:srgbClr val="000000"/>
                 </a:solidFill>
@@ -2845,7 +2776,7 @@
           <a:p>
             <a:pPr lvl="0"/>
             <a:r>
-              <a:rPr lang="en-US" altLang="zh-CN" dirty="0" smtClean="0"/>
+              <a:rPr lang="en-US" altLang="zh-CN" dirty="0"/>
               <a:t>Click to edit Master title style</a:t>
             </a:r>
           </a:p>
@@ -2875,14 +2806,14 @@
           </a:ln>
           <a:extLst>
             <a:ext uri="{909E8E84-426E-40dd-AFC4-6F175D3DCCD1}">
-              <a14:hiddenFill xmlns="" xmlns:a14="http://schemas.microsoft.com/office/drawing/2010/main">
+              <a14:hiddenFill xmlns:a14="http://schemas.microsoft.com/office/drawing/2010/main" xmlns="">
                 <a:solidFill>
                   <a:srgbClr val="FFFFFF"/>
                 </a:solidFill>
               </a14:hiddenFill>
             </a:ext>
             <a:ext uri="{91240B29-F687-4f45-9708-019B960494DF}">
-              <a14:hiddenLine xmlns="" xmlns:a14="http://schemas.microsoft.com/office/drawing/2010/main" w="9525">
+              <a14:hiddenLine xmlns:a14="http://schemas.microsoft.com/office/drawing/2010/main" xmlns="" w="9525">
                 <a:solidFill>
                   <a:srgbClr val="000000"/>
                 </a:solidFill>
@@ -2903,35 +2834,35 @@
           <a:p>
             <a:pPr lvl="0"/>
             <a:r>
-              <a:rPr lang="en-US" altLang="zh-CN" dirty="0" smtClean="0"/>
+              <a:rPr lang="en-US" altLang="zh-CN" dirty="0"/>
               <a:t>Click to edit Master text styles</a:t>
             </a:r>
           </a:p>
           <a:p>
             <a:pPr lvl="1"/>
             <a:r>
-              <a:rPr lang="en-US" altLang="zh-CN" dirty="0" smtClean="0"/>
+              <a:rPr lang="en-US" altLang="zh-CN" dirty="0"/>
               <a:t>Second level</a:t>
             </a:r>
           </a:p>
           <a:p>
             <a:pPr lvl="2"/>
             <a:r>
-              <a:rPr lang="en-US" altLang="zh-CN" dirty="0" smtClean="0"/>
+              <a:rPr lang="en-US" altLang="zh-CN" dirty="0"/>
               <a:t>Third level</a:t>
             </a:r>
           </a:p>
           <a:p>
             <a:pPr lvl="3"/>
             <a:r>
-              <a:rPr lang="en-US" altLang="zh-CN" dirty="0" smtClean="0"/>
+              <a:rPr lang="en-US" altLang="zh-CN" dirty="0"/>
               <a:t>Fourth level</a:t>
             </a:r>
           </a:p>
           <a:p>
             <a:pPr lvl="4"/>
             <a:r>
-              <a:rPr lang="en-US" altLang="zh-CN" dirty="0" smtClean="0"/>
+              <a:rPr lang="en-US" altLang="zh-CN" dirty="0"/>
               <a:t>Fifth level</a:t>
             </a:r>
           </a:p>
@@ -2965,7 +2896,7 @@
           </a:ln>
           <a:extLst>
             <a:ext uri="{909E8E84-426E-40dd-AFC4-6F175D3DCCD1}">
-              <a14:hiddenFill xmlns="" xmlns:a14="http://schemas.microsoft.com/office/drawing/2010/main">
+              <a14:hiddenFill xmlns:a14="http://schemas.microsoft.com/office/drawing/2010/main" xmlns="">
                 <a:noFill/>
               </a14:hiddenFill>
             </a:ext>
@@ -3007,7 +2938,7 @@
           </a:ln>
           <a:extLst>
             <a:ext uri="{909E8E84-426E-40dd-AFC4-6F175D3DCCD1}">
-              <a14:hiddenFill xmlns="" xmlns:a14="http://schemas.microsoft.com/office/drawing/2010/main">
+              <a14:hiddenFill xmlns:a14="http://schemas.microsoft.com/office/drawing/2010/main" xmlns="">
                 <a:noFill/>
               </a14:hiddenFill>
             </a:ext>
@@ -3177,21 +3108,21 @@
               <a:defRPr/>
             </a:pPr>
             <a:r>
-              <a:rPr lang="en-US" altLang="zh-CN" sz="1400" dirty="0" smtClean="0">
+              <a:rPr lang="en-US" altLang="zh-CN" sz="1400" dirty="0">
                 <a:latin typeface="+mn-ea"/>
                 <a:ea typeface="+mn-ea"/>
               </a:rPr>
               <a:t>《</a:t>
             </a:r>
             <a:r>
-              <a:rPr lang="zh-CN" altLang="en-US" sz="1400" dirty="0" smtClean="0">
+              <a:rPr lang="zh-CN" altLang="en-US" sz="1400" dirty="0">
                 <a:latin typeface="+mn-ea"/>
                 <a:ea typeface="+mn-ea"/>
               </a:rPr>
               <a:t>神经网络与深度学习</a:t>
             </a:r>
             <a:r>
-              <a:rPr lang="en-US" altLang="zh-CN" sz="1400" dirty="0" smtClean="0">
+              <a:rPr lang="en-US" altLang="zh-CN" sz="1400" dirty="0">
                 <a:latin typeface="+mn-ea"/>
                 <a:ea typeface="+mn-ea"/>
               </a:rPr>
@@ -3266,13 +3197,6 @@
     <p:sldLayoutId id="2147483830" r:id="rId7"/>
     <p:sldLayoutId id="2147483829" r:id="rId8"/>
   </p:sldLayoutIdLst>
-  <p:timing>
-    <p:tnLst>
-      <p:par>
-        <p:cTn id="1" dur="indefinite" restart="never" nodeType="tmRoot"/>
-      </p:par>
-    </p:tnLst>
-  </p:timing>
   <p:hf hdr="0" ftr="0" dt="0"/>
   <p:txStyles>
     <p:titleStyle>
@@ -3731,7 +3655,7 @@
               <a:rPr lang="zh-CN" altLang="en-US" dirty="0"/>
               <a:t>深度信念网络</a:t>
             </a:r>
-            <a:endParaRPr lang="en-US" altLang="zh-CN" dirty="0" smtClean="0"/>
+            <a:endParaRPr lang="en-US" altLang="zh-CN" dirty="0"/>
           </a:p>
         </p:txBody>
       </p:sp>
@@ -3751,15 +3675,15 @@
           <a:lstStyle/>
           <a:p>
             <a:r>
-              <a:rPr lang="en-US" altLang="zh-CN" dirty="0" smtClean="0"/>
+              <a:rPr lang="en-US" altLang="zh-CN" dirty="0"/>
               <a:t>《</a:t>
             </a:r>
             <a:r>
-              <a:rPr lang="zh-CN" altLang="en-US" dirty="0" smtClean="0"/>
+              <a:rPr lang="zh-CN" altLang="en-US" dirty="0"/>
               <a:t>神经网络与深度学习</a:t>
             </a:r>
             <a:r>
-              <a:rPr lang="en-US" altLang="zh-CN" dirty="0" smtClean="0"/>
+              <a:rPr lang="en-US" altLang="zh-CN" dirty="0"/>
               <a:t>》</a:t>
             </a:r>
             <a:endParaRPr lang="zh-CN" altLang="en-US" dirty="0"/>
@@ -3782,27 +3706,15 @@
           <a:lstStyle/>
           <a:p>
             <a:r>
-              <a:rPr lang="en-US" altLang="zh-CN" dirty="0" smtClean="0">
-                <a:hlinkClick r:id="rId3"/>
-              </a:rPr>
-              <a:t>https</a:t>
-            </a:r>
-            <a:r>
               <a:rPr lang="en-US" altLang="zh-CN" dirty="0">
                 <a:hlinkClick r:id="rId3"/>
               </a:rPr>
-              <a:t>://nndl.github.io</a:t>
-            </a:r>
-            <a:r>
-              <a:rPr lang="en-US" altLang="zh-CN" dirty="0" smtClean="0">
-                <a:hlinkClick r:id="rId3"/>
-              </a:rPr>
-              <a:t>/</a:t>
-            </a:r>
-            <a:endParaRPr lang="en-US" altLang="zh-CN" dirty="0" smtClean="0"/>
-          </a:p>
-          <a:p>
-            <a:endParaRPr lang="en-US" altLang="zh-CN" dirty="0" smtClean="0"/>
+              <a:t>https://nndl.github.io/</a:t>
+            </a:r>
+            <a:endParaRPr lang="en-US" altLang="zh-CN" dirty="0"/>
+          </a:p>
+          <a:p>
+            <a:endParaRPr lang="en-US" altLang="zh-CN" dirty="0"/>
           </a:p>
         </p:txBody>
       </p:sp>
@@ -3811,21 +3723,6 @@
   <p:clrMapOvr>
     <a:masterClrMapping/>
   </p:clrMapOvr>
-  <mc:AlternateContent xmlns:mc="http://schemas.openxmlformats.org/markup-compatibility/2006" xmlns:p14="http://schemas.microsoft.com/office/powerpoint/2010/main">
-    <mc:Choice Requires="p14">
-      <p:transition spd="slow" p14:dur="2000"/>
-    </mc:Choice>
-    <mc:Fallback xmlns="">
-      <p:transition spd="slow"/>
-    </mc:Fallback>
-  </mc:AlternateContent>
-  <p:timing>
-    <p:tnLst>
-      <p:par>
-        <p:cTn id="1" dur="indefinite" restart="never" nodeType="tmRoot"/>
-      </p:par>
-    </p:tnLst>
-  </p:timing>
 </p:sld>
 </file>
 
@@ -3863,22 +3760,10 @@
           <a:p>
             <a:r>
               <a:rPr lang="zh-CN" altLang="en-US" dirty="0"/>
-              <a:t>训练</a:t>
-            </a:r>
-            <a:r>
-              <a:rPr lang="zh-CN" altLang="en-US" dirty="0" smtClean="0"/>
-              <a:t>深度</a:t>
-            </a:r>
-            <a:r>
-              <a:rPr lang="zh-CN" altLang="en-US" dirty="0"/>
-              <a:t>信念</a:t>
-            </a:r>
-            <a:r>
-              <a:rPr lang="zh-CN" altLang="en-US" dirty="0" smtClean="0"/>
-              <a:t>网络</a:t>
-            </a:r>
-            <a:r>
-              <a:rPr lang="en-US" altLang="zh-CN" dirty="0" smtClean="0"/>
+              <a:t>训练深度信念网络</a:t>
+            </a:r>
+            <a:r>
+              <a:rPr lang="en-US" altLang="zh-CN" dirty="0"/>
               <a:t>-</a:t>
             </a:r>
             <a:r>
@@ -3904,98 +3789,66 @@
           <a:lstStyle/>
           <a:p>
             <a:r>
-              <a:rPr lang="en-US" altLang="zh-CN" dirty="0" smtClean="0"/>
-              <a:t>contrastive </a:t>
-            </a:r>
-            <a:r>
               <a:rPr lang="en-US" altLang="zh-CN" dirty="0"/>
-              <a:t>wake-sleep</a:t>
-            </a:r>
-            <a:r>
-              <a:rPr lang="zh-CN" altLang="en-US" dirty="0" smtClean="0"/>
+              <a:t>contrastive wake-sleep</a:t>
+            </a:r>
+            <a:r>
+              <a:rPr lang="zh-CN" altLang="en-US" dirty="0"/>
               <a:t>算法</a:t>
             </a:r>
-            <a:endParaRPr lang="en-US" altLang="zh-CN" dirty="0" smtClean="0"/>
+            <a:endParaRPr lang="en-US" altLang="zh-CN" dirty="0"/>
           </a:p>
           <a:p>
             <a:pPr lvl="1"/>
             <a:r>
-              <a:rPr lang="en-US" altLang="zh-CN" dirty="0" smtClean="0"/>
+              <a:rPr lang="en-US" altLang="zh-CN" dirty="0"/>
               <a:t>Wake</a:t>
             </a:r>
             <a:r>
               <a:rPr lang="zh-CN" altLang="en-US" dirty="0"/>
-              <a:t>阶段：认知过程，通过外界输入（可见变量）和向上认知权重，计算每一层隐变量的后验概率并采样。然后，修改下行的生成权重使得下一层的变量的后验概率</a:t>
-            </a:r>
-            <a:r>
-              <a:rPr lang="zh-CN" altLang="en-US" dirty="0" smtClean="0"/>
-              <a:t>最大 </a:t>
-            </a:r>
-            <a:endParaRPr lang="en-US" altLang="zh-CN" dirty="0" smtClean="0"/>
+              <a:t>阶段：认知过程，通过外界输入（可见变量）和向上认知权重，计算每一层隐变量的后验概率并采样。然后，修改下行的生成权重使得下一层的变量的后验概率最大 </a:t>
+            </a:r>
+            <a:endParaRPr lang="en-US" altLang="zh-CN" dirty="0"/>
           </a:p>
           <a:p>
             <a:pPr lvl="3"/>
             <a:r>
-              <a:rPr lang="zh-CN" altLang="en-US" dirty="0" smtClean="0">
+              <a:rPr lang="zh-CN" altLang="en-US" dirty="0">
                 <a:solidFill>
                   <a:srgbClr val="FF0000"/>
                 </a:solidFill>
               </a:rPr>
-              <a:t>“</a:t>
-            </a:r>
+              <a:t>“如果现实跟我想象的不一样，改变我的权重使得我想象的东西就是这样的”；</a:t>
+            </a:r>
+          </a:p>
+          <a:p>
+            <a:pPr lvl="1"/>
+            <a:r>
+              <a:rPr lang="en-US" altLang="zh-CN" dirty="0"/>
+              <a:t>Sleep</a:t>
+            </a:r>
+            <a:r>
+              <a:rPr lang="zh-CN" altLang="en-US" dirty="0"/>
+              <a:t>阶段：生成过程，通过顶层的采样和向下的生成权重，逐层计算每一层的后验概率并采样。然后，修改向上的认知权重使得上一层变量的后验概率最大。</a:t>
+            </a:r>
+            <a:endParaRPr lang="en-US" altLang="zh-CN" dirty="0"/>
+          </a:p>
+          <a:p>
+            <a:pPr lvl="3"/>
             <a:r>
               <a:rPr lang="zh-CN" altLang="en-US" dirty="0">
                 <a:solidFill>
                   <a:srgbClr val="FF0000"/>
                 </a:solidFill>
               </a:rPr>
-              <a:t>如果现实跟我想象的不一样，改变我的权重使得我想象的东西就是这样的”；</a:t>
+              <a:t>“如果梦中的景象不是我脑中的相应概念，改变我的认知权重使得这种景象在我看来就是这个概念”；</a:t>
             </a:r>
           </a:p>
           <a:p>
             <a:pPr lvl="1"/>
             <a:r>
-              <a:rPr lang="en-US" altLang="zh-CN" dirty="0" smtClean="0"/>
-              <a:t>Sleep</a:t>
-            </a:r>
-            <a:r>
               <a:rPr lang="zh-CN" altLang="en-US" dirty="0"/>
-              <a:t>阶段：生成过程，通过顶层的采样和向下的生成权重，逐层计算每一层的后验概率并采样。然后，修改向上的认知权重使得上一层变量的后验概率最大</a:t>
-            </a:r>
-            <a:r>
-              <a:rPr lang="zh-CN" altLang="en-US" dirty="0" smtClean="0"/>
-              <a:t>。</a:t>
-            </a:r>
-            <a:endParaRPr lang="en-US" altLang="zh-CN" dirty="0"/>
-          </a:p>
-          <a:p>
-            <a:pPr lvl="3"/>
-            <a:r>
-              <a:rPr lang="zh-CN" altLang="en-US" dirty="0" smtClean="0">
-                <a:solidFill>
-                  <a:srgbClr val="FF0000"/>
-                </a:solidFill>
-              </a:rPr>
-              <a:t>“</a:t>
-            </a:r>
-            <a:r>
-              <a:rPr lang="zh-CN" altLang="en-US" dirty="0">
-                <a:solidFill>
-                  <a:srgbClr val="FF0000"/>
-                </a:solidFill>
-              </a:rPr>
-              <a:t>如果梦中的景象不是我脑中的相应概念，改变我的认知权重使得这种景象在我看来就是这个概念”；</a:t>
-            </a:r>
-          </a:p>
-          <a:p>
-            <a:pPr lvl="1"/>
-            <a:r>
-              <a:rPr lang="zh-CN" altLang="en-US" dirty="0" smtClean="0"/>
-              <a:t>交替</a:t>
-            </a:r>
-            <a:r>
-              <a:rPr lang="zh-CN" altLang="en-US" dirty="0"/>
-              <a:t>进行</a:t>
+              <a:t>交替进行</a:t>
             </a:r>
             <a:r>
               <a:rPr lang="en-US" altLang="zh-CN" dirty="0"/>
@@ -4026,13 +3879,6 @@
   <p:clrMapOvr>
     <a:masterClrMapping/>
   </p:clrMapOvr>
-  <p:timing>
-    <p:tnLst>
-      <p:par>
-        <p:cTn id="1" dur="indefinite" restart="never" nodeType="tmRoot"/>
-      </p:par>
-    </p:tnLst>
-  </p:timing>
 </p:sld>
 </file>
 
@@ -4091,21 +3937,6 @@
   <p:clrMapOvr>
     <a:masterClrMapping/>
   </p:clrMapOvr>
-  <mc:AlternateContent xmlns:mc="http://schemas.openxmlformats.org/markup-compatibility/2006" xmlns:p14="http://schemas.microsoft.com/office/powerpoint/2010/main">
-    <mc:Choice Requires="p14">
-      <p:transition spd="slow" p14:dur="2000"/>
-    </mc:Choice>
-    <mc:Fallback xmlns="">
-      <p:transition spd="slow"/>
-    </mc:Fallback>
-  </mc:AlternateContent>
-  <p:timing>
-    <p:tnLst>
-      <p:par>
-        <p:cTn id="1" dur="indefinite" restart="never" nodeType="tmRoot"/>
-      </p:par>
-    </p:tnLst>
-  </p:timing>
 </p:sld>
 </file>
 
@@ -4158,13 +3989,6 @@
   <p:clrMapOvr>
     <a:masterClrMapping/>
   </p:clrMapOvr>
-  <p:timing>
-    <p:tnLst>
-      <p:par>
-        <p:cTn id="1" dur="indefinite" restart="never" nodeType="tmRoot"/>
-      </p:par>
-    </p:tnLst>
-  </p:timing>
 </p:sld>
 </file>
 
@@ -4236,77 +4060,37 @@
                   <a:srgbClr val="FF0000"/>
                 </a:solidFill>
               </a:rPr>
-              <a:t>玻尔兹曼</a:t>
-            </a:r>
-            <a:r>
-              <a:rPr lang="zh-CN" altLang="en-US" sz="2800" dirty="0" smtClean="0">
-                <a:solidFill>
-                  <a:srgbClr val="FF0000"/>
-                </a:solidFill>
-              </a:rPr>
-              <a:t>机</a:t>
-            </a:r>
-            <a:r>
-              <a:rPr lang="zh-CN" altLang="en-US" sz="2800" dirty="0" smtClean="0"/>
-              <a:t>是</a:t>
+              <a:t>玻尔兹曼机</a:t>
             </a:r>
             <a:r>
               <a:rPr lang="zh-CN" altLang="en-US" sz="2800" dirty="0"/>
-              <a:t>一个特殊的概率无向图模型</a:t>
-            </a:r>
-            <a:r>
-              <a:rPr lang="zh-CN" altLang="en-US" sz="2800" dirty="0" smtClean="0"/>
-              <a:t>。</a:t>
-            </a:r>
-            <a:endParaRPr lang="en-US" altLang="zh-CN" sz="2800" dirty="0" smtClean="0"/>
+              <a:t>是一个特殊的概率无向图模型。</a:t>
+            </a:r>
+            <a:endParaRPr lang="en-US" altLang="zh-CN" sz="2800" dirty="0"/>
           </a:p>
           <a:p>
             <a:pPr lvl="1"/>
             <a:r>
               <a:rPr lang="zh-CN" altLang="en-US" sz="2400" dirty="0"/>
-              <a:t>每个</a:t>
-            </a:r>
-            <a:r>
-              <a:rPr lang="zh-CN" altLang="en-US" sz="2400" dirty="0" smtClean="0"/>
-              <a:t>随机变量是</a:t>
-            </a:r>
+              <a:t>每个随机变量是二值的</a:t>
+            </a:r>
+            <a:endParaRPr lang="en-US" altLang="zh-CN" sz="2400" dirty="0"/>
+          </a:p>
+          <a:p>
+            <a:pPr lvl="1"/>
             <a:r>
               <a:rPr lang="zh-CN" altLang="en-US" sz="2400" dirty="0"/>
-              <a:t>二值</a:t>
-            </a:r>
-            <a:r>
-              <a:rPr lang="zh-CN" altLang="en-US" sz="2400" dirty="0" smtClean="0"/>
-              <a:t>的</a:t>
-            </a:r>
-            <a:endParaRPr lang="en-US" altLang="zh-CN" sz="2400" dirty="0" smtClean="0"/>
+              <a:t>所有变量之间是全连接的</a:t>
+            </a:r>
+            <a:endParaRPr lang="en-US" altLang="zh-CN" sz="2400" dirty="0"/>
           </a:p>
           <a:p>
             <a:pPr lvl="1"/>
             <a:r>
-              <a:rPr lang="zh-CN" altLang="en-US" sz="2400" dirty="0" smtClean="0"/>
-              <a:t>所有</a:t>
-            </a:r>
-            <a:r>
               <a:rPr lang="zh-CN" altLang="en-US" sz="2400" dirty="0"/>
-              <a:t>变量之间是全连接</a:t>
-            </a:r>
-            <a:r>
-              <a:rPr lang="zh-CN" altLang="en-US" sz="2400" dirty="0" smtClean="0"/>
-              <a:t>的</a:t>
-            </a:r>
-            <a:endParaRPr lang="en-US" altLang="zh-CN" sz="2400" dirty="0" smtClean="0"/>
-          </a:p>
-          <a:p>
-            <a:pPr lvl="1"/>
-            <a:r>
-              <a:rPr lang="zh-CN" altLang="en-US" sz="2400" dirty="0"/>
-              <a:t> 整个能量函数定义</a:t>
-            </a:r>
-            <a:r>
-              <a:rPr lang="zh-CN" altLang="en-US" sz="2400" dirty="0" smtClean="0"/>
-              <a:t>为</a:t>
-            </a:r>
-            <a:endParaRPr lang="en-US" altLang="zh-CN" sz="2400" dirty="0" smtClean="0"/>
+              <a:t> 整个能量函数定义为</a:t>
+            </a:r>
+            <a:endParaRPr lang="en-US" altLang="zh-CN" sz="2400" dirty="0"/>
           </a:p>
           <a:p>
             <a:pPr lvl="1"/>
@@ -4314,7 +4098,7 @@
           </a:p>
           <a:p>
             <a:pPr lvl="1"/>
-            <a:endParaRPr lang="en-US" altLang="zh-CN" sz="2400" dirty="0" smtClean="0"/>
+            <a:endParaRPr lang="en-US" altLang="zh-CN" sz="2400" dirty="0"/>
           </a:p>
           <a:p>
             <a:pPr lvl="1"/>
@@ -4323,14 +4107,13 @@
           <a:p>
             <a:pPr lvl="1"/>
             <a:r>
-              <a:rPr lang="en-US" altLang="zh-CN" sz="2400" dirty="0" smtClean="0"/>
+              <a:rPr lang="en-US" altLang="zh-CN" sz="2400" dirty="0"/>
               <a:t>P(X)</a:t>
             </a:r>
             <a:r>
-              <a:rPr lang="zh-CN" altLang="en-US" sz="2400" dirty="0" smtClean="0"/>
+              <a:rPr lang="zh-CN" altLang="en-US" sz="2400" dirty="0"/>
               <a:t> 为玻尔兹曼分布</a:t>
             </a:r>
-            <a:endParaRPr lang="zh-CN" altLang="en-US" sz="2400" dirty="0"/>
           </a:p>
         </p:txBody>
       </p:sp>
@@ -4479,17 +4262,9 @@
                   <a:srgbClr val="FF0000"/>
                 </a:solidFill>
               </a:rPr>
-              <a:t>两</a:t>
-            </a:r>
-            <a:r>
-              <a:rPr lang="zh-CN" altLang="en-US" dirty="0" smtClean="0">
-                <a:solidFill>
-                  <a:srgbClr val="FF0000"/>
-                </a:solidFill>
-              </a:rPr>
-              <a:t>个基本问题：</a:t>
-            </a:r>
-            <a:endParaRPr lang="en-US" altLang="zh-CN" dirty="0" smtClean="0">
+              <a:t>两个基本问题：</a:t>
+            </a:r>
+            <a:endParaRPr lang="en-US" altLang="zh-CN" dirty="0">
               <a:solidFill>
                 <a:srgbClr val="FF0000"/>
               </a:solidFill>
@@ -4501,7 +4276,7 @@
               <a:buAutoNum type="arabicPeriod"/>
             </a:pPr>
             <a:r>
-              <a:rPr lang="zh-CN" altLang="en-US" dirty="0" smtClean="0">
+              <a:rPr lang="zh-CN" altLang="en-US" dirty="0">
                 <a:solidFill>
                   <a:srgbClr val="FF0000"/>
                 </a:solidFill>
@@ -4509,7 +4284,7 @@
               <a:t>推断</a:t>
             </a:r>
             <a:r>
-              <a:rPr lang="en-US" altLang="zh-CN" dirty="0" smtClean="0">
+              <a:rPr lang="en-US" altLang="zh-CN" dirty="0">
                 <a:solidFill>
                   <a:srgbClr val="FF0000"/>
                 </a:solidFill>
@@ -4517,7 +4292,7 @@
               <a:t>p(</a:t>
             </a:r>
             <a:r>
-              <a:rPr lang="en-US" altLang="zh-CN" dirty="0" err="1" smtClean="0">
+              <a:rPr lang="en-US" altLang="zh-CN" dirty="0" err="1">
                 <a:solidFill>
                   <a:srgbClr val="FF0000"/>
                 </a:solidFill>
@@ -4525,7 +4300,7 @@
               <a:t>h|v</a:t>
             </a:r>
             <a:r>
-              <a:rPr lang="en-US" altLang="zh-CN" dirty="0" smtClean="0">
+              <a:rPr lang="en-US" altLang="zh-CN" dirty="0">
                 <a:solidFill>
                   <a:srgbClr val="FF0000"/>
                 </a:solidFill>
@@ -4539,7 +4314,7 @@
               <a:buAutoNum type="arabicPeriod"/>
             </a:pPr>
             <a:r>
-              <a:rPr lang="zh-CN" altLang="en-US" dirty="0" smtClean="0">
+              <a:rPr lang="zh-CN" altLang="en-US" dirty="0">
                 <a:solidFill>
                   <a:srgbClr val="FF0000"/>
                 </a:solidFill>
@@ -4547,7 +4322,7 @@
               <a:t>参数学习</a:t>
             </a:r>
             <a:r>
-              <a:rPr lang="en-US" altLang="zh-CN" dirty="0" smtClean="0">
+              <a:rPr lang="en-US" altLang="zh-CN" dirty="0">
                 <a:solidFill>
                   <a:srgbClr val="FF0000"/>
                 </a:solidFill>
@@ -4919,13 +4694,8 @@
           <a:p>
             <a:r>
               <a:rPr lang="zh-CN" altLang="en-US" dirty="0"/>
-              <a:t>玻尔兹曼</a:t>
-            </a:r>
-            <a:r>
-              <a:rPr lang="zh-CN" altLang="en-US" dirty="0" smtClean="0"/>
-              <a:t>机的推断</a:t>
-            </a:r>
-            <a:endParaRPr lang="zh-CN" altLang="en-US" dirty="0"/>
+              <a:t>玻尔兹曼机的推断</a:t>
+            </a:r>
           </a:p>
         </p:txBody>
       </p:sp>
@@ -4945,21 +4715,21 @@
           <a:lstStyle/>
           <a:p>
             <a:r>
-              <a:rPr lang="zh-CN" altLang="en-US" sz="2800" dirty="0" smtClean="0"/>
+              <a:rPr lang="zh-CN" altLang="en-US" sz="2800" dirty="0"/>
               <a:t>近似采样</a:t>
             </a:r>
             <a:r>
-              <a:rPr lang="en-US" altLang="zh-CN" sz="2800" dirty="0" smtClean="0"/>
+              <a:rPr lang="en-US" altLang="zh-CN" sz="2800" dirty="0"/>
               <a:t>--Gibbs</a:t>
             </a:r>
             <a:r>
-              <a:rPr lang="zh-CN" altLang="en-US" sz="2800" dirty="0" smtClean="0"/>
+              <a:rPr lang="zh-CN" altLang="en-US" sz="2800" dirty="0"/>
               <a:t>采样</a:t>
             </a:r>
-            <a:endParaRPr lang="en-US" altLang="zh-CN" sz="2800" dirty="0" smtClean="0"/>
-          </a:p>
-          <a:p>
-            <a:endParaRPr lang="en-US" altLang="zh-CN" sz="2800" dirty="0" smtClean="0"/>
+            <a:endParaRPr lang="en-US" altLang="zh-CN" sz="2800" dirty="0"/>
+          </a:p>
+          <a:p>
+            <a:endParaRPr lang="en-US" altLang="zh-CN" sz="2800" dirty="0"/>
           </a:p>
           <a:p>
             <a:pPr marL="0" indent="0">
@@ -4968,44 +4738,28 @@
             <a:endParaRPr lang="en-US" altLang="zh-CN" sz="2800" dirty="0"/>
           </a:p>
           <a:p>
-            <a:endParaRPr lang="en-US" altLang="zh-CN" sz="2800" dirty="0" smtClean="0"/>
-          </a:p>
-          <a:p>
-            <a:r>
-              <a:rPr lang="zh-CN" altLang="en-US" sz="2800" dirty="0" smtClean="0"/>
+            <a:endParaRPr lang="en-US" altLang="zh-CN" sz="2800" dirty="0"/>
+          </a:p>
+          <a:p>
+            <a:r>
+              <a:rPr lang="zh-CN" altLang="en-US" sz="2800" dirty="0"/>
               <a:t>模拟退火</a:t>
             </a:r>
-            <a:endParaRPr lang="en-US" altLang="zh-CN" sz="2800" dirty="0" smtClean="0"/>
+            <a:endParaRPr lang="en-US" altLang="zh-CN" sz="2800" dirty="0"/>
           </a:p>
           <a:p>
             <a:pPr lvl="1"/>
             <a:r>
               <a:rPr lang="zh-CN" altLang="en-US" sz="2000" dirty="0"/>
-              <a:t>让系统刚开始在一个比较高的温度下运行，</a:t>
-            </a:r>
-            <a:r>
-              <a:rPr lang="zh-CN" altLang="en-US" sz="2000" dirty="0" smtClean="0"/>
-              <a:t>然后逐渐</a:t>
-            </a:r>
+              <a:t>让系统刚开始在一个比较高的温度下运行，然后逐渐降低，直到系统在一个比较低的温度下达到热平衡。</a:t>
+            </a:r>
+            <a:endParaRPr lang="en-US" altLang="zh-CN" sz="2000" dirty="0"/>
+          </a:p>
+          <a:p>
+            <a:pPr lvl="1"/>
             <a:r>
               <a:rPr lang="zh-CN" altLang="en-US" sz="2000" dirty="0"/>
-              <a:t>降低，直到系统在一个比较低的温度下达到热平衡</a:t>
-            </a:r>
-            <a:r>
-              <a:rPr lang="zh-CN" altLang="en-US" sz="2000" dirty="0" smtClean="0"/>
-              <a:t>。</a:t>
-            </a:r>
-            <a:endParaRPr lang="en-US" altLang="zh-CN" sz="2000" dirty="0" smtClean="0"/>
-          </a:p>
-          <a:p>
-            <a:pPr lvl="1"/>
-            <a:r>
-              <a:rPr lang="zh-CN" altLang="en-US" sz="2000" dirty="0"/>
-              <a:t>当系统温度</a:t>
-            </a:r>
-            <a:r>
-              <a:rPr lang="zh-CN" altLang="en-US" sz="2000" dirty="0" smtClean="0"/>
-              <a:t>非常高</a:t>
+              <a:t>当系统温度非常高</a:t>
             </a:r>
             <a:r>
               <a:rPr lang="en-US" altLang="zh-CN" sz="2000" dirty="0"/>
@@ -5016,48 +4770,28 @@
               <a:t>时，</a:t>
             </a:r>
             <a:r>
-              <a:rPr lang="en-US" altLang="zh-CN" sz="2000" dirty="0" smtClean="0"/>
+              <a:rPr lang="en-US" altLang="zh-CN" sz="2000" dirty="0"/>
               <a:t>p</a:t>
             </a:r>
             <a:r>
-              <a:rPr lang="en-US" altLang="zh-CN" sz="2000" baseline="-25000" dirty="0" smtClean="0"/>
+              <a:rPr lang="en-US" altLang="zh-CN" sz="2000" baseline="-25000" dirty="0"/>
               <a:t>i</a:t>
             </a:r>
             <a:r>
-              <a:rPr lang="en-US" altLang="zh-CN" sz="2000" dirty="0" smtClean="0"/>
-              <a:t> </a:t>
-            </a:r>
-            <a:r>
               <a:rPr lang="en-US" altLang="zh-CN" sz="2000" dirty="0"/>
-              <a:t>→ 0.5</a:t>
+              <a:t> → 0.5</a:t>
             </a:r>
             <a:r>
               <a:rPr lang="zh-CN" altLang="en-US" sz="2000" dirty="0"/>
-              <a:t>，即每个变量状态的改变十分容易，每一种网络</a:t>
-            </a:r>
-            <a:r>
-              <a:rPr lang="zh-CN" altLang="en-US" sz="2000" dirty="0" smtClean="0"/>
-              <a:t>状态都是</a:t>
-            </a:r>
+              <a:t>，即每个变量状态的改变十分容易，每一种网络状态都是一样的，而从很快可以达到热平衡。</a:t>
+            </a:r>
+            <a:endParaRPr lang="en-US" altLang="zh-CN" sz="2000" dirty="0"/>
+          </a:p>
+          <a:p>
+            <a:pPr lvl="1"/>
             <a:r>
               <a:rPr lang="zh-CN" altLang="en-US" sz="2000" dirty="0"/>
-              <a:t>一样的，而从很快可以达到热平衡</a:t>
-            </a:r>
-            <a:r>
-              <a:rPr lang="zh-CN" altLang="en-US" sz="2000" dirty="0" smtClean="0"/>
-              <a:t>。</a:t>
-            </a:r>
-            <a:endParaRPr lang="en-US" altLang="zh-CN" sz="2000" dirty="0" smtClean="0"/>
-          </a:p>
-          <a:p>
-            <a:pPr lvl="1"/>
-            <a:r>
-              <a:rPr lang="zh-CN" altLang="en-US" sz="2000" dirty="0" smtClean="0"/>
-              <a:t>当</a:t>
-            </a:r>
-            <a:r>
-              <a:rPr lang="zh-CN" altLang="en-US" sz="2000" dirty="0"/>
-              <a:t>系统温度非常低</a:t>
+              <a:t>当系统温度非常低</a:t>
             </a:r>
             <a:r>
               <a:rPr lang="en-US" altLang="zh-CN" sz="2000" dirty="0"/>
@@ -5065,79 +4799,51 @@
             </a:r>
             <a:r>
               <a:rPr lang="zh-CN" altLang="en-US" sz="2000" dirty="0"/>
-              <a:t>时，</a:t>
-            </a:r>
-            <a:r>
-              <a:rPr lang="zh-CN" altLang="en-US" sz="2000" dirty="0" smtClean="0"/>
-              <a:t>如果∆</a:t>
-            </a:r>
-            <a:r>
-              <a:rPr lang="en-US" altLang="zh-CN" sz="2000" dirty="0" err="1" smtClean="0"/>
+              <a:t>时，如果∆</a:t>
+            </a:r>
+            <a:r>
+              <a:rPr lang="en-US" altLang="zh-CN" sz="2000" dirty="0" err="1"/>
               <a:t>E</a:t>
             </a:r>
             <a:r>
-              <a:rPr lang="en-US" altLang="zh-CN" sz="2000" baseline="-25000" dirty="0" err="1" smtClean="0"/>
+              <a:rPr lang="en-US" altLang="zh-CN" sz="2000" baseline="-25000" dirty="0" err="1"/>
               <a:t>i</a:t>
             </a:r>
             <a:r>
-              <a:rPr lang="en-US" altLang="zh-CN" sz="2000" dirty="0" smtClean="0"/>
-              <a:t> </a:t>
-            </a:r>
-            <a:r>
               <a:rPr lang="en-US" altLang="zh-CN" sz="2000" dirty="0"/>
-              <a:t>(</a:t>
-            </a:r>
-            <a:r>
-              <a:rPr lang="en-US" altLang="zh-CN" sz="2000" dirty="0" smtClean="0"/>
-              <a:t>x</a:t>
-            </a:r>
-            <a:r>
-              <a:rPr lang="en-US" altLang="zh-CN" sz="2000" baseline="-25000" dirty="0" smtClean="0"/>
+              <a:t> (x</a:t>
+            </a:r>
+            <a:r>
+              <a:rPr lang="en-US" altLang="zh-CN" sz="2000" baseline="-25000" dirty="0"/>
               <a:t>\</a:t>
             </a:r>
             <a:r>
-              <a:rPr lang="en-US" altLang="zh-CN" sz="2000" baseline="-25000" dirty="0" err="1" smtClean="0"/>
+              <a:rPr lang="en-US" altLang="zh-CN" sz="2000" baseline="-25000" dirty="0" err="1"/>
               <a:t>i</a:t>
             </a:r>
             <a:r>
-              <a:rPr lang="en-US" altLang="zh-CN" sz="2000" dirty="0" smtClean="0"/>
-              <a:t> </a:t>
-            </a:r>
-            <a:r>
               <a:rPr lang="en-US" altLang="zh-CN" sz="2000" dirty="0"/>
-              <a:t>) &gt; 0</a:t>
+              <a:t> ) &gt; 0</a:t>
             </a:r>
             <a:r>
               <a:rPr lang="zh-CN" altLang="en-US" sz="2000" dirty="0"/>
               <a:t>则</a:t>
             </a:r>
             <a:r>
-              <a:rPr lang="en-US" altLang="zh-CN" sz="2000" dirty="0" smtClean="0"/>
+              <a:rPr lang="en-US" altLang="zh-CN" sz="2000" dirty="0"/>
               <a:t>p</a:t>
             </a:r>
             <a:r>
-              <a:rPr lang="en-US" altLang="zh-CN" sz="2000" baseline="-25000" dirty="0" smtClean="0"/>
+              <a:rPr lang="en-US" altLang="zh-CN" sz="2000" baseline="-25000" dirty="0"/>
               <a:t>i</a:t>
             </a:r>
             <a:r>
-              <a:rPr lang="en-US" altLang="zh-CN" sz="2000" dirty="0" smtClean="0"/>
-              <a:t> </a:t>
-            </a:r>
-            <a:r>
               <a:rPr lang="en-US" altLang="zh-CN" sz="2000" dirty="0"/>
-              <a:t>→ </a:t>
-            </a:r>
-            <a:r>
-              <a:rPr lang="en-US" altLang="zh-CN" sz="2000" dirty="0" smtClean="0"/>
-              <a:t>1</a:t>
-            </a:r>
-            <a:r>
-              <a:rPr lang="zh-CN" altLang="en-US" sz="2000" dirty="0" smtClean="0"/>
-              <a:t>，如果</a:t>
+              <a:t> → 1</a:t>
             </a:r>
             <a:r>
               <a:rPr lang="zh-CN" altLang="en-US" sz="2000" dirty="0"/>
-              <a:t>∆</a:t>
+              <a:t>，如果∆</a:t>
             </a:r>
             <a:r>
               <a:rPr lang="en-US" altLang="zh-CN" sz="2000" dirty="0" err="1"/>
@@ -5161,49 +4867,37 @@
             </a:r>
             <a:r>
               <a:rPr lang="en-US" altLang="zh-CN" sz="2000" dirty="0"/>
-              <a:t> ) </a:t>
-            </a:r>
-            <a:r>
-              <a:rPr lang="en-US" altLang="zh-CN" sz="2000" dirty="0" smtClean="0"/>
-              <a:t>&lt; </a:t>
-            </a:r>
-            <a:r>
-              <a:rPr lang="en-US" altLang="zh-CN" sz="2000" dirty="0"/>
-              <a:t>0</a:t>
+              <a:t> ) &lt; 0</a:t>
             </a:r>
             <a:r>
               <a:rPr lang="zh-CN" altLang="en-US" sz="2000" dirty="0"/>
               <a:t>则</a:t>
             </a:r>
             <a:r>
-              <a:rPr lang="en-US" altLang="zh-CN" sz="2000" dirty="0" smtClean="0"/>
+              <a:rPr lang="en-US" altLang="zh-CN" sz="2000" dirty="0"/>
               <a:t>p</a:t>
             </a:r>
             <a:r>
-              <a:rPr lang="en-US" altLang="zh-CN" sz="2000" baseline="-25000" dirty="0" smtClean="0"/>
+              <a:rPr lang="en-US" altLang="zh-CN" sz="2000" baseline="-25000" dirty="0"/>
               <a:t>i</a:t>
             </a:r>
             <a:r>
-              <a:rPr lang="en-US" altLang="zh-CN" sz="2000" dirty="0" smtClean="0"/>
-              <a:t> </a:t>
-            </a:r>
-            <a:r>
               <a:rPr lang="en-US" altLang="zh-CN" sz="2000" dirty="0"/>
-              <a:t>→ 0</a:t>
-            </a:r>
-            <a:r>
-              <a:rPr lang="zh-CN" altLang="en-US" sz="2000" dirty="0" smtClean="0"/>
+              <a:t> → 0</a:t>
+            </a:r>
+            <a:r>
+              <a:rPr lang="zh-CN" altLang="en-US" sz="2000" dirty="0"/>
               <a:t>。</a:t>
             </a:r>
-            <a:endParaRPr lang="en-US" altLang="zh-CN" sz="2000" dirty="0" smtClean="0"/>
+            <a:endParaRPr lang="en-US" altLang="zh-CN" sz="2000" dirty="0"/>
           </a:p>
           <a:p>
             <a:pPr lvl="2"/>
             <a:r>
-              <a:rPr lang="zh-CN" altLang="en-US" sz="2000" dirty="0" smtClean="0"/>
+              <a:rPr lang="zh-CN" altLang="en-US" sz="2000" dirty="0"/>
               <a:t>随机性方法变成确定性方法</a:t>
             </a:r>
-            <a:endParaRPr lang="en-US" altLang="zh-CN" sz="2000" dirty="0" smtClean="0"/>
+            <a:endParaRPr lang="en-US" altLang="zh-CN" sz="2000" dirty="0"/>
           </a:p>
           <a:p>
             <a:endParaRPr lang="zh-CN" altLang="en-US" dirty="0"/>
@@ -5250,13 +4944,6 @@
   <p:clrMapOvr>
     <a:masterClrMapping/>
   </p:clrMapOvr>
-  <p:timing>
-    <p:tnLst>
-      <p:par>
-        <p:cTn id="1" dur="indefinite" restart="never" nodeType="tmRoot"/>
-      </p:par>
-    </p:tnLst>
-  </p:timing>
 </p:sld>
 </file>
 
@@ -5294,13 +4981,8 @@
           <a:p>
             <a:r>
               <a:rPr lang="zh-CN" altLang="en-US" dirty="0"/>
-              <a:t>玻尔兹曼机</a:t>
-            </a:r>
-            <a:r>
-              <a:rPr lang="zh-CN" altLang="en-US" dirty="0" smtClean="0"/>
-              <a:t>的参数学习</a:t>
-            </a:r>
-            <a:endParaRPr lang="zh-CN" altLang="en-US" dirty="0"/>
+              <a:t>玻尔兹曼机的参数学习</a:t>
+            </a:r>
           </a:p>
         </p:txBody>
       </p:sp>
@@ -5320,30 +5002,26 @@
           <a:lstStyle/>
           <a:p>
             <a:r>
-              <a:rPr lang="zh-CN" altLang="en-US" dirty="0" smtClean="0"/>
+              <a:rPr lang="zh-CN" altLang="en-US" dirty="0"/>
               <a:t>最大似然估计</a:t>
             </a:r>
-            <a:endParaRPr lang="en-US" altLang="zh-CN" dirty="0" smtClean="0"/>
-          </a:p>
-          <a:p>
             <a:endParaRPr lang="en-US" altLang="zh-CN" dirty="0"/>
           </a:p>
           <a:p>
-            <a:endParaRPr lang="en-US" altLang="zh-CN" dirty="0" smtClean="0"/>
-          </a:p>
-          <a:p>
             <a:endParaRPr lang="en-US" altLang="zh-CN" dirty="0"/>
           </a:p>
           <a:p>
+            <a:endParaRPr lang="en-US" altLang="zh-CN" dirty="0"/>
+          </a:p>
+          <a:p>
+            <a:endParaRPr lang="en-US" altLang="zh-CN" dirty="0"/>
+          </a:p>
+          <a:p>
             <a:r>
               <a:rPr lang="zh-CN" altLang="en-US" dirty="0"/>
-              <a:t>采用梯度上升</a:t>
-            </a:r>
-            <a:r>
-              <a:rPr lang="zh-CN" altLang="en-US" dirty="0" smtClean="0"/>
-              <a:t>法</a:t>
-            </a:r>
-            <a:endParaRPr lang="en-US" altLang="zh-CN" dirty="0" smtClean="0"/>
+              <a:t>采用梯度上升法</a:t>
+            </a:r>
+            <a:endParaRPr lang="en-US" altLang="zh-CN" dirty="0"/>
           </a:p>
           <a:p>
             <a:endParaRPr lang="zh-CN" altLang="en-US" dirty="0"/>
@@ -5420,13 +5098,6 @@
   <p:clrMapOvr>
     <a:masterClrMapping/>
   </p:clrMapOvr>
-  <p:timing>
-    <p:tnLst>
-      <p:par>
-        <p:cTn id="1" dur="indefinite" restart="never" nodeType="tmRoot"/>
-      </p:par>
-    </p:tnLst>
-  </p:timing>
 </p:sld>
 </file>
 
@@ -5485,20 +5156,16 @@
           <a:lstStyle/>
           <a:p>
             <a:r>
-              <a:rPr lang="zh-CN" altLang="en-US" dirty="0" smtClean="0"/>
+              <a:rPr lang="zh-CN" altLang="en-US" dirty="0"/>
               <a:t>基于</a:t>
             </a:r>
             <a:r>
-              <a:rPr lang="en-US" altLang="zh-CN" dirty="0" smtClean="0"/>
+              <a:rPr lang="en-US" altLang="zh-CN" dirty="0"/>
               <a:t>Gibbs</a:t>
             </a:r>
             <a:r>
-              <a:rPr lang="zh-CN" altLang="en-US" dirty="0" smtClean="0"/>
-              <a:t>采样来</a:t>
-            </a:r>
-            <a:r>
               <a:rPr lang="zh-CN" altLang="en-US" dirty="0"/>
-              <a:t>进行近似求解</a:t>
+              <a:t>采样来进行近似求解</a:t>
             </a:r>
           </a:p>
         </p:txBody>
@@ -6007,11 +5674,7 @@
           <a:p>
             <a:r>
               <a:rPr lang="zh-CN" altLang="en-US" dirty="0"/>
-              <a:t>受限玻尔兹曼</a:t>
-            </a:r>
-            <a:r>
-              <a:rPr lang="zh-CN" altLang="en-US" dirty="0" smtClean="0"/>
-              <a:t>机（</a:t>
+              <a:t>受限玻尔兹曼机（</a:t>
             </a:r>
             <a:r>
               <a:rPr lang="en-US" altLang="zh-CN" dirty="0"/>
@@ -6050,85 +5713,47 @@
             <a:pPr lvl="1"/>
             <a:r>
               <a:rPr lang="zh-CN" altLang="en-US" dirty="0"/>
-              <a:t>受限玻尔兹曼</a:t>
-            </a:r>
-            <a:r>
-              <a:rPr lang="zh-CN" altLang="en-US" dirty="0" smtClean="0"/>
-              <a:t>机是</a:t>
-            </a:r>
+              <a:t>受限玻尔兹曼机是一个二分图结构的无向图模型。</a:t>
+            </a:r>
+            <a:endParaRPr lang="en-US" altLang="zh-CN" dirty="0"/>
+          </a:p>
+          <a:p>
+            <a:pPr lvl="2"/>
             <a:r>
               <a:rPr lang="zh-CN" altLang="en-US" dirty="0"/>
-              <a:t>一个二分图结构的无向图</a:t>
-            </a:r>
-            <a:r>
-              <a:rPr lang="zh-CN" altLang="en-US" dirty="0" smtClean="0"/>
-              <a:t>模型。</a:t>
-            </a:r>
-            <a:endParaRPr lang="en-US" altLang="zh-CN" dirty="0" smtClean="0"/>
+              <a:t>在受限玻尔兹曼机中，变量可以为两组，分别为隐藏层和可见层（或输入层）。</a:t>
+            </a:r>
+            <a:endParaRPr lang="en-US" altLang="zh-CN" dirty="0"/>
           </a:p>
           <a:p>
             <a:pPr lvl="2"/>
             <a:r>
-              <a:rPr lang="zh-CN" altLang="en-US" dirty="0" smtClean="0"/>
-              <a:t>在</a:t>
-            </a:r>
-            <a:r>
               <a:rPr lang="zh-CN" altLang="en-US" dirty="0"/>
-              <a:t>受限玻尔兹曼机中，变量可以为两组，分别为隐藏层和可见层（或输入层）</a:t>
-            </a:r>
-            <a:r>
-              <a:rPr lang="zh-CN" altLang="en-US" dirty="0" smtClean="0"/>
+              <a:t>节点变量的取值为</a:t>
+            </a:r>
+            <a:r>
+              <a:rPr lang="en-US" altLang="zh-CN" dirty="0"/>
+              <a:t>0</a:t>
+            </a:r>
+            <a:r>
+              <a:rPr lang="zh-CN" altLang="en-US" dirty="0"/>
+              <a:t>或</a:t>
+            </a:r>
+            <a:r>
+              <a:rPr lang="en-US" altLang="zh-CN" dirty="0"/>
+              <a:t>1</a:t>
+            </a:r>
+            <a:r>
+              <a:rPr lang="zh-CN" altLang="en-US" dirty="0"/>
               <a:t>。</a:t>
             </a:r>
-            <a:endParaRPr lang="en-US" altLang="zh-CN" dirty="0" smtClean="0"/>
           </a:p>
           <a:p>
             <a:pPr lvl="2"/>
             <a:r>
-              <a:rPr lang="zh-CN" altLang="en-US" dirty="0" smtClean="0"/>
-              <a:t>节点</a:t>
-            </a:r>
-            <a:r>
               <a:rPr lang="zh-CN" altLang="en-US" dirty="0"/>
-              <a:t>变量的取值</a:t>
-            </a:r>
-            <a:r>
-              <a:rPr lang="zh-CN" altLang="en-US" dirty="0" smtClean="0"/>
-              <a:t>为</a:t>
-            </a:r>
-            <a:r>
-              <a:rPr lang="en-US" altLang="zh-CN" dirty="0" smtClean="0"/>
-              <a:t>0</a:t>
-            </a:r>
-            <a:r>
-              <a:rPr lang="zh-CN" altLang="en-US" dirty="0" smtClean="0"/>
-              <a:t>或</a:t>
-            </a:r>
-            <a:r>
-              <a:rPr lang="en-US" altLang="zh-CN" dirty="0" smtClean="0"/>
-              <a:t>1</a:t>
-            </a:r>
-            <a:r>
-              <a:rPr lang="zh-CN" altLang="en-US" dirty="0" smtClean="0"/>
-              <a:t>。</a:t>
-            </a:r>
-            <a:endParaRPr lang="zh-CN" altLang="en-US" dirty="0"/>
-          </a:p>
-          <a:p>
-            <a:pPr lvl="2"/>
-            <a:r>
-              <a:rPr lang="zh-CN" altLang="en-US" dirty="0" smtClean="0"/>
-              <a:t>和</a:t>
-            </a:r>
-            <a:r>
-              <a:rPr lang="zh-CN" altLang="en-US" dirty="0"/>
-              <a:t>两层的全连接神经网络的结构相同</a:t>
-            </a:r>
-            <a:r>
-              <a:rPr lang="zh-CN" altLang="en-US" dirty="0" smtClean="0"/>
-              <a:t>。</a:t>
-            </a:r>
-            <a:endParaRPr lang="zh-CN" altLang="en-US" dirty="0"/>
+              <a:t>和两层的全连接神经网络的结构相同。</a:t>
+            </a:r>
           </a:p>
         </p:txBody>
       </p:sp>
@@ -6202,13 +5827,6 @@
   <p:clrMapOvr>
     <a:masterClrMapping/>
   </p:clrMapOvr>
-  <p:timing>
-    <p:tnLst>
-      <p:par>
-        <p:cTn id="1" dur="indefinite" restart="never" nodeType="tmRoot"/>
-      </p:par>
-    </p:tnLst>
-  </p:timing>
 </p:sld>
 </file>
 
@@ -6245,7 +5863,7 @@
           <a:lstStyle/>
           <a:p>
             <a:r>
-              <a:rPr lang="zh-CN" altLang="en-US" dirty="0" smtClean="0"/>
+              <a:rPr lang="zh-CN" altLang="en-US" dirty="0"/>
               <a:t>深度信念网络（</a:t>
             </a:r>
             <a:r>
@@ -6285,69 +5903,24 @@
             <a:pPr lvl="1"/>
             <a:r>
               <a:rPr lang="zh-CN" altLang="en-US" dirty="0"/>
-              <a:t>深度信念</a:t>
-            </a:r>
-            <a:r>
-              <a:rPr lang="zh-CN" altLang="en-US" dirty="0" smtClean="0"/>
-              <a:t>网络是</a:t>
-            </a:r>
+              <a:t>深度信念网络是深度的有向的概率图模型，其图结构由多层的节点构成。</a:t>
+            </a:r>
+            <a:endParaRPr lang="en-US" altLang="zh-CN" dirty="0"/>
+          </a:p>
+          <a:p>
+            <a:pPr lvl="2"/>
             <a:r>
               <a:rPr lang="zh-CN" altLang="en-US" dirty="0"/>
-              <a:t>深度的有向的概率图</a:t>
-            </a:r>
-            <a:r>
-              <a:rPr lang="zh-CN" altLang="en-US" dirty="0" smtClean="0"/>
-              <a:t>模型，其</a:t>
-            </a:r>
+              <a:t>和全连接的神经网络结构相同。</a:t>
+            </a:r>
+            <a:endParaRPr lang="en-US" altLang="zh-CN" dirty="0"/>
+          </a:p>
+          <a:p>
+            <a:pPr lvl="2"/>
             <a:r>
               <a:rPr lang="zh-CN" altLang="en-US" dirty="0"/>
-              <a:t>图结构由多层的节点构成</a:t>
-            </a:r>
-            <a:r>
-              <a:rPr lang="zh-CN" altLang="en-US" dirty="0" smtClean="0"/>
-              <a:t>。</a:t>
-            </a:r>
-            <a:endParaRPr lang="en-US" altLang="zh-CN" dirty="0" smtClean="0"/>
-          </a:p>
-          <a:p>
-            <a:pPr lvl="2"/>
-            <a:r>
-              <a:rPr lang="zh-CN" altLang="en-US" dirty="0" smtClean="0"/>
-              <a:t>和</a:t>
-            </a:r>
-            <a:r>
-              <a:rPr lang="zh-CN" altLang="en-US" dirty="0"/>
-              <a:t>全连接的神经网络结构相同</a:t>
-            </a:r>
-            <a:r>
-              <a:rPr lang="zh-CN" altLang="en-US" dirty="0" smtClean="0"/>
-              <a:t>。</a:t>
-            </a:r>
-            <a:endParaRPr lang="en-US" altLang="zh-CN" dirty="0" smtClean="0"/>
-          </a:p>
-          <a:p>
-            <a:pPr lvl="2"/>
-            <a:r>
-              <a:rPr lang="zh-CN" altLang="en-US" dirty="0" smtClean="0"/>
-              <a:t>顶部的两</a:t>
-            </a:r>
-            <a:r>
-              <a:rPr lang="zh-CN" altLang="en-US" dirty="0"/>
-              <a:t>层为一个</a:t>
-            </a:r>
-            <a:r>
-              <a:rPr lang="zh-CN" altLang="en-US" dirty="0" smtClean="0"/>
-              <a:t>无向图，可以</a:t>
-            </a:r>
-            <a:r>
-              <a:rPr lang="zh-CN" altLang="en-US" dirty="0"/>
-              <a:t>看做是一个受限玻尔兹曼</a:t>
-            </a:r>
-            <a:r>
-              <a:rPr lang="zh-CN" altLang="en-US" dirty="0" smtClean="0"/>
-              <a:t>机。</a:t>
-            </a:r>
-            <a:endParaRPr lang="zh-CN" altLang="en-US" dirty="0"/>
+              <a:t>顶部的两层为一个无向图，可以看做是一个受限玻尔兹曼机。</a:t>
+            </a:r>
           </a:p>
         </p:txBody>
       </p:sp>
@@ -6404,18 +5977,13 @@
           <a:lstStyle/>
           <a:p>
             <a:r>
-              <a:rPr lang="zh-CN" altLang="en-US" dirty="0" smtClean="0">
+              <a:rPr lang="zh-CN" altLang="en-US" dirty="0">
                 <a:solidFill>
                   <a:srgbClr val="FF0000"/>
                 </a:solidFill>
               </a:rPr>
               <a:t>认知权重</a:t>
             </a:r>
-            <a:endParaRPr lang="zh-CN" altLang="en-US" dirty="0">
-              <a:solidFill>
-                <a:srgbClr val="FF0000"/>
-              </a:solidFill>
-            </a:endParaRPr>
           </a:p>
         </p:txBody>
       </p:sp>
@@ -6442,18 +6010,13 @@
           <a:lstStyle/>
           <a:p>
             <a:r>
-              <a:rPr lang="zh-CN" altLang="en-US" dirty="0" smtClean="0">
+              <a:rPr lang="zh-CN" altLang="en-US" dirty="0">
                 <a:solidFill>
                   <a:srgbClr val="FF0000"/>
                 </a:solidFill>
               </a:rPr>
               <a:t>生成权重</a:t>
             </a:r>
-            <a:endParaRPr lang="zh-CN" altLang="en-US" dirty="0">
-              <a:solidFill>
-                <a:srgbClr val="FF0000"/>
-              </a:solidFill>
-            </a:endParaRPr>
           </a:p>
         </p:txBody>
       </p:sp>
@@ -6497,13 +6060,6 @@
   <p:clrMapOvr>
     <a:masterClrMapping/>
   </p:clrMapOvr>
-  <p:timing>
-    <p:tnLst>
-      <p:par>
-        <p:cTn id="1" dur="indefinite" restart="never" nodeType="tmRoot"/>
-      </p:par>
-    </p:tnLst>
-  </p:timing>
 </p:sld>
 </file>
 
@@ -6548,10 +6104,9 @@
               <a:t>-</a:t>
             </a:r>
             <a:r>
-              <a:rPr lang="zh-CN" altLang="en-US" dirty="0" smtClean="0"/>
+              <a:rPr lang="zh-CN" altLang="en-US" dirty="0"/>
               <a:t>逐层训练</a:t>
             </a:r>
-            <a:endParaRPr lang="zh-CN" altLang="en-US" dirty="0"/>
           </a:p>
         </p:txBody>
       </p:sp>
@@ -6572,7 +6127,7 @@
           <a:p>
             <a:pPr lvl="1"/>
             <a:r>
-              <a:rPr lang="zh-CN" altLang="en-US" dirty="0" smtClean="0">
+              <a:rPr lang="zh-CN" altLang="en-US" dirty="0">
                 <a:solidFill>
                   <a:srgbClr val="FF0000"/>
                 </a:solidFill>
@@ -6580,10 +6135,9 @@
               <a:t>逐层训练</a:t>
             </a:r>
             <a:r>
-              <a:rPr lang="zh-CN" altLang="en-US" dirty="0" smtClean="0"/>
+              <a:rPr lang="zh-CN" altLang="en-US" dirty="0"/>
               <a:t>是能够有效训练深度模型的最早的方法。</a:t>
             </a:r>
-            <a:endParaRPr lang="zh-CN" altLang="en-US" dirty="0"/>
           </a:p>
         </p:txBody>
       </p:sp>
@@ -6627,13 +6181,6 @@
   <p:clrMapOvr>
     <a:masterClrMapping/>
   </p:clrMapOvr>
-  <p:timing>
-    <p:tnLst>
-      <p:par>
-        <p:cTn id="1" dur="indefinite" restart="never" nodeType="tmRoot"/>
-      </p:par>
-    </p:tnLst>
-  </p:timing>
 </p:sld>
 </file>
 

--- a/ppt/chap-深度信念网络.pptx
+++ b/ppt/chap-深度信念网络.pptx
@@ -5,20 +5,31 @@
     <p:sldMasterId id="2147483756" r:id="rId1"/>
   </p:sldMasterIdLst>
   <p:notesMasterIdLst>
-    <p:notesMasterId r:id="rId13"/>
+    <p:notesMasterId r:id="rId24"/>
   </p:notesMasterIdLst>
   <p:sldIdLst>
     <p:sldId id="256" r:id="rId2"/>
     <p:sldId id="1055" r:id="rId3"/>
     <p:sldId id="1073" r:id="rId4"/>
     <p:sldId id="1074" r:id="rId5"/>
-    <p:sldId id="1075" r:id="rId6"/>
-    <p:sldId id="1076" r:id="rId7"/>
-    <p:sldId id="921" r:id="rId8"/>
-    <p:sldId id="920" r:id="rId9"/>
-    <p:sldId id="922" r:id="rId10"/>
-    <p:sldId id="1077" r:id="rId11"/>
-    <p:sldId id="447" r:id="rId12"/>
+    <p:sldId id="1078" r:id="rId6"/>
+    <p:sldId id="1079" r:id="rId7"/>
+    <p:sldId id="1075" r:id="rId8"/>
+    <p:sldId id="1076" r:id="rId9"/>
+    <p:sldId id="1088" r:id="rId10"/>
+    <p:sldId id="921" r:id="rId11"/>
+    <p:sldId id="1080" r:id="rId12"/>
+    <p:sldId id="1082" r:id="rId13"/>
+    <p:sldId id="1081" r:id="rId14"/>
+    <p:sldId id="1083" r:id="rId15"/>
+    <p:sldId id="1087" r:id="rId16"/>
+    <p:sldId id="920" r:id="rId17"/>
+    <p:sldId id="1084" r:id="rId18"/>
+    <p:sldId id="1086" r:id="rId19"/>
+    <p:sldId id="922" r:id="rId20"/>
+    <p:sldId id="1085" r:id="rId21"/>
+    <p:sldId id="1077" r:id="rId22"/>
+    <p:sldId id="447" r:id="rId23"/>
   </p:sldIdLst>
   <p:sldSz cx="9144000" cy="6858000" type="screen4x3"/>
   <p:notesSz cx="6858000" cy="9144000"/>
@@ -156,11 +167,22 @@
             <p14:sldId id="1055"/>
             <p14:sldId id="1073"/>
             <p14:sldId id="1074"/>
+            <p14:sldId id="1078"/>
+            <p14:sldId id="1079"/>
             <p14:sldId id="1075"/>
             <p14:sldId id="1076"/>
+            <p14:sldId id="1088"/>
             <p14:sldId id="921"/>
+            <p14:sldId id="1080"/>
+            <p14:sldId id="1082"/>
+            <p14:sldId id="1081"/>
+            <p14:sldId id="1083"/>
+            <p14:sldId id="1087"/>
             <p14:sldId id="920"/>
+            <p14:sldId id="1084"/>
+            <p14:sldId id="1086"/>
             <p14:sldId id="922"/>
+            <p14:sldId id="1085"/>
             <p14:sldId id="1077"/>
             <p14:sldId id="447"/>
           </p14:sldIdLst>
@@ -291,7 +313,7 @@
               <a:pPr>
                 <a:defRPr/>
               </a:pPr>
-              <a:t>12/1/2018</a:t>
+              <a:t>12/3/2018</a:t>
             </a:fld>
             <a:endParaRPr lang="en-US" altLang="zh-CN"/>
           </a:p>
@@ -946,7 +968,7 @@
               <a:pPr>
                 <a:defRPr/>
               </a:pPr>
-              <a:t>9</a:t>
+              <a:t>19</a:t>
             </a:fld>
             <a:endParaRPr lang="en-US" altLang="zh-CN"/>
           </a:p>
@@ -2748,14 +2770,14 @@
           </a:ln>
           <a:extLst>
             <a:ext uri="{909E8E84-426E-40dd-AFC4-6F175D3DCCD1}">
-              <a14:hiddenFill xmlns:a14="http://schemas.microsoft.com/office/drawing/2010/main" xmlns="">
+              <a14:hiddenFill xmlns="" xmlns:a14="http://schemas.microsoft.com/office/drawing/2010/main">
                 <a:solidFill>
                   <a:srgbClr val="FFFFFF"/>
                 </a:solidFill>
               </a14:hiddenFill>
             </a:ext>
             <a:ext uri="{91240B29-F687-4f45-9708-019B960494DF}">
-              <a14:hiddenLine xmlns:a14="http://schemas.microsoft.com/office/drawing/2010/main" xmlns="" w="9525">
+              <a14:hiddenLine xmlns="" xmlns:a14="http://schemas.microsoft.com/office/drawing/2010/main" w="9525">
                 <a:solidFill>
                   <a:srgbClr val="000000"/>
                 </a:solidFill>
@@ -2806,14 +2828,14 @@
           </a:ln>
           <a:extLst>
             <a:ext uri="{909E8E84-426E-40dd-AFC4-6F175D3DCCD1}">
-              <a14:hiddenFill xmlns:a14="http://schemas.microsoft.com/office/drawing/2010/main" xmlns="">
+              <a14:hiddenFill xmlns="" xmlns:a14="http://schemas.microsoft.com/office/drawing/2010/main">
                 <a:solidFill>
                   <a:srgbClr val="FFFFFF"/>
                 </a:solidFill>
               </a14:hiddenFill>
             </a:ext>
             <a:ext uri="{91240B29-F687-4f45-9708-019B960494DF}">
-              <a14:hiddenLine xmlns:a14="http://schemas.microsoft.com/office/drawing/2010/main" xmlns="" w="9525">
+              <a14:hiddenLine xmlns="" xmlns:a14="http://schemas.microsoft.com/office/drawing/2010/main" w="9525">
                 <a:solidFill>
                   <a:srgbClr val="000000"/>
                 </a:solidFill>
@@ -2896,7 +2918,7 @@
           </a:ln>
           <a:extLst>
             <a:ext uri="{909E8E84-426E-40dd-AFC4-6F175D3DCCD1}">
-              <a14:hiddenFill xmlns:a14="http://schemas.microsoft.com/office/drawing/2010/main" xmlns="">
+              <a14:hiddenFill xmlns="" xmlns:a14="http://schemas.microsoft.com/office/drawing/2010/main">
                 <a:noFill/>
               </a14:hiddenFill>
             </a:ext>
@@ -2938,7 +2960,7 @@
           </a:ln>
           <a:extLst>
             <a:ext uri="{909E8E84-426E-40dd-AFC4-6F175D3DCCD1}">
-              <a14:hiddenFill xmlns:a14="http://schemas.microsoft.com/office/drawing/2010/main" xmlns="">
+              <a14:hiddenFill xmlns="" xmlns:a14="http://schemas.microsoft.com/office/drawing/2010/main">
                 <a:noFill/>
               </a14:hiddenFill>
             </a:ext>
@@ -3759,16 +3781,24 @@
           <a:lstStyle/>
           <a:p>
             <a:r>
-              <a:rPr lang="zh-CN" altLang="en-US" dirty="0"/>
-              <a:t>训练深度信念网络</a:t>
-            </a:r>
-            <a:r>
-              <a:rPr lang="en-US" altLang="zh-CN" dirty="0"/>
-              <a:t>-</a:t>
-            </a:r>
-            <a:r>
-              <a:rPr lang="zh-CN" altLang="en-US" dirty="0"/>
-              <a:t>精调</a:t>
+              <a:rPr lang="zh-CN" altLang="en-US" sz="3200" dirty="0"/>
+              <a:t>受限玻尔兹曼机（</a:t>
+            </a:r>
+            <a:r>
+              <a:rPr lang="en-US" altLang="zh-CN" sz="3200" dirty="0"/>
+              <a:t>Restricted Boltzmann Machines</a:t>
+            </a:r>
+            <a:r>
+              <a:rPr lang="zh-CN" altLang="en-US" sz="3200" dirty="0"/>
+              <a:t>，</a:t>
+            </a:r>
+            <a:r>
+              <a:rPr lang="en-US" altLang="zh-CN" sz="3200" dirty="0"/>
+              <a:t>RBM</a:t>
+            </a:r>
+            <a:r>
+              <a:rPr lang="zh-CN" altLang="en-US" sz="3200" dirty="0"/>
+              <a:t>）</a:t>
             </a:r>
           </a:p>
         </p:txBody>
@@ -3789,90 +3819,85 @@
           <a:lstStyle/>
           <a:p>
             <a:r>
+              <a:rPr lang="zh-CN" altLang="en-US" dirty="0"/>
+              <a:t>受限玻尔兹曼机是一个二分图结构的无向图模型。</a:t>
+            </a:r>
+            <a:endParaRPr lang="en-US" altLang="zh-CN" dirty="0"/>
+          </a:p>
+          <a:p>
+            <a:pPr lvl="1"/>
+            <a:r>
+              <a:rPr lang="zh-CN" altLang="en-US" dirty="0"/>
+              <a:t>在受限玻尔兹曼机中，变量可以为两组，分别为隐藏层和可见层（或输入层）。</a:t>
+            </a:r>
+            <a:endParaRPr lang="en-US" altLang="zh-CN" dirty="0"/>
+          </a:p>
+          <a:p>
+            <a:pPr lvl="1"/>
+            <a:r>
+              <a:rPr lang="zh-CN" altLang="en-US" dirty="0"/>
+              <a:t>节点变量的取值为</a:t>
+            </a:r>
+            <a:r>
               <a:rPr lang="en-US" altLang="zh-CN" dirty="0"/>
-              <a:t>contrastive wake-sleep</a:t>
+              <a:t>0</a:t>
             </a:r>
             <a:r>
               <a:rPr lang="zh-CN" altLang="en-US" dirty="0"/>
-              <a:t>算法</a:t>
-            </a:r>
-            <a:endParaRPr lang="en-US" altLang="zh-CN" dirty="0"/>
+              <a:t>或</a:t>
+            </a:r>
+            <a:r>
+              <a:rPr lang="en-US" altLang="zh-CN" dirty="0"/>
+              <a:t>1</a:t>
+            </a:r>
+            <a:r>
+              <a:rPr lang="zh-CN" altLang="en-US" dirty="0"/>
+              <a:t>。</a:t>
+            </a:r>
           </a:p>
           <a:p>
             <a:pPr lvl="1"/>
             <a:r>
-              <a:rPr lang="en-US" altLang="zh-CN" dirty="0"/>
-              <a:t>Wake</a:t>
-            </a:r>
-            <a:r>
               <a:rPr lang="zh-CN" altLang="en-US" dirty="0"/>
-              <a:t>阶段：认知过程，通过外界输入（可见变量）和向上认知权重，计算每一层隐变量的后验概率并采样。然后，修改下行的生成权重使得下一层的变量的后验概率最大 </a:t>
-            </a:r>
-            <a:endParaRPr lang="en-US" altLang="zh-CN" dirty="0"/>
-          </a:p>
-          <a:p>
-            <a:pPr lvl="3"/>
-            <a:r>
-              <a:rPr lang="zh-CN" altLang="en-US" dirty="0">
-                <a:solidFill>
-                  <a:srgbClr val="FF0000"/>
-                </a:solidFill>
-              </a:rPr>
-              <a:t>“如果现实跟我想象的不一样，改变我的权重使得我想象的东西就是这样的”；</a:t>
-            </a:r>
-          </a:p>
-          <a:p>
-            <a:pPr lvl="1"/>
-            <a:r>
-              <a:rPr lang="en-US" altLang="zh-CN" dirty="0"/>
-              <a:t>Sleep</a:t>
-            </a:r>
-            <a:r>
-              <a:rPr lang="zh-CN" altLang="en-US" dirty="0"/>
-              <a:t>阶段：生成过程，通过顶层的采样和向下的生成权重，逐层计算每一层的后验概率并采样。然后，修改向上的认知权重使得上一层变量的后验概率最大。</a:t>
-            </a:r>
-            <a:endParaRPr lang="en-US" altLang="zh-CN" dirty="0"/>
-          </a:p>
-          <a:p>
-            <a:pPr lvl="3"/>
-            <a:r>
-              <a:rPr lang="zh-CN" altLang="en-US" dirty="0">
-                <a:solidFill>
-                  <a:srgbClr val="FF0000"/>
-                </a:solidFill>
-              </a:rPr>
-              <a:t>“如果梦中的景象不是我脑中的相应概念，改变我的认知权重使得这种景象在我看来就是这个概念”；</a:t>
-            </a:r>
-          </a:p>
-          <a:p>
-            <a:pPr lvl="1"/>
-            <a:r>
-              <a:rPr lang="zh-CN" altLang="en-US" dirty="0"/>
-              <a:t>交替进行</a:t>
-            </a:r>
-            <a:r>
-              <a:rPr lang="en-US" altLang="zh-CN" dirty="0"/>
-              <a:t>Wake</a:t>
-            </a:r>
-            <a:r>
-              <a:rPr lang="zh-CN" altLang="en-US" dirty="0"/>
-              <a:t>和</a:t>
-            </a:r>
-            <a:r>
-              <a:rPr lang="en-US" altLang="zh-CN" dirty="0"/>
-              <a:t>Sleep</a:t>
-            </a:r>
-            <a:r>
-              <a:rPr lang="zh-CN" altLang="en-US" dirty="0"/>
-              <a:t>过程，直到收敛。</a:t>
+              <a:t>和两层的全连接神经网络的结构相同。</a:t>
             </a:r>
           </a:p>
         </p:txBody>
       </p:sp>
+      <p:pic>
+        <p:nvPicPr>
+          <p:cNvPr id="4" name="图片 3" descr="屏幕剪辑"/>
+          <p:cNvPicPr>
+            <a:picLocks noChangeAspect="1"/>
+          </p:cNvPicPr>
+          <p:nvPr/>
+        </p:nvPicPr>
+        <p:blipFill>
+          <a:blip r:embed="rId2">
+            <a:extLst>
+              <a:ext uri="{28A0092B-C50C-407E-A947-70E740481C1C}">
+                <a14:useLocalDpi xmlns:a14="http://schemas.microsoft.com/office/drawing/2010/main" val="0"/>
+              </a:ext>
+            </a:extLst>
+          </a:blip>
+          <a:stretch>
+            <a:fillRect/>
+          </a:stretch>
+        </p:blipFill>
+        <p:spPr>
+          <a:xfrm>
+            <a:off x="2057400" y="4191000"/>
+            <a:ext cx="4513758" cy="1724234"/>
+          </a:xfrm>
+          <a:prstGeom prst="rect">
+            <a:avLst/>
+          </a:prstGeom>
+        </p:spPr>
+      </p:pic>
     </p:spTree>
     <p:extLst>
       <p:ext uri="{BB962C8B-B14F-4D97-AF65-F5344CB8AC3E}">
-        <p14:creationId xmlns:p14="http://schemas.microsoft.com/office/powerpoint/2010/main" val="3321002172"/>
+        <p14:creationId xmlns:p14="http://schemas.microsoft.com/office/powerpoint/2010/main" val="1453301330"/>
       </p:ext>
     </p:extLst>
   </p:cSld>
@@ -3901,28 +3926,548 @@
       </p:grpSpPr>
       <p:sp>
         <p:nvSpPr>
-          <p:cNvPr id="2" name="矩形 1"/>
-          <p:cNvSpPr/>
+          <p:cNvPr id="2" name="标题 1">
+            <a:extLst>
+              <a:ext uri="{FF2B5EF4-FFF2-40B4-BE49-F238E27FC236}">
+                <a16:creationId xmlns:a16="http://schemas.microsoft.com/office/drawing/2014/main" id="{CBC93C56-A056-4D09-B693-5235D7FFE38B}"/>
+              </a:ext>
+            </a:extLst>
+          </p:cNvPr>
+          <p:cNvSpPr>
+            <a:spLocks noGrp="1"/>
+          </p:cNvSpPr>
+          <p:nvPr>
+            <p:ph type="title"/>
+          </p:nvPr>
+        </p:nvSpPr>
+        <p:spPr/>
+        <p:txBody>
+          <a:bodyPr/>
+          <a:lstStyle/>
+          <a:p>
+            <a:r>
+              <a:rPr lang="zh-CN" altLang="en-US" dirty="0"/>
+              <a:t>全条件概率</a:t>
+            </a:r>
+          </a:p>
+        </p:txBody>
+      </p:sp>
+      <p:pic>
+        <p:nvPicPr>
+          <p:cNvPr id="3" name="图片 2">
+            <a:extLst>
+              <a:ext uri="{FF2B5EF4-FFF2-40B4-BE49-F238E27FC236}">
+                <a16:creationId xmlns:a16="http://schemas.microsoft.com/office/drawing/2014/main" id="{2091471F-2B89-492B-98F4-BB6681D43BFE}"/>
+              </a:ext>
+            </a:extLst>
+          </p:cNvPr>
+          <p:cNvPicPr>
+            <a:picLocks noChangeAspect="1"/>
+          </p:cNvPicPr>
           <p:nvPr/>
-        </p:nvSpPr>
+        </p:nvPicPr>
+        <p:blipFill>
+          <a:blip r:embed="rId2"/>
+          <a:stretch>
+            <a:fillRect/>
+          </a:stretch>
+        </p:blipFill>
         <p:spPr>
           <a:xfrm>
-            <a:off x="3352800" y="4038600"/>
-            <a:ext cx="2313454" cy="369332"/>
+            <a:off x="1104900" y="1833249"/>
+            <a:ext cx="6934200" cy="3191501"/>
           </a:xfrm>
           <a:prstGeom prst="rect">
             <a:avLst/>
           </a:prstGeom>
         </p:spPr>
+      </p:pic>
+    </p:spTree>
+    <p:extLst>
+      <p:ext uri="{BB962C8B-B14F-4D97-AF65-F5344CB8AC3E}">
+        <p14:creationId xmlns:p14="http://schemas.microsoft.com/office/powerpoint/2010/main" val="52485076"/>
+      </p:ext>
+    </p:extLst>
+  </p:cSld>
+  <p:clrMapOvr>
+    <a:masterClrMapping/>
+  </p:clrMapOvr>
+</p:sld>
+</file>
+
+<file path=ppt/slides/slide12.xml><?xml version="1.0" encoding="utf-8"?>
+<p:sld xmlns:a="http://schemas.openxmlformats.org/drawingml/2006/main" xmlns:r="http://schemas.openxmlformats.org/officeDocument/2006/relationships" xmlns:p="http://schemas.openxmlformats.org/presentationml/2006/main">
+  <p:cSld>
+    <p:spTree>
+      <p:nvGrpSpPr>
+        <p:cNvPr id="1" name=""/>
+        <p:cNvGrpSpPr/>
+        <p:nvPr/>
+      </p:nvGrpSpPr>
+      <p:grpSpPr>
+        <a:xfrm>
+          <a:off x="0" y="0"/>
+          <a:ext cx="0" cy="0"/>
+          <a:chOff x="0" y="0"/>
+          <a:chExt cx="0" cy="0"/>
+        </a:xfrm>
+      </p:grpSpPr>
+      <p:sp>
+        <p:nvSpPr>
+          <p:cNvPr id="2" name="标题 1">
+            <a:extLst>
+              <a:ext uri="{FF2B5EF4-FFF2-40B4-BE49-F238E27FC236}">
+                <a16:creationId xmlns:a16="http://schemas.microsoft.com/office/drawing/2014/main" id="{F55487DC-2C3E-474E-9432-72C7FF9031A5}"/>
+              </a:ext>
+            </a:extLst>
+          </p:cNvPr>
+          <p:cNvSpPr>
+            <a:spLocks noGrp="1"/>
+          </p:cNvSpPr>
+          <p:nvPr>
+            <p:ph type="title"/>
+          </p:nvPr>
+        </p:nvSpPr>
+        <p:spPr/>
         <p:txBody>
-          <a:bodyPr wrap="none">
-            <a:spAutoFit/>
-          </a:bodyPr>
+          <a:bodyPr/>
           <a:lstStyle/>
           <a:p>
             <a:r>
               <a:rPr lang="zh-CN" altLang="en-US" dirty="0"/>
-              <a:t>https://nndl.github.io/</a:t>
+              <a:t>参数学习</a:t>
+            </a:r>
+          </a:p>
+        </p:txBody>
+      </p:sp>
+      <p:sp>
+        <p:nvSpPr>
+          <p:cNvPr id="3" name="内容占位符 2">
+            <a:extLst>
+              <a:ext uri="{FF2B5EF4-FFF2-40B4-BE49-F238E27FC236}">
+                <a16:creationId xmlns:a16="http://schemas.microsoft.com/office/drawing/2014/main" id="{4577C2D5-1FB0-4839-8736-CD2F94E8588C}"/>
+              </a:ext>
+            </a:extLst>
+          </p:cNvPr>
+          <p:cNvSpPr>
+            <a:spLocks noGrp="1"/>
+          </p:cNvSpPr>
+          <p:nvPr>
+            <p:ph sz="quarter" idx="1"/>
+          </p:nvPr>
+        </p:nvSpPr>
+        <p:spPr/>
+        <p:txBody>
+          <a:bodyPr/>
+          <a:lstStyle/>
+          <a:p>
+            <a:r>
+              <a:rPr lang="zh-CN" altLang="en-US" dirty="0"/>
+              <a:t>采用梯度上升法时，参数</a:t>
+            </a:r>
+            <a:r>
+              <a:rPr lang="en-US" altLang="zh-CN" dirty="0" err="1"/>
+              <a:t>W,a,b</a:t>
+            </a:r>
+            <a:r>
+              <a:rPr lang="zh-CN" altLang="en-US" dirty="0"/>
+              <a:t>可以用下面公式近似地更新</a:t>
+            </a:r>
+            <a:endParaRPr lang="en-US" altLang="zh-CN" dirty="0"/>
+          </a:p>
+          <a:p>
+            <a:endParaRPr lang="en-US" altLang="zh-CN" dirty="0"/>
+          </a:p>
+          <a:p>
+            <a:endParaRPr lang="en-US" altLang="zh-CN" dirty="0"/>
+          </a:p>
+          <a:p>
+            <a:endParaRPr lang="en-US" altLang="zh-CN" dirty="0"/>
+          </a:p>
+          <a:p>
+            <a:endParaRPr lang="en-US" altLang="zh-CN" dirty="0"/>
+          </a:p>
+          <a:p>
+            <a:r>
+              <a:rPr lang="zh-CN" altLang="en-US" dirty="0"/>
+              <a:t>根据受限玻尔兹曼机的条件独立性，可以对可观测变量和隐变量进行分组轮流采样。</a:t>
+            </a:r>
+            <a:endParaRPr lang="en-US" altLang="zh-CN" dirty="0"/>
+          </a:p>
+        </p:txBody>
+      </p:sp>
+      <p:pic>
+        <p:nvPicPr>
+          <p:cNvPr id="5" name="图片 4">
+            <a:extLst>
+              <a:ext uri="{FF2B5EF4-FFF2-40B4-BE49-F238E27FC236}">
+                <a16:creationId xmlns:a16="http://schemas.microsoft.com/office/drawing/2014/main" id="{79264B1F-9251-4EDA-86FB-EDC308AA0DCB}"/>
+              </a:ext>
+            </a:extLst>
+          </p:cNvPr>
+          <p:cNvPicPr>
+            <a:picLocks noChangeAspect="1"/>
+          </p:cNvPicPr>
+          <p:nvPr/>
+        </p:nvPicPr>
+        <p:blipFill>
+          <a:blip r:embed="rId2">
+            <a:extLst>
+              <a:ext uri="{28A0092B-C50C-407E-A947-70E740481C1C}">
+                <a14:useLocalDpi xmlns:a14="http://schemas.microsoft.com/office/drawing/2010/main" val="0"/>
+              </a:ext>
+            </a:extLst>
+          </a:blip>
+          <a:stretch>
+            <a:fillRect/>
+          </a:stretch>
+        </p:blipFill>
+        <p:spPr>
+          <a:xfrm>
+            <a:off x="1981200" y="2590800"/>
+            <a:ext cx="4419600" cy="1607128"/>
+          </a:xfrm>
+          <a:prstGeom prst="rect">
+            <a:avLst/>
+          </a:prstGeom>
+        </p:spPr>
+      </p:pic>
+    </p:spTree>
+    <p:extLst>
+      <p:ext uri="{BB962C8B-B14F-4D97-AF65-F5344CB8AC3E}">
+        <p14:creationId xmlns:p14="http://schemas.microsoft.com/office/powerpoint/2010/main" val="1870423272"/>
+      </p:ext>
+    </p:extLst>
+  </p:cSld>
+  <p:clrMapOvr>
+    <a:masterClrMapping/>
+  </p:clrMapOvr>
+</p:sld>
+</file>
+
+<file path=ppt/slides/slide13.xml><?xml version="1.0" encoding="utf-8"?>
+<p:sld xmlns:a="http://schemas.openxmlformats.org/drawingml/2006/main" xmlns:r="http://schemas.openxmlformats.org/officeDocument/2006/relationships" xmlns:p="http://schemas.openxmlformats.org/presentationml/2006/main">
+  <p:cSld>
+    <p:spTree>
+      <p:nvGrpSpPr>
+        <p:cNvPr id="1" name=""/>
+        <p:cNvGrpSpPr/>
+        <p:nvPr/>
+      </p:nvGrpSpPr>
+      <p:grpSpPr>
+        <a:xfrm>
+          <a:off x="0" y="0"/>
+          <a:ext cx="0" cy="0"/>
+          <a:chOff x="0" y="0"/>
+          <a:chExt cx="0" cy="0"/>
+        </a:xfrm>
+      </p:grpSpPr>
+      <p:sp>
+        <p:nvSpPr>
+          <p:cNvPr id="2" name="标题 1">
+            <a:extLst>
+              <a:ext uri="{FF2B5EF4-FFF2-40B4-BE49-F238E27FC236}">
+                <a16:creationId xmlns:a16="http://schemas.microsoft.com/office/drawing/2014/main" id="{94E7E0AF-069A-464B-8927-D3F2EDE2DC0E}"/>
+              </a:ext>
+            </a:extLst>
+          </p:cNvPr>
+          <p:cNvSpPr>
+            <a:spLocks noGrp="1"/>
+          </p:cNvSpPr>
+          <p:nvPr>
+            <p:ph type="title"/>
+          </p:nvPr>
+        </p:nvSpPr>
+        <p:spPr/>
+        <p:txBody>
+          <a:bodyPr/>
+          <a:lstStyle/>
+          <a:p>
+            <a:r>
+              <a:rPr lang="zh-CN" altLang="en-US" dirty="0"/>
+              <a:t>对比散度算法 </a:t>
+            </a:r>
+            <a:r>
+              <a:rPr lang="en-US" altLang="zh-CN" dirty="0"/>
+              <a:t>Contrastive Divergence</a:t>
+            </a:r>
+            <a:endParaRPr lang="zh-CN" altLang="en-US" dirty="0"/>
+          </a:p>
+        </p:txBody>
+      </p:sp>
+      <p:pic>
+        <p:nvPicPr>
+          <p:cNvPr id="3" name="图片 2">
+            <a:extLst>
+              <a:ext uri="{FF2B5EF4-FFF2-40B4-BE49-F238E27FC236}">
+                <a16:creationId xmlns:a16="http://schemas.microsoft.com/office/drawing/2014/main" id="{F8F56028-9F0F-454F-9B17-D9D27A97D1BD}"/>
+              </a:ext>
+            </a:extLst>
+          </p:cNvPr>
+          <p:cNvPicPr>
+            <a:picLocks noChangeAspect="1"/>
+          </p:cNvPicPr>
+          <p:nvPr/>
+        </p:nvPicPr>
+        <p:blipFill>
+          <a:blip r:embed="rId2"/>
+          <a:stretch>
+            <a:fillRect/>
+          </a:stretch>
+        </p:blipFill>
+        <p:spPr>
+          <a:xfrm>
+            <a:off x="1828800" y="1219200"/>
+            <a:ext cx="5370124" cy="5105400"/>
+          </a:xfrm>
+          <a:prstGeom prst="rect">
+            <a:avLst/>
+          </a:prstGeom>
+        </p:spPr>
+      </p:pic>
+    </p:spTree>
+    <p:extLst>
+      <p:ext uri="{BB962C8B-B14F-4D97-AF65-F5344CB8AC3E}">
+        <p14:creationId xmlns:p14="http://schemas.microsoft.com/office/powerpoint/2010/main" val="2924514716"/>
+      </p:ext>
+    </p:extLst>
+  </p:cSld>
+  <p:clrMapOvr>
+    <a:masterClrMapping/>
+  </p:clrMapOvr>
+</p:sld>
+</file>
+
+<file path=ppt/slides/slide14.xml><?xml version="1.0" encoding="utf-8"?>
+<p:sld xmlns:a="http://schemas.openxmlformats.org/drawingml/2006/main" xmlns:r="http://schemas.openxmlformats.org/officeDocument/2006/relationships" xmlns:p="http://schemas.openxmlformats.org/presentationml/2006/main">
+  <p:cSld>
+    <p:spTree>
+      <p:nvGrpSpPr>
+        <p:cNvPr id="1" name=""/>
+        <p:cNvGrpSpPr/>
+        <p:nvPr/>
+      </p:nvGrpSpPr>
+      <p:grpSpPr>
+        <a:xfrm>
+          <a:off x="0" y="0"/>
+          <a:ext cx="0" cy="0"/>
+          <a:chOff x="0" y="0"/>
+          <a:chExt cx="0" cy="0"/>
+        </a:xfrm>
+      </p:grpSpPr>
+      <p:sp>
+        <p:nvSpPr>
+          <p:cNvPr id="2" name="标题 1">
+            <a:extLst>
+              <a:ext uri="{FF2B5EF4-FFF2-40B4-BE49-F238E27FC236}">
+                <a16:creationId xmlns:a16="http://schemas.microsoft.com/office/drawing/2014/main" id="{BBC3E989-C14B-4FC3-AC62-FA52DAD40740}"/>
+              </a:ext>
+            </a:extLst>
+          </p:cNvPr>
+          <p:cNvSpPr>
+            <a:spLocks noGrp="1"/>
+          </p:cNvSpPr>
+          <p:nvPr>
+            <p:ph type="title"/>
+          </p:nvPr>
+        </p:nvSpPr>
+        <p:spPr/>
+        <p:txBody>
+          <a:bodyPr/>
+          <a:lstStyle/>
+          <a:p>
+            <a:r>
+              <a:rPr lang="zh-CN" altLang="en-US" dirty="0"/>
+              <a:t>其它类型的受限玻尔兹曼机</a:t>
+            </a:r>
+          </a:p>
+        </p:txBody>
+      </p:sp>
+      <p:sp>
+        <p:nvSpPr>
+          <p:cNvPr id="3" name="内容占位符 2">
+            <a:extLst>
+              <a:ext uri="{FF2B5EF4-FFF2-40B4-BE49-F238E27FC236}">
+                <a16:creationId xmlns:a16="http://schemas.microsoft.com/office/drawing/2014/main" id="{85DE16D7-E20F-44C6-98A9-1EA29F926D73}"/>
+              </a:ext>
+            </a:extLst>
+          </p:cNvPr>
+          <p:cNvSpPr>
+            <a:spLocks noGrp="1"/>
+          </p:cNvSpPr>
+          <p:nvPr>
+            <p:ph sz="quarter" idx="1"/>
+          </p:nvPr>
+        </p:nvSpPr>
+        <p:spPr>
+          <a:xfrm>
+            <a:off x="479304" y="1219200"/>
+            <a:ext cx="8229600" cy="4937760"/>
+          </a:xfrm>
+        </p:spPr>
+        <p:txBody>
+          <a:bodyPr/>
+          <a:lstStyle/>
+          <a:p>
+            <a:r>
+              <a:rPr lang="zh-CN" altLang="en-US" dirty="0"/>
+              <a:t>“高斯</a:t>
+            </a:r>
+            <a:r>
+              <a:rPr lang="en-US" altLang="zh-CN" dirty="0"/>
+              <a:t>-</a:t>
+            </a:r>
+            <a:r>
+              <a:rPr lang="zh-CN" altLang="en-US" dirty="0"/>
+              <a:t>伯努利”受限玻尔兹曼机</a:t>
+            </a:r>
+            <a:endParaRPr lang="en-US" altLang="zh-CN" dirty="0"/>
+          </a:p>
+          <a:p>
+            <a:endParaRPr lang="en-US" altLang="zh-CN" dirty="0"/>
+          </a:p>
+          <a:p>
+            <a:endParaRPr lang="en-US" altLang="zh-CN" dirty="0"/>
+          </a:p>
+          <a:p>
+            <a:endParaRPr lang="en-US" altLang="zh-CN" dirty="0"/>
+          </a:p>
+          <a:p>
+            <a:r>
+              <a:rPr lang="zh-CN" altLang="en-US" dirty="0"/>
+              <a:t>“伯努利</a:t>
+            </a:r>
+            <a:r>
+              <a:rPr lang="en-US" altLang="zh-CN" dirty="0"/>
+              <a:t>-</a:t>
+            </a:r>
+            <a:r>
+              <a:rPr lang="zh-CN" altLang="en-US" dirty="0"/>
+              <a:t>高斯”受限玻尔兹曼机</a:t>
+            </a:r>
+          </a:p>
+        </p:txBody>
+      </p:sp>
+      <p:pic>
+        <p:nvPicPr>
+          <p:cNvPr id="5" name="图片 4">
+            <a:extLst>
+              <a:ext uri="{FF2B5EF4-FFF2-40B4-BE49-F238E27FC236}">
+                <a16:creationId xmlns:a16="http://schemas.microsoft.com/office/drawing/2014/main" id="{C20105CE-A373-4670-A185-1A79FE67CBC5}"/>
+              </a:ext>
+            </a:extLst>
+          </p:cNvPr>
+          <p:cNvPicPr>
+            <a:picLocks noChangeAspect="1"/>
+          </p:cNvPicPr>
+          <p:nvPr/>
+        </p:nvPicPr>
+        <p:blipFill>
+          <a:blip r:embed="rId2">
+            <a:extLst>
+              <a:ext uri="{28A0092B-C50C-407E-A947-70E740481C1C}">
+                <a14:useLocalDpi xmlns:a14="http://schemas.microsoft.com/office/drawing/2010/main" val="0"/>
+              </a:ext>
+            </a:extLst>
+          </a:blip>
+          <a:stretch>
+            <a:fillRect/>
+          </a:stretch>
+        </p:blipFill>
+        <p:spPr>
+          <a:xfrm>
+            <a:off x="1447800" y="2209800"/>
+            <a:ext cx="5693562" cy="810714"/>
+          </a:xfrm>
+          <a:prstGeom prst="rect">
+            <a:avLst/>
+          </a:prstGeom>
+        </p:spPr>
+      </p:pic>
+      <p:pic>
+        <p:nvPicPr>
+          <p:cNvPr id="7" name="图片 6">
+            <a:extLst>
+              <a:ext uri="{FF2B5EF4-FFF2-40B4-BE49-F238E27FC236}">
+                <a16:creationId xmlns:a16="http://schemas.microsoft.com/office/drawing/2014/main" id="{53A9F4A0-229E-457E-A628-02CC5EC1205F}"/>
+              </a:ext>
+            </a:extLst>
+          </p:cNvPr>
+          <p:cNvPicPr>
+            <a:picLocks noChangeAspect="1"/>
+          </p:cNvPicPr>
+          <p:nvPr/>
+        </p:nvPicPr>
+        <p:blipFill>
+          <a:blip r:embed="rId3">
+            <a:extLst>
+              <a:ext uri="{28A0092B-C50C-407E-A947-70E740481C1C}">
+                <a14:useLocalDpi xmlns:a14="http://schemas.microsoft.com/office/drawing/2010/main" val="0"/>
+              </a:ext>
+            </a:extLst>
+          </a:blip>
+          <a:stretch>
+            <a:fillRect/>
+          </a:stretch>
+        </p:blipFill>
+        <p:spPr>
+          <a:xfrm>
+            <a:off x="1600200" y="4572000"/>
+            <a:ext cx="5402783" cy="810714"/>
+          </a:xfrm>
+          <a:prstGeom prst="rect">
+            <a:avLst/>
+          </a:prstGeom>
+        </p:spPr>
+      </p:pic>
+    </p:spTree>
+    <p:extLst>
+      <p:ext uri="{BB962C8B-B14F-4D97-AF65-F5344CB8AC3E}">
+        <p14:creationId xmlns:p14="http://schemas.microsoft.com/office/powerpoint/2010/main" val="35581428"/>
+      </p:ext>
+    </p:extLst>
+  </p:cSld>
+  <p:clrMapOvr>
+    <a:masterClrMapping/>
+  </p:clrMapOvr>
+</p:sld>
+</file>
+
+<file path=ppt/slides/slide15.xml><?xml version="1.0" encoding="utf-8"?>
+<p:sld xmlns:a="http://schemas.openxmlformats.org/drawingml/2006/main" xmlns:r="http://schemas.openxmlformats.org/officeDocument/2006/relationships" xmlns:p="http://schemas.openxmlformats.org/presentationml/2006/main">
+  <p:cSld>
+    <p:spTree>
+      <p:nvGrpSpPr>
+        <p:cNvPr id="1" name=""/>
+        <p:cNvGrpSpPr/>
+        <p:nvPr/>
+      </p:nvGrpSpPr>
+      <p:grpSpPr>
+        <a:xfrm>
+          <a:off x="0" y="0"/>
+          <a:ext cx="0" cy="0"/>
+          <a:chOff x="0" y="0"/>
+          <a:chExt cx="0" cy="0"/>
+        </a:xfrm>
+      </p:grpSpPr>
+      <p:sp>
+        <p:nvSpPr>
+          <p:cNvPr id="2" name="标题 1"/>
+          <p:cNvSpPr>
+            <a:spLocks noGrp="1"/>
+          </p:cNvSpPr>
+          <p:nvPr>
+            <p:ph type="ctrTitle"/>
+          </p:nvPr>
+        </p:nvSpPr>
+        <p:spPr/>
+        <p:txBody>
+          <a:bodyPr/>
+          <a:lstStyle/>
+          <a:p>
+            <a:r>
+              <a:rPr lang="zh-CN" altLang="en-US" dirty="0"/>
+              <a:t>深度信念网络</a:t>
             </a:r>
           </a:p>
         </p:txBody>
@@ -3930,7 +4475,782 @@
     </p:spTree>
     <p:extLst>
       <p:ext uri="{BB962C8B-B14F-4D97-AF65-F5344CB8AC3E}">
-        <p14:creationId xmlns:p14="http://schemas.microsoft.com/office/powerpoint/2010/main" val="1784997421"/>
+        <p14:creationId xmlns:p14="http://schemas.microsoft.com/office/powerpoint/2010/main" val="2923953321"/>
+      </p:ext>
+    </p:extLst>
+  </p:cSld>
+  <p:clrMapOvr>
+    <a:masterClrMapping/>
+  </p:clrMapOvr>
+</p:sld>
+</file>
+
+<file path=ppt/slides/slide16.xml><?xml version="1.0" encoding="utf-8"?>
+<p:sld xmlns:a="http://schemas.openxmlformats.org/drawingml/2006/main" xmlns:r="http://schemas.openxmlformats.org/officeDocument/2006/relationships" xmlns:p="http://schemas.openxmlformats.org/presentationml/2006/main">
+  <p:cSld>
+    <p:spTree>
+      <p:nvGrpSpPr>
+        <p:cNvPr id="1" name=""/>
+        <p:cNvGrpSpPr/>
+        <p:nvPr/>
+      </p:nvGrpSpPr>
+      <p:grpSpPr>
+        <a:xfrm>
+          <a:off x="0" y="0"/>
+          <a:ext cx="0" cy="0"/>
+          <a:chOff x="0" y="0"/>
+          <a:chExt cx="0" cy="0"/>
+        </a:xfrm>
+      </p:grpSpPr>
+      <p:pic>
+        <p:nvPicPr>
+          <p:cNvPr id="9" name="图片 8">
+            <a:extLst>
+              <a:ext uri="{FF2B5EF4-FFF2-40B4-BE49-F238E27FC236}">
+                <a16:creationId xmlns:a16="http://schemas.microsoft.com/office/drawing/2014/main" id="{241BD7CF-05AA-4FCE-82A3-2AC1F50CF7D8}"/>
+              </a:ext>
+            </a:extLst>
+          </p:cNvPr>
+          <p:cNvPicPr>
+            <a:picLocks noChangeAspect="1"/>
+          </p:cNvPicPr>
+          <p:nvPr/>
+        </p:nvPicPr>
+        <p:blipFill>
+          <a:blip r:embed="rId2" cstate="print">
+            <a:extLst>
+              <a:ext uri="{28A0092B-C50C-407E-A947-70E740481C1C}">
+                <a14:useLocalDpi xmlns:a14="http://schemas.microsoft.com/office/drawing/2010/main" val="0"/>
+              </a:ext>
+            </a:extLst>
+          </a:blip>
+          <a:stretch>
+            <a:fillRect/>
+          </a:stretch>
+        </p:blipFill>
+        <p:spPr>
+          <a:xfrm>
+            <a:off x="2181180" y="3200399"/>
+            <a:ext cx="4781639" cy="3032761"/>
+          </a:xfrm>
+          <a:prstGeom prst="rect">
+            <a:avLst/>
+          </a:prstGeom>
+        </p:spPr>
+      </p:pic>
+      <p:sp>
+        <p:nvSpPr>
+          <p:cNvPr id="2" name="标题 1"/>
+          <p:cNvSpPr>
+            <a:spLocks noGrp="1"/>
+          </p:cNvSpPr>
+          <p:nvPr>
+            <p:ph type="title"/>
+          </p:nvPr>
+        </p:nvSpPr>
+        <p:spPr/>
+        <p:txBody>
+          <a:bodyPr/>
+          <a:lstStyle/>
+          <a:p>
+            <a:r>
+              <a:rPr lang="zh-CN" altLang="en-US" dirty="0"/>
+              <a:t>深度信念网络（</a:t>
+            </a:r>
+            <a:r>
+              <a:rPr lang="en-US" altLang="zh-CN" dirty="0"/>
+              <a:t>Deep Belief </a:t>
+            </a:r>
+            <a:r>
+              <a:rPr lang="en-US" altLang="zh-CN" dirty="0" err="1"/>
+              <a:t>Networ</a:t>
+            </a:r>
+            <a:r>
+              <a:rPr lang="zh-CN" altLang="en-US" dirty="0"/>
+              <a:t>）</a:t>
+            </a:r>
+          </a:p>
+        </p:txBody>
+      </p:sp>
+      <p:sp>
+        <p:nvSpPr>
+          <p:cNvPr id="3" name="内容占位符 2"/>
+          <p:cNvSpPr>
+            <a:spLocks noGrp="1"/>
+          </p:cNvSpPr>
+          <p:nvPr>
+            <p:ph sz="quarter" idx="1"/>
+          </p:nvPr>
+        </p:nvSpPr>
+        <p:spPr/>
+        <p:txBody>
+          <a:bodyPr/>
+          <a:lstStyle/>
+          <a:p>
+            <a:r>
+              <a:rPr lang="zh-CN" altLang="en-US" dirty="0"/>
+              <a:t>深度信念网络是深度的有向的概率图模型，其图结构由多层的节点构成。</a:t>
+            </a:r>
+            <a:endParaRPr lang="en-US" altLang="zh-CN" dirty="0"/>
+          </a:p>
+          <a:p>
+            <a:pPr lvl="1"/>
+            <a:r>
+              <a:rPr lang="zh-CN" altLang="en-US" dirty="0"/>
+              <a:t>和全连接的神经网络结构相同。</a:t>
+            </a:r>
+            <a:endParaRPr lang="en-US" altLang="zh-CN" dirty="0"/>
+          </a:p>
+          <a:p>
+            <a:pPr lvl="1"/>
+            <a:r>
+              <a:rPr lang="zh-CN" altLang="en-US" dirty="0"/>
+              <a:t>顶部的两层为一个无向图，可以看做是一个受限玻尔兹曼机。</a:t>
+            </a:r>
+          </a:p>
+        </p:txBody>
+      </p:sp>
+      <p:sp>
+        <p:nvSpPr>
+          <p:cNvPr id="5" name="文本框 4"/>
+          <p:cNvSpPr txBox="1"/>
+          <p:nvPr/>
+        </p:nvSpPr>
+        <p:spPr>
+          <a:xfrm>
+            <a:off x="1018300" y="4716779"/>
+            <a:ext cx="1107996" cy="369332"/>
+          </a:xfrm>
+          <a:prstGeom prst="rect">
+            <a:avLst/>
+          </a:prstGeom>
+          <a:noFill/>
+        </p:spPr>
+        <p:txBody>
+          <a:bodyPr wrap="none" rtlCol="0">
+            <a:spAutoFit/>
+          </a:bodyPr>
+          <a:lstStyle/>
+          <a:p>
+            <a:r>
+              <a:rPr lang="zh-CN" altLang="en-US" dirty="0">
+                <a:solidFill>
+                  <a:srgbClr val="FF0000"/>
+                </a:solidFill>
+              </a:rPr>
+              <a:t>认知权重</a:t>
+            </a:r>
+          </a:p>
+        </p:txBody>
+      </p:sp>
+      <p:sp>
+        <p:nvSpPr>
+          <p:cNvPr id="6" name="文本框 5"/>
+          <p:cNvSpPr txBox="1"/>
+          <p:nvPr/>
+        </p:nvSpPr>
+        <p:spPr>
+          <a:xfrm>
+            <a:off x="6780492" y="4901445"/>
+            <a:ext cx="1107996" cy="369332"/>
+          </a:xfrm>
+          <a:prstGeom prst="rect">
+            <a:avLst/>
+          </a:prstGeom>
+          <a:noFill/>
+        </p:spPr>
+        <p:txBody>
+          <a:bodyPr wrap="none" rtlCol="0">
+            <a:spAutoFit/>
+          </a:bodyPr>
+          <a:lstStyle/>
+          <a:p>
+            <a:r>
+              <a:rPr lang="zh-CN" altLang="en-US" dirty="0">
+                <a:solidFill>
+                  <a:srgbClr val="FF0000"/>
+                </a:solidFill>
+              </a:rPr>
+              <a:t>生成权重</a:t>
+            </a:r>
+          </a:p>
+        </p:txBody>
+      </p:sp>
+    </p:spTree>
+    <p:extLst>
+      <p:ext uri="{BB962C8B-B14F-4D97-AF65-F5344CB8AC3E}">
+        <p14:creationId xmlns:p14="http://schemas.microsoft.com/office/powerpoint/2010/main" val="2201077060"/>
+      </p:ext>
+    </p:extLst>
+  </p:cSld>
+  <p:clrMapOvr>
+    <a:masterClrMapping/>
+  </p:clrMapOvr>
+</p:sld>
+</file>
+
+<file path=ppt/slides/slide17.xml><?xml version="1.0" encoding="utf-8"?>
+<p:sld xmlns:a="http://schemas.openxmlformats.org/drawingml/2006/main" xmlns:r="http://schemas.openxmlformats.org/officeDocument/2006/relationships" xmlns:p="http://schemas.openxmlformats.org/presentationml/2006/main">
+  <p:cSld>
+    <p:spTree>
+      <p:nvGrpSpPr>
+        <p:cNvPr id="1" name=""/>
+        <p:cNvGrpSpPr/>
+        <p:nvPr/>
+      </p:nvGrpSpPr>
+      <p:grpSpPr>
+        <a:xfrm>
+          <a:off x="0" y="0"/>
+          <a:ext cx="0" cy="0"/>
+          <a:chOff x="0" y="0"/>
+          <a:chExt cx="0" cy="0"/>
+        </a:xfrm>
+      </p:grpSpPr>
+      <p:sp>
+        <p:nvSpPr>
+          <p:cNvPr id="5" name="标题 4">
+            <a:extLst>
+              <a:ext uri="{FF2B5EF4-FFF2-40B4-BE49-F238E27FC236}">
+                <a16:creationId xmlns:a16="http://schemas.microsoft.com/office/drawing/2014/main" id="{326676C8-8116-40EF-ACBD-5983C366D00C}"/>
+              </a:ext>
+            </a:extLst>
+          </p:cNvPr>
+          <p:cNvSpPr>
+            <a:spLocks noGrp="1"/>
+          </p:cNvSpPr>
+          <p:nvPr>
+            <p:ph type="title"/>
+          </p:nvPr>
+        </p:nvSpPr>
+        <p:spPr/>
+        <p:txBody>
+          <a:bodyPr/>
+          <a:lstStyle/>
+          <a:p>
+            <a:r>
+              <a:rPr lang="zh-CN" altLang="en-US" dirty="0"/>
+              <a:t>局部条件概率</a:t>
+            </a:r>
+          </a:p>
+        </p:txBody>
+      </p:sp>
+      <p:sp>
+        <p:nvSpPr>
+          <p:cNvPr id="6" name="内容占位符 5">
+            <a:extLst>
+              <a:ext uri="{FF2B5EF4-FFF2-40B4-BE49-F238E27FC236}">
+                <a16:creationId xmlns:a16="http://schemas.microsoft.com/office/drawing/2014/main" id="{339ED098-D8FD-478E-B662-63422671ED5D}"/>
+              </a:ext>
+            </a:extLst>
+          </p:cNvPr>
+          <p:cNvSpPr>
+            <a:spLocks noGrp="1"/>
+          </p:cNvSpPr>
+          <p:nvPr>
+            <p:ph sz="quarter" idx="1"/>
+          </p:nvPr>
+        </p:nvSpPr>
+        <p:spPr>
+          <a:xfrm>
+            <a:off x="457200" y="1219200"/>
+            <a:ext cx="8229600" cy="4937760"/>
+          </a:xfrm>
+        </p:spPr>
+        <p:txBody>
+          <a:bodyPr/>
+          <a:lstStyle/>
+          <a:p>
+            <a:r>
+              <a:rPr lang="zh-CN" altLang="en-US" dirty="0"/>
+              <a:t>深度信念网络中所有变量的联合概率可以分解为</a:t>
+            </a:r>
+            <a:endParaRPr lang="en-US" altLang="zh-CN" dirty="0"/>
+          </a:p>
+          <a:p>
+            <a:endParaRPr lang="en-US" altLang="zh-CN" dirty="0"/>
+          </a:p>
+          <a:p>
+            <a:endParaRPr lang="en-US" altLang="zh-CN" dirty="0"/>
+          </a:p>
+          <a:p>
+            <a:endParaRPr lang="en-US" altLang="zh-CN" dirty="0"/>
+          </a:p>
+          <a:p>
+            <a:endParaRPr lang="en-US" altLang="zh-CN" dirty="0"/>
+          </a:p>
+          <a:p>
+            <a:r>
+              <a:rPr lang="zh-CN" altLang="en-US" dirty="0"/>
+              <a:t>局部条件概率</a:t>
+            </a:r>
+          </a:p>
+        </p:txBody>
+      </p:sp>
+      <p:pic>
+        <p:nvPicPr>
+          <p:cNvPr id="4" name="图片 3">
+            <a:extLst>
+              <a:ext uri="{FF2B5EF4-FFF2-40B4-BE49-F238E27FC236}">
+                <a16:creationId xmlns:a16="http://schemas.microsoft.com/office/drawing/2014/main" id="{502C7EC3-FAA8-4F3B-A7F2-A5F086267550}"/>
+              </a:ext>
+            </a:extLst>
+          </p:cNvPr>
+          <p:cNvPicPr>
+            <a:picLocks noChangeAspect="1"/>
+          </p:cNvPicPr>
+          <p:nvPr/>
+        </p:nvPicPr>
+        <p:blipFill>
+          <a:blip r:embed="rId2">
+            <a:extLst>
+              <a:ext uri="{28A0092B-C50C-407E-A947-70E740481C1C}">
+                <a14:useLocalDpi xmlns:a14="http://schemas.microsoft.com/office/drawing/2010/main" val="0"/>
+              </a:ext>
+            </a:extLst>
+          </a:blip>
+          <a:stretch>
+            <a:fillRect/>
+          </a:stretch>
+        </p:blipFill>
+        <p:spPr>
+          <a:xfrm>
+            <a:off x="914400" y="2286000"/>
+            <a:ext cx="7598350" cy="990600"/>
+          </a:xfrm>
+          <a:prstGeom prst="rect">
+            <a:avLst/>
+          </a:prstGeom>
+        </p:spPr>
+      </p:pic>
+      <p:pic>
+        <p:nvPicPr>
+          <p:cNvPr id="8" name="图片 7">
+            <a:extLst>
+              <a:ext uri="{FF2B5EF4-FFF2-40B4-BE49-F238E27FC236}">
+                <a16:creationId xmlns:a16="http://schemas.microsoft.com/office/drawing/2014/main" id="{85AD3F34-9799-4DD0-96A4-068B3E2EDEC9}"/>
+              </a:ext>
+            </a:extLst>
+          </p:cNvPr>
+          <p:cNvPicPr>
+            <a:picLocks noChangeAspect="1"/>
+          </p:cNvPicPr>
+          <p:nvPr/>
+        </p:nvPicPr>
+        <p:blipFill>
+          <a:blip r:embed="rId3">
+            <a:extLst>
+              <a:ext uri="{28A0092B-C50C-407E-A947-70E740481C1C}">
+                <a14:useLocalDpi xmlns:a14="http://schemas.microsoft.com/office/drawing/2010/main" val="0"/>
+              </a:ext>
+            </a:extLst>
+          </a:blip>
+          <a:stretch>
+            <a:fillRect/>
+          </a:stretch>
+        </p:blipFill>
+        <p:spPr>
+          <a:xfrm>
+            <a:off x="2286000" y="5181600"/>
+            <a:ext cx="4526281" cy="685800"/>
+          </a:xfrm>
+          <a:prstGeom prst="rect">
+            <a:avLst/>
+          </a:prstGeom>
+        </p:spPr>
+      </p:pic>
+      <p:pic>
+        <p:nvPicPr>
+          <p:cNvPr id="10" name="图片 9">
+            <a:extLst>
+              <a:ext uri="{FF2B5EF4-FFF2-40B4-BE49-F238E27FC236}">
+                <a16:creationId xmlns:a16="http://schemas.microsoft.com/office/drawing/2014/main" id="{4997DCCE-4CBD-421D-ABCD-AFEB64C76A96}"/>
+              </a:ext>
+            </a:extLst>
+          </p:cNvPr>
+          <p:cNvPicPr>
+            <a:picLocks noChangeAspect="1"/>
+          </p:cNvPicPr>
+          <p:nvPr/>
+        </p:nvPicPr>
+        <p:blipFill>
+          <a:blip r:embed="rId4">
+            <a:extLst>
+              <a:ext uri="{28A0092B-C50C-407E-A947-70E740481C1C}">
+                <a14:useLocalDpi xmlns:a14="http://schemas.microsoft.com/office/drawing/2010/main" val="0"/>
+              </a:ext>
+            </a:extLst>
+          </a:blip>
+          <a:stretch>
+            <a:fillRect/>
+          </a:stretch>
+        </p:blipFill>
+        <p:spPr>
+          <a:xfrm>
+            <a:off x="3048000" y="3317317"/>
+            <a:ext cx="4253421" cy="990600"/>
+          </a:xfrm>
+          <a:prstGeom prst="rect">
+            <a:avLst/>
+          </a:prstGeom>
+        </p:spPr>
+      </p:pic>
+    </p:spTree>
+    <p:extLst>
+      <p:ext uri="{BB962C8B-B14F-4D97-AF65-F5344CB8AC3E}">
+        <p14:creationId xmlns:p14="http://schemas.microsoft.com/office/powerpoint/2010/main" val="2185732230"/>
+      </p:ext>
+    </p:extLst>
+  </p:cSld>
+  <p:clrMapOvr>
+    <a:masterClrMapping/>
+  </p:clrMapOvr>
+</p:sld>
+</file>
+
+<file path=ppt/slides/slide18.xml><?xml version="1.0" encoding="utf-8"?>
+<p:sld xmlns:a="http://schemas.openxmlformats.org/drawingml/2006/main" xmlns:r="http://schemas.openxmlformats.org/officeDocument/2006/relationships" xmlns:p="http://schemas.openxmlformats.org/presentationml/2006/main">
+  <p:cSld>
+    <p:spTree>
+      <p:nvGrpSpPr>
+        <p:cNvPr id="1" name=""/>
+        <p:cNvGrpSpPr/>
+        <p:nvPr/>
+      </p:nvGrpSpPr>
+      <p:grpSpPr>
+        <a:xfrm>
+          <a:off x="0" y="0"/>
+          <a:ext cx="0" cy="0"/>
+          <a:chOff x="0" y="0"/>
+          <a:chExt cx="0" cy="0"/>
+        </a:xfrm>
+      </p:grpSpPr>
+      <p:sp>
+        <p:nvSpPr>
+          <p:cNvPr id="2" name="标题 1">
+            <a:extLst>
+              <a:ext uri="{FF2B5EF4-FFF2-40B4-BE49-F238E27FC236}">
+                <a16:creationId xmlns:a16="http://schemas.microsoft.com/office/drawing/2014/main" id="{A18C4955-3F37-4B00-B5F0-BA5B07DB22E7}"/>
+              </a:ext>
+            </a:extLst>
+          </p:cNvPr>
+          <p:cNvSpPr>
+            <a:spLocks noGrp="1"/>
+          </p:cNvSpPr>
+          <p:nvPr>
+            <p:ph type="title"/>
+          </p:nvPr>
+        </p:nvSpPr>
+        <p:spPr/>
+        <p:txBody>
+          <a:bodyPr/>
+          <a:lstStyle/>
+          <a:p>
+            <a:r>
+              <a:rPr lang="zh-CN" altLang="en-US" dirty="0"/>
+              <a:t>参数学习</a:t>
+            </a:r>
+          </a:p>
+        </p:txBody>
+      </p:sp>
+      <mc:AlternateContent xmlns:mc="http://schemas.openxmlformats.org/markup-compatibility/2006">
+        <mc:Choice xmlns:a14="http://schemas.microsoft.com/office/drawing/2010/main" Requires="a14">
+          <p:sp>
+            <p:nvSpPr>
+              <p:cNvPr id="3" name="内容占位符 2">
+                <a:extLst>
+                  <a:ext uri="{FF2B5EF4-FFF2-40B4-BE49-F238E27FC236}">
+                    <a16:creationId xmlns:a16="http://schemas.microsoft.com/office/drawing/2014/main" id="{89B10B43-D745-4893-8576-319C8FA7A1DF}"/>
+                  </a:ext>
+                </a:extLst>
+              </p:cNvPr>
+              <p:cNvSpPr>
+                <a:spLocks noGrp="1"/>
+              </p:cNvSpPr>
+              <p:nvPr>
+                <p:ph sz="quarter" idx="1"/>
+              </p:nvPr>
+            </p:nvSpPr>
+            <p:spPr/>
+            <p:txBody>
+              <a:bodyPr/>
+              <a:lstStyle/>
+              <a:p>
+                <a:r>
+                  <a:rPr lang="zh-CN" altLang="en-US" dirty="0"/>
+                  <a:t>在深度信念网络中，隐变量</a:t>
+                </a:r>
+                <a14:m>
+                  <m:oMath xmlns:m="http://schemas.openxmlformats.org/officeDocument/2006/math">
+                    <m:r>
+                      <a:rPr lang="en-US" altLang="zh-CN" b="1" i="1" dirty="0" smtClean="0">
+                        <a:latin typeface="Cambria Math" panose="02040503050406030204" pitchFamily="18" charset="0"/>
+                      </a:rPr>
+                      <m:t>𝒉</m:t>
+                    </m:r>
+                  </m:oMath>
+                </a14:m>
+                <a:r>
+                  <a:rPr lang="zh-CN" altLang="en-US" dirty="0"/>
+                  <a:t>之间的关系十分复杂，由于“贡献度分配问题”，很难直接学习。</a:t>
+                </a:r>
+                <a:endParaRPr lang="en-US" altLang="zh-CN" dirty="0"/>
+              </a:p>
+              <a:p>
+                <a:endParaRPr lang="en-US" altLang="zh-CN" dirty="0"/>
+              </a:p>
+              <a:p>
+                <a:r>
+                  <a:rPr lang="zh-CN" altLang="en-US" dirty="0"/>
+                  <a:t>即使对于简单的单层</a:t>
+                </a:r>
+                <a:r>
+                  <a:rPr lang="en-US" altLang="zh-CN" dirty="0"/>
+                  <a:t>Sigmoid</a:t>
+                </a:r>
+                <a:r>
+                  <a:rPr lang="zh-CN" altLang="en-US" dirty="0"/>
+                  <a:t>信念网络</a:t>
+                </a:r>
+                <a:endParaRPr lang="en-US" altLang="zh-CN" dirty="0"/>
+              </a:p>
+              <a:p>
+                <a:endParaRPr lang="en-US" altLang="zh-CN" dirty="0"/>
+              </a:p>
+              <a:p>
+                <a:endParaRPr lang="en-US" altLang="zh-CN" dirty="0"/>
+              </a:p>
+              <a:p>
+                <a:pPr lvl="1"/>
+                <a:r>
+                  <a:rPr lang="zh-CN" altLang="en-US" dirty="0"/>
+                  <a:t>在已知可观测变量时，其隐变量的联合后验概率</a:t>
+                </a:r>
+                <a:r>
+                  <a:rPr lang="en-US" altLang="zh-CN" dirty="0"/>
+                  <a:t>p(</a:t>
+                </a:r>
+                <a:r>
+                  <a:rPr lang="en-US" altLang="zh-CN" dirty="0" err="1"/>
+                  <a:t>h|v</a:t>
+                </a:r>
+                <a:r>
+                  <a:rPr lang="en-US" altLang="zh-CN" dirty="0"/>
+                  <a:t>) </a:t>
+                </a:r>
+                <a:r>
+                  <a:rPr lang="zh-CN" altLang="en-US" dirty="0"/>
+                  <a:t>不再相互独立，因此很难精确估计所有隐变量的后验概率。</a:t>
+                </a:r>
+              </a:p>
+            </p:txBody>
+          </p:sp>
+        </mc:Choice>
+        <mc:Fallback>
+          <p:sp>
+            <p:nvSpPr>
+              <p:cNvPr id="3" name="内容占位符 2">
+                <a:extLst>
+                  <a:ext uri="{FF2B5EF4-FFF2-40B4-BE49-F238E27FC236}">
+                    <a16:creationId xmlns:a16="http://schemas.microsoft.com/office/drawing/2014/main" id="{89B10B43-D745-4893-8576-319C8FA7A1DF}"/>
+                  </a:ext>
+                </a:extLst>
+              </p:cNvPr>
+              <p:cNvSpPr>
+                <a:spLocks noGrp="1" noRot="1" noChangeAspect="1" noMove="1" noResize="1" noEditPoints="1" noAdjustHandles="1" noChangeArrowheads="1" noChangeShapeType="1" noTextEdit="1"/>
+              </p:cNvSpPr>
+              <p:nvPr>
+                <p:ph sz="quarter" idx="1"/>
+              </p:nvPr>
+            </p:nvSpPr>
+            <p:spPr>
+              <a:blipFill>
+                <a:blip r:embed="rId2"/>
+                <a:stretch>
+                  <a:fillRect l="-1037" t="-1605" r="-889"/>
+                </a:stretch>
+              </a:blipFill>
+            </p:spPr>
+            <p:txBody>
+              <a:bodyPr/>
+              <a:lstStyle/>
+              <a:p>
+                <a:r>
+                  <a:rPr lang="zh-CN" altLang="en-US">
+                    <a:noFill/>
+                  </a:rPr>
+                  <a:t> </a:t>
+                </a:r>
+              </a:p>
+            </p:txBody>
+          </p:sp>
+        </mc:Fallback>
+      </mc:AlternateContent>
+      <p:pic>
+        <p:nvPicPr>
+          <p:cNvPr id="5" name="图片 4">
+            <a:extLst>
+              <a:ext uri="{FF2B5EF4-FFF2-40B4-BE49-F238E27FC236}">
+                <a16:creationId xmlns:a16="http://schemas.microsoft.com/office/drawing/2014/main" id="{7B6E49C9-E26C-4D3F-B070-F82311FCCEA4}"/>
+              </a:ext>
+            </a:extLst>
+          </p:cNvPr>
+          <p:cNvPicPr>
+            <a:picLocks noChangeAspect="1"/>
+          </p:cNvPicPr>
+          <p:nvPr/>
+        </p:nvPicPr>
+        <p:blipFill>
+          <a:blip r:embed="rId3">
+            <a:extLst>
+              <a:ext uri="{28A0092B-C50C-407E-A947-70E740481C1C}">
+                <a14:useLocalDpi xmlns:a14="http://schemas.microsoft.com/office/drawing/2010/main" val="0"/>
+              </a:ext>
+            </a:extLst>
+          </a:blip>
+          <a:stretch>
+            <a:fillRect/>
+          </a:stretch>
+        </p:blipFill>
+        <p:spPr>
+          <a:xfrm>
+            <a:off x="2743200" y="4038600"/>
+            <a:ext cx="3320601" cy="533400"/>
+          </a:xfrm>
+          <a:prstGeom prst="rect">
+            <a:avLst/>
+          </a:prstGeom>
+        </p:spPr>
+      </p:pic>
+    </p:spTree>
+    <p:extLst>
+      <p:ext uri="{BB962C8B-B14F-4D97-AF65-F5344CB8AC3E}">
+        <p14:creationId xmlns:p14="http://schemas.microsoft.com/office/powerpoint/2010/main" val="4133504653"/>
+      </p:ext>
+    </p:extLst>
+  </p:cSld>
+  <p:clrMapOvr>
+    <a:masterClrMapping/>
+  </p:clrMapOvr>
+</p:sld>
+</file>
+
+<file path=ppt/slides/slide19.xml><?xml version="1.0" encoding="utf-8"?>
+<p:sld xmlns:a="http://schemas.openxmlformats.org/drawingml/2006/main" xmlns:r="http://schemas.openxmlformats.org/officeDocument/2006/relationships" xmlns:p="http://schemas.openxmlformats.org/presentationml/2006/main">
+  <p:cSld>
+    <p:spTree>
+      <p:nvGrpSpPr>
+        <p:cNvPr id="1" name=""/>
+        <p:cNvGrpSpPr/>
+        <p:nvPr/>
+      </p:nvGrpSpPr>
+      <p:grpSpPr>
+        <a:xfrm>
+          <a:off x="0" y="0"/>
+          <a:ext cx="0" cy="0"/>
+          <a:chOff x="0" y="0"/>
+          <a:chExt cx="0" cy="0"/>
+        </a:xfrm>
+      </p:grpSpPr>
+      <p:sp>
+        <p:nvSpPr>
+          <p:cNvPr id="2" name="标题 1"/>
+          <p:cNvSpPr>
+            <a:spLocks noGrp="1"/>
+          </p:cNvSpPr>
+          <p:nvPr>
+            <p:ph type="title"/>
+          </p:nvPr>
+        </p:nvSpPr>
+        <p:spPr/>
+        <p:txBody>
+          <a:bodyPr/>
+          <a:lstStyle/>
+          <a:p>
+            <a:r>
+              <a:rPr lang="zh-CN" altLang="en-US" dirty="0"/>
+              <a:t>训练深度信念网络</a:t>
+            </a:r>
+            <a:r>
+              <a:rPr lang="en-US" altLang="zh-CN" dirty="0"/>
+              <a:t>-</a:t>
+            </a:r>
+            <a:r>
+              <a:rPr lang="zh-CN" altLang="en-US" dirty="0"/>
+              <a:t>逐层训练</a:t>
+            </a:r>
+          </a:p>
+        </p:txBody>
+      </p:sp>
+      <p:sp>
+        <p:nvSpPr>
+          <p:cNvPr id="3" name="内容占位符 2"/>
+          <p:cNvSpPr>
+            <a:spLocks noGrp="1"/>
+          </p:cNvSpPr>
+          <p:nvPr>
+            <p:ph sz="quarter" idx="1"/>
+          </p:nvPr>
+        </p:nvSpPr>
+        <p:spPr/>
+        <p:txBody>
+          <a:bodyPr/>
+          <a:lstStyle/>
+          <a:p>
+            <a:r>
+              <a:rPr lang="zh-CN" altLang="en-US" dirty="0">
+                <a:solidFill>
+                  <a:srgbClr val="FF0000"/>
+                </a:solidFill>
+              </a:rPr>
+              <a:t>逐层训练</a:t>
+            </a:r>
+            <a:r>
+              <a:rPr lang="zh-CN" altLang="en-US" dirty="0"/>
+              <a:t>是能够有效训练深度模型的最早的方法。</a:t>
+            </a:r>
+          </a:p>
+        </p:txBody>
+      </p:sp>
+      <p:pic>
+        <p:nvPicPr>
+          <p:cNvPr id="8" name="图片 7">
+            <a:extLst>
+              <a:ext uri="{FF2B5EF4-FFF2-40B4-BE49-F238E27FC236}">
+                <a16:creationId xmlns:a16="http://schemas.microsoft.com/office/drawing/2014/main" id="{936DD5B0-BA14-410E-A3FC-CDD745E21608}"/>
+              </a:ext>
+            </a:extLst>
+          </p:cNvPr>
+          <p:cNvPicPr>
+            <a:picLocks noChangeAspect="1"/>
+          </p:cNvPicPr>
+          <p:nvPr/>
+        </p:nvPicPr>
+        <p:blipFill>
+          <a:blip r:embed="rId3">
+            <a:extLst>
+              <a:ext uri="{28A0092B-C50C-407E-A947-70E740481C1C}">
+                <a14:useLocalDpi xmlns:a14="http://schemas.microsoft.com/office/drawing/2010/main" val="0"/>
+              </a:ext>
+            </a:extLst>
+          </a:blip>
+          <a:stretch>
+            <a:fillRect/>
+          </a:stretch>
+        </p:blipFill>
+        <p:spPr>
+          <a:xfrm>
+            <a:off x="1587347" y="2590800"/>
+            <a:ext cx="5969305" cy="3418203"/>
+          </a:xfrm>
+          <a:prstGeom prst="rect">
+            <a:avLst/>
+          </a:prstGeom>
+        </p:spPr>
+      </p:pic>
+    </p:spTree>
+    <p:extLst>
+      <p:ext uri="{BB962C8B-B14F-4D97-AF65-F5344CB8AC3E}">
+        <p14:creationId xmlns:p14="http://schemas.microsoft.com/office/powerpoint/2010/main" val="2271968751"/>
       </p:ext>
     </p:extLst>
   </p:cSld>
@@ -3974,7 +5294,7 @@
           <a:p>
             <a:r>
               <a:rPr lang="zh-CN" altLang="en-US" dirty="0"/>
-              <a:t>受限玻尔兹曼机</a:t>
+              <a:t>玻尔兹曼机</a:t>
             </a:r>
           </a:p>
         </p:txBody>
@@ -3983,6 +5303,314 @@
     <p:extLst>
       <p:ext uri="{BB962C8B-B14F-4D97-AF65-F5344CB8AC3E}">
         <p14:creationId xmlns:p14="http://schemas.microsoft.com/office/powerpoint/2010/main" val="3477213500"/>
+      </p:ext>
+    </p:extLst>
+  </p:cSld>
+  <p:clrMapOvr>
+    <a:masterClrMapping/>
+  </p:clrMapOvr>
+</p:sld>
+</file>
+
+<file path=ppt/slides/slide20.xml><?xml version="1.0" encoding="utf-8"?>
+<p:sld xmlns:a="http://schemas.openxmlformats.org/drawingml/2006/main" xmlns:r="http://schemas.openxmlformats.org/officeDocument/2006/relationships" xmlns:p="http://schemas.openxmlformats.org/presentationml/2006/main">
+  <p:cSld>
+    <p:spTree>
+      <p:nvGrpSpPr>
+        <p:cNvPr id="1" name=""/>
+        <p:cNvGrpSpPr/>
+        <p:nvPr/>
+      </p:nvGrpSpPr>
+      <p:grpSpPr>
+        <a:xfrm>
+          <a:off x="0" y="0"/>
+          <a:ext cx="0" cy="0"/>
+          <a:chOff x="0" y="0"/>
+          <a:chExt cx="0" cy="0"/>
+        </a:xfrm>
+      </p:grpSpPr>
+      <p:sp>
+        <p:nvSpPr>
+          <p:cNvPr id="2" name="标题 1">
+            <a:extLst>
+              <a:ext uri="{FF2B5EF4-FFF2-40B4-BE49-F238E27FC236}">
+                <a16:creationId xmlns:a16="http://schemas.microsoft.com/office/drawing/2014/main" id="{91987BED-7451-41E5-AB58-97526946466A}"/>
+              </a:ext>
+            </a:extLst>
+          </p:cNvPr>
+          <p:cNvSpPr>
+            <a:spLocks noGrp="1"/>
+          </p:cNvSpPr>
+          <p:nvPr>
+            <p:ph type="title"/>
+          </p:nvPr>
+        </p:nvSpPr>
+        <p:spPr/>
+        <p:txBody>
+          <a:bodyPr/>
+          <a:lstStyle/>
+          <a:p>
+            <a:r>
+              <a:rPr lang="zh-CN" altLang="en-US" dirty="0"/>
+              <a:t>逐层训练</a:t>
+            </a:r>
+          </a:p>
+        </p:txBody>
+      </p:sp>
+      <p:pic>
+        <p:nvPicPr>
+          <p:cNvPr id="4" name="图片 3">
+            <a:extLst>
+              <a:ext uri="{FF2B5EF4-FFF2-40B4-BE49-F238E27FC236}">
+                <a16:creationId xmlns:a16="http://schemas.microsoft.com/office/drawing/2014/main" id="{B9E27C40-36A7-42BB-B6F6-D77BBC9100A8}"/>
+              </a:ext>
+            </a:extLst>
+          </p:cNvPr>
+          <p:cNvPicPr>
+            <a:picLocks noChangeAspect="1"/>
+          </p:cNvPicPr>
+          <p:nvPr/>
+        </p:nvPicPr>
+        <p:blipFill>
+          <a:blip r:embed="rId2">
+            <a:extLst>
+              <a:ext uri="{28A0092B-C50C-407E-A947-70E740481C1C}">
+                <a14:useLocalDpi xmlns:a14="http://schemas.microsoft.com/office/drawing/2010/main" val="0"/>
+              </a:ext>
+            </a:extLst>
+          </a:blip>
+          <a:stretch>
+            <a:fillRect/>
+          </a:stretch>
+        </p:blipFill>
+        <p:spPr>
+          <a:xfrm>
+            <a:off x="1371600" y="1447800"/>
+            <a:ext cx="6705600" cy="4718977"/>
+          </a:xfrm>
+          <a:prstGeom prst="rect">
+            <a:avLst/>
+          </a:prstGeom>
+        </p:spPr>
+      </p:pic>
+    </p:spTree>
+    <p:extLst>
+      <p:ext uri="{BB962C8B-B14F-4D97-AF65-F5344CB8AC3E}">
+        <p14:creationId xmlns:p14="http://schemas.microsoft.com/office/powerpoint/2010/main" val="2842590492"/>
+      </p:ext>
+    </p:extLst>
+  </p:cSld>
+  <p:clrMapOvr>
+    <a:masterClrMapping/>
+  </p:clrMapOvr>
+</p:sld>
+</file>
+
+<file path=ppt/slides/slide21.xml><?xml version="1.0" encoding="utf-8"?>
+<p:sld xmlns:a="http://schemas.openxmlformats.org/drawingml/2006/main" xmlns:r="http://schemas.openxmlformats.org/officeDocument/2006/relationships" xmlns:p="http://schemas.openxmlformats.org/presentationml/2006/main">
+  <p:cSld>
+    <p:spTree>
+      <p:nvGrpSpPr>
+        <p:cNvPr id="1" name=""/>
+        <p:cNvGrpSpPr/>
+        <p:nvPr/>
+      </p:nvGrpSpPr>
+      <p:grpSpPr>
+        <a:xfrm>
+          <a:off x="0" y="0"/>
+          <a:ext cx="0" cy="0"/>
+          <a:chOff x="0" y="0"/>
+          <a:chExt cx="0" cy="0"/>
+        </a:xfrm>
+      </p:grpSpPr>
+      <p:sp>
+        <p:nvSpPr>
+          <p:cNvPr id="2" name="标题 1"/>
+          <p:cNvSpPr>
+            <a:spLocks noGrp="1"/>
+          </p:cNvSpPr>
+          <p:nvPr>
+            <p:ph type="title"/>
+          </p:nvPr>
+        </p:nvSpPr>
+        <p:spPr/>
+        <p:txBody>
+          <a:bodyPr/>
+          <a:lstStyle/>
+          <a:p>
+            <a:r>
+              <a:rPr lang="zh-CN" altLang="en-US" dirty="0"/>
+              <a:t>训练深度信念网络</a:t>
+            </a:r>
+            <a:r>
+              <a:rPr lang="en-US" altLang="zh-CN" dirty="0"/>
+              <a:t>-</a:t>
+            </a:r>
+            <a:r>
+              <a:rPr lang="zh-CN" altLang="en-US" dirty="0"/>
+              <a:t>精调</a:t>
+            </a:r>
+          </a:p>
+        </p:txBody>
+      </p:sp>
+      <p:sp>
+        <p:nvSpPr>
+          <p:cNvPr id="3" name="内容占位符 2"/>
+          <p:cNvSpPr>
+            <a:spLocks noGrp="1"/>
+          </p:cNvSpPr>
+          <p:nvPr>
+            <p:ph sz="quarter" idx="1"/>
+          </p:nvPr>
+        </p:nvSpPr>
+        <p:spPr/>
+        <p:txBody>
+          <a:bodyPr/>
+          <a:lstStyle/>
+          <a:p>
+            <a:r>
+              <a:rPr lang="en-US" altLang="zh-CN" dirty="0"/>
+              <a:t>contrastive wake-sleep</a:t>
+            </a:r>
+            <a:r>
+              <a:rPr lang="zh-CN" altLang="en-US" dirty="0"/>
+              <a:t>算法</a:t>
+            </a:r>
+            <a:endParaRPr lang="en-US" altLang="zh-CN" dirty="0"/>
+          </a:p>
+          <a:p>
+            <a:pPr lvl="1"/>
+            <a:r>
+              <a:rPr lang="en-US" altLang="zh-CN" dirty="0"/>
+              <a:t>Wake</a:t>
+            </a:r>
+            <a:r>
+              <a:rPr lang="zh-CN" altLang="en-US" dirty="0"/>
+              <a:t>阶段：认知过程，通过外界输入（可见变量）和向上认知权重，计算每一层隐变量的后验概率并采样。然后，修改下行的生成权重使得下一层的变量的后验概率最大 </a:t>
+            </a:r>
+            <a:endParaRPr lang="en-US" altLang="zh-CN" dirty="0"/>
+          </a:p>
+          <a:p>
+            <a:pPr lvl="3"/>
+            <a:r>
+              <a:rPr lang="zh-CN" altLang="en-US" dirty="0">
+                <a:solidFill>
+                  <a:srgbClr val="FF0000"/>
+                </a:solidFill>
+              </a:rPr>
+              <a:t>“如果现实跟我想象的不一样，改变我的权重使得我想象的东西就是这样的”；</a:t>
+            </a:r>
+          </a:p>
+          <a:p>
+            <a:pPr lvl="1"/>
+            <a:r>
+              <a:rPr lang="en-US" altLang="zh-CN" dirty="0"/>
+              <a:t>Sleep</a:t>
+            </a:r>
+            <a:r>
+              <a:rPr lang="zh-CN" altLang="en-US" dirty="0"/>
+              <a:t>阶段：生成过程，通过顶层的采样和向下的生成权重，逐层计算每一层的后验概率并采样。然后，修改向上的认知权重使得上一层变量的后验概率最大。</a:t>
+            </a:r>
+            <a:endParaRPr lang="en-US" altLang="zh-CN" dirty="0"/>
+          </a:p>
+          <a:p>
+            <a:pPr lvl="3"/>
+            <a:r>
+              <a:rPr lang="zh-CN" altLang="en-US" dirty="0">
+                <a:solidFill>
+                  <a:srgbClr val="FF0000"/>
+                </a:solidFill>
+              </a:rPr>
+              <a:t>“如果梦中的景象不是我脑中的相应概念，改变我的认知权重使得这种景象在我看来就是这个概念”；</a:t>
+            </a:r>
+          </a:p>
+          <a:p>
+            <a:pPr lvl="1"/>
+            <a:r>
+              <a:rPr lang="zh-CN" altLang="en-US" dirty="0"/>
+              <a:t>交替进行</a:t>
+            </a:r>
+            <a:r>
+              <a:rPr lang="en-US" altLang="zh-CN" dirty="0"/>
+              <a:t>Wake</a:t>
+            </a:r>
+            <a:r>
+              <a:rPr lang="zh-CN" altLang="en-US" dirty="0"/>
+              <a:t>和</a:t>
+            </a:r>
+            <a:r>
+              <a:rPr lang="en-US" altLang="zh-CN" dirty="0"/>
+              <a:t>Sleep</a:t>
+            </a:r>
+            <a:r>
+              <a:rPr lang="zh-CN" altLang="en-US" dirty="0"/>
+              <a:t>过程，直到收敛。</a:t>
+            </a:r>
+          </a:p>
+        </p:txBody>
+      </p:sp>
+    </p:spTree>
+    <p:extLst>
+      <p:ext uri="{BB962C8B-B14F-4D97-AF65-F5344CB8AC3E}">
+        <p14:creationId xmlns:p14="http://schemas.microsoft.com/office/powerpoint/2010/main" val="3321002172"/>
+      </p:ext>
+    </p:extLst>
+  </p:cSld>
+  <p:clrMapOvr>
+    <a:masterClrMapping/>
+  </p:clrMapOvr>
+</p:sld>
+</file>
+
+<file path=ppt/slides/slide22.xml><?xml version="1.0" encoding="utf-8"?>
+<p:sld xmlns:a="http://schemas.openxmlformats.org/drawingml/2006/main" xmlns:r="http://schemas.openxmlformats.org/officeDocument/2006/relationships" xmlns:p="http://schemas.openxmlformats.org/presentationml/2006/main">
+  <p:cSld>
+    <p:spTree>
+      <p:nvGrpSpPr>
+        <p:cNvPr id="1" name=""/>
+        <p:cNvGrpSpPr/>
+        <p:nvPr/>
+      </p:nvGrpSpPr>
+      <p:grpSpPr>
+        <a:xfrm>
+          <a:off x="0" y="0"/>
+          <a:ext cx="0" cy="0"/>
+          <a:chOff x="0" y="0"/>
+          <a:chExt cx="0" cy="0"/>
+        </a:xfrm>
+      </p:grpSpPr>
+      <p:sp>
+        <p:nvSpPr>
+          <p:cNvPr id="2" name="矩形 1"/>
+          <p:cNvSpPr/>
+          <p:nvPr/>
+        </p:nvSpPr>
+        <p:spPr>
+          <a:xfrm>
+            <a:off x="3352800" y="4038600"/>
+            <a:ext cx="2313454" cy="369332"/>
+          </a:xfrm>
+          <a:prstGeom prst="rect">
+            <a:avLst/>
+          </a:prstGeom>
+        </p:spPr>
+        <p:txBody>
+          <a:bodyPr wrap="none">
+            <a:spAutoFit/>
+          </a:bodyPr>
+          <a:lstStyle/>
+          <a:p>
+            <a:r>
+              <a:rPr lang="zh-CN" altLang="en-US" dirty="0"/>
+              <a:t>https://nndl.github.io/</a:t>
+            </a:r>
+          </a:p>
+        </p:txBody>
+      </p:sp>
+    </p:spTree>
+    <p:extLst>
+      <p:ext uri="{BB962C8B-B14F-4D97-AF65-F5344CB8AC3E}">
+        <p14:creationId xmlns:p14="http://schemas.microsoft.com/office/powerpoint/2010/main" val="1784997421"/>
       </p:ext>
     </p:extLst>
   </p:cSld>
@@ -4716,17 +6344,33 @@
           <a:p>
             <a:r>
               <a:rPr lang="zh-CN" altLang="en-US" sz="2800" dirty="0"/>
+              <a:t>如何推断？</a:t>
+            </a:r>
+            <a:endParaRPr lang="en-US" altLang="zh-CN" sz="2800" dirty="0"/>
+          </a:p>
+          <a:p>
+            <a:pPr lvl="1"/>
+            <a:r>
+              <a:rPr lang="zh-CN" altLang="en-US" sz="2000" dirty="0"/>
               <a:t>近似采样</a:t>
             </a:r>
             <a:r>
-              <a:rPr lang="en-US" altLang="zh-CN" sz="2800" dirty="0"/>
+              <a:rPr lang="en-US" altLang="zh-CN" sz="2000" dirty="0"/>
               <a:t>--Gibbs</a:t>
             </a:r>
             <a:r>
-              <a:rPr lang="zh-CN" altLang="en-US" sz="2800" dirty="0"/>
+              <a:rPr lang="zh-CN" altLang="en-US" sz="2000" dirty="0"/>
               <a:t>采样</a:t>
             </a:r>
-            <a:endParaRPr lang="en-US" altLang="zh-CN" sz="2800" dirty="0"/>
+            <a:endParaRPr lang="en-US" altLang="zh-CN" sz="2000" dirty="0"/>
+          </a:p>
+          <a:p>
+            <a:pPr lvl="1"/>
+            <a:r>
+              <a:rPr lang="zh-CN" altLang="en-US" sz="2000" dirty="0"/>
+              <a:t>全条件概率</a:t>
+            </a:r>
+            <a:endParaRPr lang="en-US" altLang="zh-CN" sz="2000" dirty="0"/>
           </a:p>
           <a:p>
             <a:endParaRPr lang="en-US" altLang="zh-CN" sz="2800" dirty="0"/>
@@ -4741,193 +6385,34 @@
             <a:endParaRPr lang="en-US" altLang="zh-CN" sz="2800" dirty="0"/>
           </a:p>
           <a:p>
-            <a:r>
-              <a:rPr lang="zh-CN" altLang="en-US" sz="2800" dirty="0"/>
-              <a:t>模拟退火</a:t>
-            </a:r>
-            <a:endParaRPr lang="en-US" altLang="zh-CN" sz="2800" dirty="0"/>
-          </a:p>
-          <a:p>
-            <a:pPr lvl="1"/>
-            <a:r>
-              <a:rPr lang="zh-CN" altLang="en-US" sz="2000" dirty="0"/>
-              <a:t>让系统刚开始在一个比较高的温度下运行，然后逐渐降低，直到系统在一个比较低的温度下达到热平衡。</a:t>
-            </a:r>
-            <a:endParaRPr lang="en-US" altLang="zh-CN" sz="2000" dirty="0"/>
-          </a:p>
-          <a:p>
-            <a:pPr lvl="1"/>
-            <a:r>
-              <a:rPr lang="zh-CN" altLang="en-US" sz="2000" dirty="0"/>
-              <a:t>当系统温度非常高</a:t>
-            </a:r>
-            <a:r>
-              <a:rPr lang="en-US" altLang="zh-CN" sz="2000" dirty="0"/>
-              <a:t>T → ∞</a:t>
-            </a:r>
-            <a:r>
-              <a:rPr lang="zh-CN" altLang="en-US" sz="2000" dirty="0"/>
-              <a:t>时，</a:t>
-            </a:r>
-            <a:r>
-              <a:rPr lang="en-US" altLang="zh-CN" sz="2000" dirty="0"/>
-              <a:t>p</a:t>
-            </a:r>
-            <a:r>
-              <a:rPr lang="en-US" altLang="zh-CN" sz="2000" baseline="-25000" dirty="0"/>
-              <a:t>i</a:t>
-            </a:r>
-            <a:r>
-              <a:rPr lang="en-US" altLang="zh-CN" sz="2000" dirty="0"/>
-              <a:t> → 0.5</a:t>
-            </a:r>
-            <a:r>
-              <a:rPr lang="zh-CN" altLang="en-US" sz="2000" dirty="0"/>
-              <a:t>，即每个变量状态的改变十分容易，每一种网络状态都是一样的，而从很快可以达到热平衡。</a:t>
-            </a:r>
-            <a:endParaRPr lang="en-US" altLang="zh-CN" sz="2000" dirty="0"/>
-          </a:p>
-          <a:p>
-            <a:pPr lvl="1"/>
-            <a:r>
-              <a:rPr lang="zh-CN" altLang="en-US" sz="2000" dirty="0"/>
-              <a:t>当系统温度非常低</a:t>
-            </a:r>
-            <a:r>
-              <a:rPr lang="en-US" altLang="zh-CN" sz="2000" dirty="0"/>
-              <a:t>T → 0</a:t>
-            </a:r>
-            <a:r>
-              <a:rPr lang="zh-CN" altLang="en-US" sz="2000" dirty="0"/>
-              <a:t>时，如果∆</a:t>
-            </a:r>
-            <a:r>
-              <a:rPr lang="en-US" altLang="zh-CN" sz="2000" dirty="0" err="1"/>
-              <a:t>E</a:t>
-            </a:r>
-            <a:r>
-              <a:rPr lang="en-US" altLang="zh-CN" sz="2000" baseline="-25000" dirty="0" err="1"/>
-              <a:t>i</a:t>
-            </a:r>
-            <a:r>
-              <a:rPr lang="en-US" altLang="zh-CN" sz="2000" dirty="0"/>
-              <a:t> (x</a:t>
-            </a:r>
-            <a:r>
-              <a:rPr lang="en-US" altLang="zh-CN" sz="2000" baseline="-25000" dirty="0"/>
-              <a:t>\</a:t>
-            </a:r>
-            <a:r>
-              <a:rPr lang="en-US" altLang="zh-CN" sz="2000" baseline="-25000" dirty="0" err="1"/>
-              <a:t>i</a:t>
-            </a:r>
-            <a:r>
-              <a:rPr lang="en-US" altLang="zh-CN" sz="2000" dirty="0"/>
-              <a:t> ) &gt; 0</a:t>
-            </a:r>
-            <a:r>
-              <a:rPr lang="zh-CN" altLang="en-US" sz="2000" dirty="0"/>
-              <a:t>则</a:t>
-            </a:r>
-            <a:r>
-              <a:rPr lang="en-US" altLang="zh-CN" sz="2000" dirty="0"/>
-              <a:t>p</a:t>
-            </a:r>
-            <a:r>
-              <a:rPr lang="en-US" altLang="zh-CN" sz="2000" baseline="-25000" dirty="0"/>
-              <a:t>i</a:t>
-            </a:r>
-            <a:r>
-              <a:rPr lang="en-US" altLang="zh-CN" sz="2000" dirty="0"/>
-              <a:t> → 1</a:t>
-            </a:r>
-            <a:r>
-              <a:rPr lang="zh-CN" altLang="en-US" sz="2000" dirty="0"/>
-              <a:t>，如果∆</a:t>
-            </a:r>
-            <a:r>
-              <a:rPr lang="en-US" altLang="zh-CN" sz="2000" dirty="0" err="1"/>
-              <a:t>E</a:t>
-            </a:r>
-            <a:r>
-              <a:rPr lang="en-US" altLang="zh-CN" sz="2000" baseline="-25000" dirty="0" err="1"/>
-              <a:t>i</a:t>
-            </a:r>
-            <a:r>
-              <a:rPr lang="en-US" altLang="zh-CN" sz="2000" dirty="0"/>
-              <a:t> (x</a:t>
-            </a:r>
-            <a:r>
-              <a:rPr lang="en-US" altLang="zh-CN" sz="2000" baseline="-25000" dirty="0"/>
-              <a:t>\</a:t>
-            </a:r>
-            <a:r>
-              <a:rPr lang="en-US" altLang="zh-CN" sz="2000" baseline="-25000" dirty="0" err="1"/>
-              <a:t>i</a:t>
-            </a:r>
-            <a:r>
-              <a:rPr lang="en-US" altLang="zh-CN" sz="2000" dirty="0"/>
-              <a:t> ) &lt; 0</a:t>
-            </a:r>
-            <a:r>
-              <a:rPr lang="zh-CN" altLang="en-US" sz="2000" dirty="0"/>
-              <a:t>则</a:t>
-            </a:r>
-            <a:r>
-              <a:rPr lang="en-US" altLang="zh-CN" sz="2000" dirty="0"/>
-              <a:t>p</a:t>
-            </a:r>
-            <a:r>
-              <a:rPr lang="en-US" altLang="zh-CN" sz="2000" baseline="-25000" dirty="0"/>
-              <a:t>i</a:t>
-            </a:r>
-            <a:r>
-              <a:rPr lang="en-US" altLang="zh-CN" sz="2000" dirty="0"/>
-              <a:t> → 0</a:t>
-            </a:r>
-            <a:r>
-              <a:rPr lang="zh-CN" altLang="en-US" sz="2000" dirty="0"/>
-              <a:t>。</a:t>
-            </a:r>
-            <a:endParaRPr lang="en-US" altLang="zh-CN" sz="2000" dirty="0"/>
-          </a:p>
-          <a:p>
-            <a:pPr lvl="2"/>
-            <a:r>
-              <a:rPr lang="zh-CN" altLang="en-US" sz="2000" dirty="0"/>
-              <a:t>随机性方法变成确定性方法</a:t>
-            </a:r>
-            <a:endParaRPr lang="en-US" altLang="zh-CN" sz="2000" dirty="0"/>
-          </a:p>
-          <a:p>
             <a:endParaRPr lang="zh-CN" altLang="en-US" dirty="0"/>
           </a:p>
         </p:txBody>
       </p:sp>
       <p:pic>
         <p:nvPicPr>
-          <p:cNvPr id="4" name="图片 3" descr="屏幕剪辑"/>
+          <p:cNvPr id="5" name="图片 4">
+            <a:extLst>
+              <a:ext uri="{FF2B5EF4-FFF2-40B4-BE49-F238E27FC236}">
+                <a16:creationId xmlns:a16="http://schemas.microsoft.com/office/drawing/2014/main" id="{CD5836B0-4477-4241-9B60-E50727FD78E0}"/>
+              </a:ext>
+            </a:extLst>
+          </p:cNvPr>
           <p:cNvPicPr>
             <a:picLocks noChangeAspect="1"/>
           </p:cNvPicPr>
           <p:nvPr/>
         </p:nvPicPr>
         <p:blipFill>
-          <a:blip r:embed="rId2">
-            <a:extLst>
-              <a:ext uri="{28A0092B-C50C-407E-A947-70E740481C1C}">
-                <a14:useLocalDpi xmlns:a14="http://schemas.microsoft.com/office/drawing/2010/main" val="0"/>
-              </a:ext>
-            </a:extLst>
-          </a:blip>
+          <a:blip r:embed="rId2"/>
           <a:stretch>
             <a:fillRect/>
           </a:stretch>
         </p:blipFill>
         <p:spPr>
           <a:xfrm>
-            <a:off x="2362200" y="2133600"/>
-            <a:ext cx="3756609" cy="914400"/>
+            <a:off x="1066800" y="2819400"/>
+            <a:ext cx="6705600" cy="3131019"/>
           </a:xfrm>
           <a:prstGeom prst="rect">
             <a:avLst/>
@@ -4966,6 +6451,499 @@
       </p:grpSpPr>
       <p:sp>
         <p:nvSpPr>
+          <p:cNvPr id="2" name="标题 1">
+            <a:extLst>
+              <a:ext uri="{FF2B5EF4-FFF2-40B4-BE49-F238E27FC236}">
+                <a16:creationId xmlns:a16="http://schemas.microsoft.com/office/drawing/2014/main" id="{BE6D02BA-55CE-434C-B478-C2F0C4472E92}"/>
+              </a:ext>
+            </a:extLst>
+          </p:cNvPr>
+          <p:cNvSpPr>
+            <a:spLocks noGrp="1"/>
+          </p:cNvSpPr>
+          <p:nvPr>
+            <p:ph type="title"/>
+          </p:nvPr>
+        </p:nvSpPr>
+        <p:spPr/>
+        <p:txBody>
+          <a:bodyPr/>
+          <a:lstStyle/>
+          <a:p>
+            <a:r>
+              <a:rPr lang="zh-CN" altLang="en-US" dirty="0"/>
+              <a:t>模拟退火</a:t>
+            </a:r>
+          </a:p>
+        </p:txBody>
+      </p:sp>
+      <p:sp>
+        <p:nvSpPr>
+          <p:cNvPr id="3" name="内容占位符 2">
+            <a:extLst>
+              <a:ext uri="{FF2B5EF4-FFF2-40B4-BE49-F238E27FC236}">
+                <a16:creationId xmlns:a16="http://schemas.microsoft.com/office/drawing/2014/main" id="{5C052132-8C74-419A-B209-7C36D5C6E8D1}"/>
+              </a:ext>
+            </a:extLst>
+          </p:cNvPr>
+          <p:cNvSpPr>
+            <a:spLocks noGrp="1"/>
+          </p:cNvSpPr>
+          <p:nvPr>
+            <p:ph sz="quarter" idx="1"/>
+          </p:nvPr>
+        </p:nvSpPr>
+        <p:spPr/>
+        <p:txBody>
+          <a:bodyPr/>
+          <a:lstStyle/>
+          <a:p>
+            <a:r>
+              <a:rPr lang="zh-CN" altLang="en-US" sz="2800" dirty="0"/>
+              <a:t>让系统刚开始在一个比较高的温度下运行，然后逐渐降低，直到系统在一个比较低的温度下达到热平衡。</a:t>
+            </a:r>
+            <a:endParaRPr lang="en-US" altLang="zh-CN" sz="2800" dirty="0"/>
+          </a:p>
+          <a:p>
+            <a:r>
+              <a:rPr lang="zh-CN" altLang="en-US" sz="2800" dirty="0"/>
+              <a:t>当系统温度非常高</a:t>
+            </a:r>
+            <a:r>
+              <a:rPr lang="en-US" altLang="zh-CN" sz="2800" dirty="0"/>
+              <a:t>T → ∞</a:t>
+            </a:r>
+            <a:r>
+              <a:rPr lang="zh-CN" altLang="en-US" sz="2800" dirty="0"/>
+              <a:t>时，</a:t>
+            </a:r>
+            <a:r>
+              <a:rPr lang="en-US" altLang="zh-CN" sz="2800" dirty="0"/>
+              <a:t>p</a:t>
+            </a:r>
+            <a:r>
+              <a:rPr lang="en-US" altLang="zh-CN" sz="2800" baseline="-25000" dirty="0"/>
+              <a:t>i</a:t>
+            </a:r>
+            <a:r>
+              <a:rPr lang="en-US" altLang="zh-CN" sz="2800" dirty="0"/>
+              <a:t> → 0.5</a:t>
+            </a:r>
+            <a:r>
+              <a:rPr lang="zh-CN" altLang="en-US" sz="2800" dirty="0"/>
+              <a:t>，即每个变量状态的改变十分容易，每一种网络状态都是一样的，而从很快可以达到热平衡。</a:t>
+            </a:r>
+            <a:endParaRPr lang="en-US" altLang="zh-CN" sz="2800" dirty="0"/>
+          </a:p>
+          <a:p>
+            <a:r>
+              <a:rPr lang="zh-CN" altLang="en-US" sz="2800" dirty="0"/>
+              <a:t>当系统温度非常低</a:t>
+            </a:r>
+            <a:r>
+              <a:rPr lang="en-US" altLang="zh-CN" sz="2800" dirty="0"/>
+              <a:t>T → 0</a:t>
+            </a:r>
+            <a:r>
+              <a:rPr lang="zh-CN" altLang="en-US" sz="2800" dirty="0"/>
+              <a:t>时，如果∆</a:t>
+            </a:r>
+            <a:r>
+              <a:rPr lang="en-US" altLang="zh-CN" sz="2800" dirty="0" err="1"/>
+              <a:t>E</a:t>
+            </a:r>
+            <a:r>
+              <a:rPr lang="en-US" altLang="zh-CN" sz="2800" baseline="-25000" dirty="0" err="1"/>
+              <a:t>i</a:t>
+            </a:r>
+            <a:r>
+              <a:rPr lang="en-US" altLang="zh-CN" sz="2800" dirty="0"/>
+              <a:t> (x</a:t>
+            </a:r>
+            <a:r>
+              <a:rPr lang="en-US" altLang="zh-CN" sz="2800" baseline="-25000" dirty="0"/>
+              <a:t>\</a:t>
+            </a:r>
+            <a:r>
+              <a:rPr lang="en-US" altLang="zh-CN" sz="2800" baseline="-25000" dirty="0" err="1"/>
+              <a:t>i</a:t>
+            </a:r>
+            <a:r>
+              <a:rPr lang="en-US" altLang="zh-CN" sz="2800" dirty="0"/>
+              <a:t> ) &gt; 0</a:t>
+            </a:r>
+            <a:r>
+              <a:rPr lang="zh-CN" altLang="en-US" sz="2800" dirty="0"/>
+              <a:t>则</a:t>
+            </a:r>
+            <a:r>
+              <a:rPr lang="en-US" altLang="zh-CN" sz="2800" dirty="0"/>
+              <a:t>p</a:t>
+            </a:r>
+            <a:r>
+              <a:rPr lang="en-US" altLang="zh-CN" sz="2800" baseline="-25000" dirty="0"/>
+              <a:t>i</a:t>
+            </a:r>
+            <a:r>
+              <a:rPr lang="en-US" altLang="zh-CN" sz="2800" dirty="0"/>
+              <a:t> → 1</a:t>
+            </a:r>
+            <a:r>
+              <a:rPr lang="zh-CN" altLang="en-US" sz="2800" dirty="0"/>
+              <a:t>，如果∆</a:t>
+            </a:r>
+            <a:r>
+              <a:rPr lang="en-US" altLang="zh-CN" sz="2800" dirty="0" err="1"/>
+              <a:t>E</a:t>
+            </a:r>
+            <a:r>
+              <a:rPr lang="en-US" altLang="zh-CN" sz="2800" baseline="-25000" dirty="0" err="1"/>
+              <a:t>i</a:t>
+            </a:r>
+            <a:r>
+              <a:rPr lang="en-US" altLang="zh-CN" sz="2800" dirty="0"/>
+              <a:t> (x</a:t>
+            </a:r>
+            <a:r>
+              <a:rPr lang="en-US" altLang="zh-CN" sz="2800" baseline="-25000" dirty="0"/>
+              <a:t>\</a:t>
+            </a:r>
+            <a:r>
+              <a:rPr lang="en-US" altLang="zh-CN" sz="2800" baseline="-25000" dirty="0" err="1"/>
+              <a:t>i</a:t>
+            </a:r>
+            <a:r>
+              <a:rPr lang="en-US" altLang="zh-CN" sz="2800" dirty="0"/>
+              <a:t> ) &lt; 0</a:t>
+            </a:r>
+            <a:r>
+              <a:rPr lang="zh-CN" altLang="en-US" sz="2800" dirty="0"/>
+              <a:t>则</a:t>
+            </a:r>
+            <a:r>
+              <a:rPr lang="en-US" altLang="zh-CN" sz="2800" dirty="0"/>
+              <a:t>p</a:t>
+            </a:r>
+            <a:r>
+              <a:rPr lang="en-US" altLang="zh-CN" sz="2800" baseline="-25000" dirty="0"/>
+              <a:t>i</a:t>
+            </a:r>
+            <a:r>
+              <a:rPr lang="en-US" altLang="zh-CN" sz="2800" dirty="0"/>
+              <a:t> → 0</a:t>
+            </a:r>
+            <a:r>
+              <a:rPr lang="zh-CN" altLang="en-US" sz="2800" dirty="0"/>
+              <a:t>。</a:t>
+            </a:r>
+            <a:endParaRPr lang="en-US" altLang="zh-CN" sz="2800" dirty="0"/>
+          </a:p>
+          <a:p>
+            <a:pPr lvl="1"/>
+            <a:r>
+              <a:rPr lang="zh-CN" altLang="en-US" sz="2000" dirty="0"/>
+              <a:t>随机性方法变成确定性方法</a:t>
+            </a:r>
+            <a:endParaRPr lang="en-US" altLang="zh-CN" sz="2000" dirty="0"/>
+          </a:p>
+          <a:p>
+            <a:endParaRPr lang="zh-CN" altLang="en-US" dirty="0"/>
+          </a:p>
+        </p:txBody>
+      </p:sp>
+      <p:pic>
+        <p:nvPicPr>
+          <p:cNvPr id="4" name="图片 3">
+            <a:extLst>
+              <a:ext uri="{FF2B5EF4-FFF2-40B4-BE49-F238E27FC236}">
+                <a16:creationId xmlns:a16="http://schemas.microsoft.com/office/drawing/2014/main" id="{FE4FF9D5-1ED1-4179-AB92-3F6A94573F32}"/>
+              </a:ext>
+            </a:extLst>
+          </p:cNvPr>
+          <p:cNvPicPr>
+            <a:picLocks noChangeAspect="1"/>
+          </p:cNvPicPr>
+          <p:nvPr/>
+        </p:nvPicPr>
+        <p:blipFill>
+          <a:blip r:embed="rId2"/>
+          <a:stretch>
+            <a:fillRect/>
+          </a:stretch>
+        </p:blipFill>
+        <p:spPr>
+          <a:xfrm>
+            <a:off x="2590800" y="5196607"/>
+            <a:ext cx="3127129" cy="1036553"/>
+          </a:xfrm>
+          <a:prstGeom prst="rect">
+            <a:avLst/>
+          </a:prstGeom>
+        </p:spPr>
+      </p:pic>
+      <p:sp>
+        <p:nvSpPr>
+          <p:cNvPr id="5" name="矩形 4">
+            <a:extLst>
+              <a:ext uri="{FF2B5EF4-FFF2-40B4-BE49-F238E27FC236}">
+                <a16:creationId xmlns:a16="http://schemas.microsoft.com/office/drawing/2014/main" id="{663A60A3-33C9-43CE-93DF-9392D9191A61}"/>
+              </a:ext>
+            </a:extLst>
+          </p:cNvPr>
+          <p:cNvSpPr/>
+          <p:nvPr/>
+        </p:nvSpPr>
+        <p:spPr>
+          <a:xfrm>
+            <a:off x="5791200" y="5287537"/>
+            <a:ext cx="1931939" cy="461665"/>
+          </a:xfrm>
+          <a:prstGeom prst="rect">
+            <a:avLst/>
+          </a:prstGeom>
+        </p:spPr>
+        <p:txBody>
+          <a:bodyPr wrap="none">
+            <a:spAutoFit/>
+          </a:bodyPr>
+          <a:lstStyle/>
+          <a:p>
+            <a:r>
+              <a:rPr lang="en-US" altLang="zh-CN" sz="2400" dirty="0">
+                <a:solidFill>
+                  <a:srgbClr val="FF0000"/>
+                </a:solidFill>
+              </a:rPr>
+              <a:t>Hopfield</a:t>
+            </a:r>
+            <a:r>
+              <a:rPr lang="zh-CN" altLang="en-US" sz="2400" dirty="0">
+                <a:solidFill>
+                  <a:srgbClr val="FF0000"/>
+                </a:solidFill>
+              </a:rPr>
+              <a:t>网络</a:t>
+            </a:r>
+          </a:p>
+        </p:txBody>
+      </p:sp>
+    </p:spTree>
+    <p:extLst>
+      <p:ext uri="{BB962C8B-B14F-4D97-AF65-F5344CB8AC3E}">
+        <p14:creationId xmlns:p14="http://schemas.microsoft.com/office/powerpoint/2010/main" val="1010475083"/>
+      </p:ext>
+    </p:extLst>
+  </p:cSld>
+  <p:clrMapOvr>
+    <a:masterClrMapping/>
+  </p:clrMapOvr>
+  <p:timing>
+    <p:tnLst>
+      <p:par>
+        <p:cTn id="1" dur="indefinite" restart="never" nodeType="tmRoot">
+          <p:childTnLst>
+            <p:seq concurrent="1" nextAc="seek">
+              <p:cTn id="2" dur="indefinite" nodeType="mainSeq">
+                <p:childTnLst>
+                  <p:par>
+                    <p:cTn id="3" fill="hold">
+                      <p:stCondLst>
+                        <p:cond delay="indefinite"/>
+                      </p:stCondLst>
+                      <p:childTnLst>
+                        <p:par>
+                          <p:cTn id="4" fill="hold">
+                            <p:stCondLst>
+                              <p:cond delay="0"/>
+                            </p:stCondLst>
+                            <p:childTnLst>
+                              <p:par>
+                                <p:cTn id="5" presetID="10" presetClass="entr" presetSubtype="0" fill="hold" grpId="0" nodeType="clickEffect">
+                                  <p:stCondLst>
+                                    <p:cond delay="0"/>
+                                  </p:stCondLst>
+                                  <p:childTnLst>
+                                    <p:set>
+                                      <p:cBhvr>
+                                        <p:cTn id="6" dur="1" fill="hold">
+                                          <p:stCondLst>
+                                            <p:cond delay="0"/>
+                                          </p:stCondLst>
+                                        </p:cTn>
+                                        <p:tgtEl>
+                                          <p:spTgt spid="5"/>
+                                        </p:tgtEl>
+                                        <p:attrNameLst>
+                                          <p:attrName>style.visibility</p:attrName>
+                                        </p:attrNameLst>
+                                      </p:cBhvr>
+                                      <p:to>
+                                        <p:strVal val="visible"/>
+                                      </p:to>
+                                    </p:set>
+                                    <p:animEffect transition="in" filter="fade">
+                                      <p:cBhvr>
+                                        <p:cTn id="7" dur="500"/>
+                                        <p:tgtEl>
+                                          <p:spTgt spid="5"/>
+                                        </p:tgtEl>
+                                      </p:cBhvr>
+                                    </p:animEffect>
+                                  </p:childTnLst>
+                                </p:cTn>
+                              </p:par>
+                            </p:childTnLst>
+                          </p:cTn>
+                        </p:par>
+                      </p:childTnLst>
+                    </p:cTn>
+                  </p:par>
+                </p:childTnLst>
+              </p:cTn>
+              <p:prevCondLst>
+                <p:cond evt="onPrev" delay="0">
+                  <p:tgtEl>
+                    <p:sldTgt/>
+                  </p:tgtEl>
+                </p:cond>
+              </p:prevCondLst>
+              <p:nextCondLst>
+                <p:cond evt="onNext" delay="0">
+                  <p:tgtEl>
+                    <p:sldTgt/>
+                  </p:tgtEl>
+                </p:cond>
+              </p:nextCondLst>
+            </p:seq>
+          </p:childTnLst>
+        </p:cTn>
+      </p:par>
+    </p:tnLst>
+    <p:bldLst>
+      <p:bldP spid="5" grpId="0"/>
+    </p:bldLst>
+  </p:timing>
+</p:sld>
+</file>
+
+<file path=ppt/slides/slide6.xml><?xml version="1.0" encoding="utf-8"?>
+<p:sld xmlns:a="http://schemas.openxmlformats.org/drawingml/2006/main" xmlns:r="http://schemas.openxmlformats.org/officeDocument/2006/relationships" xmlns:p="http://schemas.openxmlformats.org/presentationml/2006/main">
+  <p:cSld>
+    <p:spTree>
+      <p:nvGrpSpPr>
+        <p:cNvPr id="1" name=""/>
+        <p:cNvGrpSpPr/>
+        <p:nvPr/>
+      </p:nvGrpSpPr>
+      <p:grpSpPr>
+        <a:xfrm>
+          <a:off x="0" y="0"/>
+          <a:ext cx="0" cy="0"/>
+          <a:chOff x="0" y="0"/>
+          <a:chExt cx="0" cy="0"/>
+        </a:xfrm>
+      </p:grpSpPr>
+      <p:sp>
+        <p:nvSpPr>
+          <p:cNvPr id="2" name="标题 1">
+            <a:extLst>
+              <a:ext uri="{FF2B5EF4-FFF2-40B4-BE49-F238E27FC236}">
+                <a16:creationId xmlns:a16="http://schemas.microsoft.com/office/drawing/2014/main" id="{5B3546B9-CD14-4F8E-AFA9-3E24D7AD9DFA}"/>
+              </a:ext>
+            </a:extLst>
+          </p:cNvPr>
+          <p:cNvSpPr>
+            <a:spLocks noGrp="1"/>
+          </p:cNvSpPr>
+          <p:nvPr>
+            <p:ph type="title"/>
+          </p:nvPr>
+        </p:nvSpPr>
+        <p:spPr/>
+        <p:txBody>
+          <a:bodyPr/>
+          <a:lstStyle/>
+          <a:p>
+            <a:r>
+              <a:rPr lang="en-US" altLang="zh-CN" dirty="0"/>
+              <a:t>Hopfield</a:t>
+            </a:r>
+            <a:r>
+              <a:rPr lang="zh-CN" altLang="en-US" dirty="0"/>
+              <a:t>网络和玻尔兹曼</a:t>
+            </a:r>
+            <a:br>
+              <a:rPr lang="en-US" altLang="zh-CN" dirty="0"/>
+            </a:br>
+            <a:r>
+              <a:rPr lang="zh-CN" altLang="en-US" dirty="0"/>
+              <a:t>的能量变化对比</a:t>
+            </a:r>
+          </a:p>
+        </p:txBody>
+      </p:sp>
+      <p:pic>
+        <p:nvPicPr>
+          <p:cNvPr id="3" name="图片 2">
+            <a:extLst>
+              <a:ext uri="{FF2B5EF4-FFF2-40B4-BE49-F238E27FC236}">
+                <a16:creationId xmlns:a16="http://schemas.microsoft.com/office/drawing/2014/main" id="{BAF23110-92BE-4AA5-93D0-0F7098D09BCD}"/>
+              </a:ext>
+            </a:extLst>
+          </p:cNvPr>
+          <p:cNvPicPr>
+            <a:picLocks noChangeAspect="1"/>
+          </p:cNvPicPr>
+          <p:nvPr/>
+        </p:nvPicPr>
+        <p:blipFill>
+          <a:blip r:embed="rId2"/>
+          <a:stretch>
+            <a:fillRect/>
+          </a:stretch>
+        </p:blipFill>
+        <p:spPr>
+          <a:xfrm>
+            <a:off x="1752600" y="1371600"/>
+            <a:ext cx="4999520" cy="5406769"/>
+          </a:xfrm>
+          <a:prstGeom prst="rect">
+            <a:avLst/>
+          </a:prstGeom>
+        </p:spPr>
+      </p:pic>
+    </p:spTree>
+    <p:extLst>
+      <p:ext uri="{BB962C8B-B14F-4D97-AF65-F5344CB8AC3E}">
+        <p14:creationId xmlns:p14="http://schemas.microsoft.com/office/powerpoint/2010/main" val="3744391488"/>
+      </p:ext>
+    </p:extLst>
+  </p:cSld>
+  <p:clrMapOvr>
+    <a:masterClrMapping/>
+  </p:clrMapOvr>
+</p:sld>
+</file>
+
+<file path=ppt/slides/slide7.xml><?xml version="1.0" encoding="utf-8"?>
+<p:sld xmlns:a="http://schemas.openxmlformats.org/drawingml/2006/main" xmlns:r="http://schemas.openxmlformats.org/officeDocument/2006/relationships" xmlns:p="http://schemas.openxmlformats.org/presentationml/2006/main">
+  <p:cSld>
+    <p:spTree>
+      <p:nvGrpSpPr>
+        <p:cNvPr id="1" name=""/>
+        <p:cNvGrpSpPr/>
+        <p:nvPr/>
+      </p:nvGrpSpPr>
+      <p:grpSpPr>
+        <a:xfrm>
+          <a:off x="0" y="0"/>
+          <a:ext cx="0" cy="0"/>
+          <a:chOff x="0" y="0"/>
+          <a:chExt cx="0" cy="0"/>
+        </a:xfrm>
+      </p:grpSpPr>
+      <p:sp>
+        <p:nvSpPr>
           <p:cNvPr id="2" name="标题 1"/>
           <p:cNvSpPr>
             <a:spLocks noGrp="1"/>
@@ -5030,7 +7008,7 @@
       </p:sp>
       <p:pic>
         <p:nvPicPr>
-          <p:cNvPr id="4" name="图片 3" descr="屏幕剪辑"/>
+          <p:cNvPr id="6" name="图片 5" descr="屏幕剪辑"/>
           <p:cNvPicPr>
             <a:picLocks noChangeAspect="1"/>
           </p:cNvPicPr>
@@ -5038,36 +7016,6 @@
         </p:nvPicPr>
         <p:blipFill>
           <a:blip r:embed="rId2">
-            <a:extLst>
-              <a:ext uri="{28A0092B-C50C-407E-A947-70E740481C1C}">
-                <a14:useLocalDpi xmlns:a14="http://schemas.microsoft.com/office/drawing/2010/main" val="0"/>
-              </a:ext>
-            </a:extLst>
-          </a:blip>
-          <a:stretch>
-            <a:fillRect/>
-          </a:stretch>
-        </p:blipFill>
-        <p:spPr>
-          <a:xfrm>
-            <a:off x="2819400" y="1905000"/>
-            <a:ext cx="2324356" cy="639304"/>
-          </a:xfrm>
-          <a:prstGeom prst="rect">
-            <a:avLst/>
-          </a:prstGeom>
-        </p:spPr>
-      </p:pic>
-      <p:pic>
-        <p:nvPicPr>
-          <p:cNvPr id="6" name="图片 5" descr="屏幕剪辑"/>
-          <p:cNvPicPr>
-            <a:picLocks noChangeAspect="1"/>
-          </p:cNvPicPr>
-          <p:nvPr/>
-        </p:nvPicPr>
-        <p:blipFill>
-          <a:blip r:embed="rId3">
             <a:extLst>
               <a:ext uri="{28A0092B-C50C-407E-A947-70E740481C1C}">
                 <a14:useLocalDpi xmlns:a14="http://schemas.microsoft.com/office/drawing/2010/main" val="0"/>
@@ -5088,6 +7036,36 @@
           </a:prstGeom>
         </p:spPr>
       </p:pic>
+      <p:pic>
+        <p:nvPicPr>
+          <p:cNvPr id="5" name="图片 4">
+            <a:extLst>
+              <a:ext uri="{FF2B5EF4-FFF2-40B4-BE49-F238E27FC236}">
+                <a16:creationId xmlns:a16="http://schemas.microsoft.com/office/drawing/2014/main" id="{91F78CA3-C02E-49D4-A9E8-9A5B3E778534}"/>
+              </a:ext>
+            </a:extLst>
+          </p:cNvPr>
+          <p:cNvPicPr>
+            <a:picLocks noChangeAspect="1"/>
+          </p:cNvPicPr>
+          <p:nvPr/>
+        </p:nvPicPr>
+        <p:blipFill>
+          <a:blip r:embed="rId3"/>
+          <a:stretch>
+            <a:fillRect/>
+          </a:stretch>
+        </p:blipFill>
+        <p:spPr>
+          <a:xfrm>
+            <a:off x="1905000" y="2133600"/>
+            <a:ext cx="4909349" cy="1006817"/>
+          </a:xfrm>
+          <a:prstGeom prst="rect">
+            <a:avLst/>
+          </a:prstGeom>
+        </p:spPr>
+      </p:pic>
     </p:spTree>
     <p:extLst>
       <p:ext uri="{BB962C8B-B14F-4D97-AF65-F5344CB8AC3E}">
@@ -5101,7 +7079,7 @@
 </p:sld>
 </file>
 
-<file path=ppt/slides/slide6.xml><?xml version="1.0" encoding="utf-8"?>
+<file path=ppt/slides/slide8.xml><?xml version="1.0" encoding="utf-8"?>
 <p:sld xmlns:a="http://schemas.openxmlformats.org/drawingml/2006/main" xmlns:r="http://schemas.openxmlformats.org/officeDocument/2006/relationships" xmlns:p="http://schemas.openxmlformats.org/presentationml/2006/main">
   <p:cSld>
     <p:spTree>
@@ -5640,429 +7618,6 @@
 </p:sld>
 </file>
 
-<file path=ppt/slides/slide7.xml><?xml version="1.0" encoding="utf-8"?>
-<p:sld xmlns:a="http://schemas.openxmlformats.org/drawingml/2006/main" xmlns:r="http://schemas.openxmlformats.org/officeDocument/2006/relationships" xmlns:p="http://schemas.openxmlformats.org/presentationml/2006/main">
-  <p:cSld>
-    <p:spTree>
-      <p:nvGrpSpPr>
-        <p:cNvPr id="1" name=""/>
-        <p:cNvGrpSpPr/>
-        <p:nvPr/>
-      </p:nvGrpSpPr>
-      <p:grpSpPr>
-        <a:xfrm>
-          <a:off x="0" y="0"/>
-          <a:ext cx="0" cy="0"/>
-          <a:chOff x="0" y="0"/>
-          <a:chExt cx="0" cy="0"/>
-        </a:xfrm>
-      </p:grpSpPr>
-      <p:sp>
-        <p:nvSpPr>
-          <p:cNvPr id="2" name="标题 1"/>
-          <p:cNvSpPr>
-            <a:spLocks noGrp="1"/>
-          </p:cNvSpPr>
-          <p:nvPr>
-            <p:ph type="title"/>
-          </p:nvPr>
-        </p:nvSpPr>
-        <p:spPr/>
-        <p:txBody>
-          <a:bodyPr/>
-          <a:lstStyle/>
-          <a:p>
-            <a:r>
-              <a:rPr lang="zh-CN" altLang="en-US" dirty="0"/>
-              <a:t>受限玻尔兹曼机（</a:t>
-            </a:r>
-            <a:r>
-              <a:rPr lang="en-US" altLang="zh-CN" dirty="0"/>
-              <a:t>Restricted Boltzmann Machines</a:t>
-            </a:r>
-            <a:r>
-              <a:rPr lang="zh-CN" altLang="en-US" dirty="0"/>
-              <a:t>，</a:t>
-            </a:r>
-            <a:r>
-              <a:rPr lang="en-US" altLang="zh-CN" dirty="0"/>
-              <a:t>RBM</a:t>
-            </a:r>
-            <a:r>
-              <a:rPr lang="zh-CN" altLang="en-US" dirty="0"/>
-              <a:t>）</a:t>
-            </a:r>
-          </a:p>
-        </p:txBody>
-      </p:sp>
-      <p:sp>
-        <p:nvSpPr>
-          <p:cNvPr id="3" name="内容占位符 2"/>
-          <p:cNvSpPr>
-            <a:spLocks noGrp="1"/>
-          </p:cNvSpPr>
-          <p:nvPr>
-            <p:ph sz="quarter" idx="1"/>
-          </p:nvPr>
-        </p:nvSpPr>
-        <p:spPr/>
-        <p:txBody>
-          <a:bodyPr/>
-          <a:lstStyle/>
-          <a:p>
-            <a:pPr lvl="1"/>
-            <a:r>
-              <a:rPr lang="zh-CN" altLang="en-US" dirty="0"/>
-              <a:t>受限玻尔兹曼机是一个二分图结构的无向图模型。</a:t>
-            </a:r>
-            <a:endParaRPr lang="en-US" altLang="zh-CN" dirty="0"/>
-          </a:p>
-          <a:p>
-            <a:pPr lvl="2"/>
-            <a:r>
-              <a:rPr lang="zh-CN" altLang="en-US" dirty="0"/>
-              <a:t>在受限玻尔兹曼机中，变量可以为两组，分别为隐藏层和可见层（或输入层）。</a:t>
-            </a:r>
-            <a:endParaRPr lang="en-US" altLang="zh-CN" dirty="0"/>
-          </a:p>
-          <a:p>
-            <a:pPr lvl="2"/>
-            <a:r>
-              <a:rPr lang="zh-CN" altLang="en-US" dirty="0"/>
-              <a:t>节点变量的取值为</a:t>
-            </a:r>
-            <a:r>
-              <a:rPr lang="en-US" altLang="zh-CN" dirty="0"/>
-              <a:t>0</a:t>
-            </a:r>
-            <a:r>
-              <a:rPr lang="zh-CN" altLang="en-US" dirty="0"/>
-              <a:t>或</a:t>
-            </a:r>
-            <a:r>
-              <a:rPr lang="en-US" altLang="zh-CN" dirty="0"/>
-              <a:t>1</a:t>
-            </a:r>
-            <a:r>
-              <a:rPr lang="zh-CN" altLang="en-US" dirty="0"/>
-              <a:t>。</a:t>
-            </a:r>
-          </a:p>
-          <a:p>
-            <a:pPr lvl="2"/>
-            <a:r>
-              <a:rPr lang="zh-CN" altLang="en-US" dirty="0"/>
-              <a:t>和两层的全连接神经网络的结构相同。</a:t>
-            </a:r>
-          </a:p>
-        </p:txBody>
-      </p:sp>
-      <p:pic>
-        <p:nvPicPr>
-          <p:cNvPr id="4" name="图片 3" descr="屏幕剪辑"/>
-          <p:cNvPicPr>
-            <a:picLocks noChangeAspect="1"/>
-          </p:cNvPicPr>
-          <p:nvPr/>
-        </p:nvPicPr>
-        <p:blipFill>
-          <a:blip r:embed="rId2">
-            <a:extLst>
-              <a:ext uri="{28A0092B-C50C-407E-A947-70E740481C1C}">
-                <a14:useLocalDpi xmlns:a14="http://schemas.microsoft.com/office/drawing/2010/main" val="0"/>
-              </a:ext>
-            </a:extLst>
-          </a:blip>
-          <a:stretch>
-            <a:fillRect/>
-          </a:stretch>
-        </p:blipFill>
-        <p:spPr>
-          <a:xfrm>
-            <a:off x="457200" y="3962400"/>
-            <a:ext cx="4513758" cy="1724234"/>
-          </a:xfrm>
-          <a:prstGeom prst="rect">
-            <a:avLst/>
-          </a:prstGeom>
-        </p:spPr>
-      </p:pic>
-      <p:pic>
-        <p:nvPicPr>
-          <p:cNvPr id="5" name="图片 4" descr="屏幕剪辑"/>
-          <p:cNvPicPr>
-            <a:picLocks noChangeAspect="1"/>
-          </p:cNvPicPr>
-          <p:nvPr/>
-        </p:nvPicPr>
-        <p:blipFill>
-          <a:blip r:embed="rId3">
-            <a:extLst>
-              <a:ext uri="{28A0092B-C50C-407E-A947-70E740481C1C}">
-                <a14:useLocalDpi xmlns:a14="http://schemas.microsoft.com/office/drawing/2010/main" val="0"/>
-              </a:ext>
-            </a:extLst>
-          </a:blip>
-          <a:stretch>
-            <a:fillRect/>
-          </a:stretch>
-        </p:blipFill>
-        <p:spPr>
-          <a:xfrm>
-            <a:off x="5452981" y="4186253"/>
-            <a:ext cx="3210373" cy="1276528"/>
-          </a:xfrm>
-          <a:prstGeom prst="rect">
-            <a:avLst/>
-          </a:prstGeom>
-        </p:spPr>
-      </p:pic>
-    </p:spTree>
-    <p:extLst>
-      <p:ext uri="{BB962C8B-B14F-4D97-AF65-F5344CB8AC3E}">
-        <p14:creationId xmlns:p14="http://schemas.microsoft.com/office/powerpoint/2010/main" val="1453301330"/>
-      </p:ext>
-    </p:extLst>
-  </p:cSld>
-  <p:clrMapOvr>
-    <a:masterClrMapping/>
-  </p:clrMapOvr>
-</p:sld>
-</file>
-
-<file path=ppt/slides/slide8.xml><?xml version="1.0" encoding="utf-8"?>
-<p:sld xmlns:a="http://schemas.openxmlformats.org/drawingml/2006/main" xmlns:r="http://schemas.openxmlformats.org/officeDocument/2006/relationships" xmlns:p="http://schemas.openxmlformats.org/presentationml/2006/main">
-  <p:cSld>
-    <p:spTree>
-      <p:nvGrpSpPr>
-        <p:cNvPr id="1" name=""/>
-        <p:cNvGrpSpPr/>
-        <p:nvPr/>
-      </p:nvGrpSpPr>
-      <p:grpSpPr>
-        <a:xfrm>
-          <a:off x="0" y="0"/>
-          <a:ext cx="0" cy="0"/>
-          <a:chOff x="0" y="0"/>
-          <a:chExt cx="0" cy="0"/>
-        </a:xfrm>
-      </p:grpSpPr>
-      <p:sp>
-        <p:nvSpPr>
-          <p:cNvPr id="2" name="标题 1"/>
-          <p:cNvSpPr>
-            <a:spLocks noGrp="1"/>
-          </p:cNvSpPr>
-          <p:nvPr>
-            <p:ph type="title"/>
-          </p:nvPr>
-        </p:nvSpPr>
-        <p:spPr/>
-        <p:txBody>
-          <a:bodyPr/>
-          <a:lstStyle/>
-          <a:p>
-            <a:r>
-              <a:rPr lang="zh-CN" altLang="en-US" dirty="0"/>
-              <a:t>深度信念网络（</a:t>
-            </a:r>
-            <a:r>
-              <a:rPr lang="en-US" altLang="zh-CN" dirty="0"/>
-              <a:t>Deep Belief Network</a:t>
-            </a:r>
-            <a:r>
-              <a:rPr lang="zh-CN" altLang="en-US" dirty="0"/>
-              <a:t>，</a:t>
-            </a:r>
-            <a:r>
-              <a:rPr lang="en-US" altLang="zh-CN" dirty="0"/>
-              <a:t>DBN</a:t>
-            </a:r>
-            <a:r>
-              <a:rPr lang="zh-CN" altLang="en-US" dirty="0"/>
-              <a:t>）</a:t>
-            </a:r>
-          </a:p>
-        </p:txBody>
-      </p:sp>
-      <p:sp>
-        <p:nvSpPr>
-          <p:cNvPr id="3" name="内容占位符 2"/>
-          <p:cNvSpPr>
-            <a:spLocks noGrp="1"/>
-          </p:cNvSpPr>
-          <p:nvPr>
-            <p:ph sz="quarter" idx="1"/>
-          </p:nvPr>
-        </p:nvSpPr>
-        <p:spPr/>
-        <p:txBody>
-          <a:bodyPr/>
-          <a:lstStyle/>
-          <a:p>
-            <a:pPr lvl="1"/>
-            <a:r>
-              <a:rPr lang="zh-CN" altLang="en-US" dirty="0"/>
-              <a:t>深度信念网络是深度的有向的概率图模型，其图结构由多层的节点构成。</a:t>
-            </a:r>
-            <a:endParaRPr lang="en-US" altLang="zh-CN" dirty="0"/>
-          </a:p>
-          <a:p>
-            <a:pPr lvl="2"/>
-            <a:r>
-              <a:rPr lang="zh-CN" altLang="en-US" dirty="0"/>
-              <a:t>和全连接的神经网络结构相同。</a:t>
-            </a:r>
-            <a:endParaRPr lang="en-US" altLang="zh-CN" dirty="0"/>
-          </a:p>
-          <a:p>
-            <a:pPr lvl="2"/>
-            <a:r>
-              <a:rPr lang="zh-CN" altLang="en-US" dirty="0"/>
-              <a:t>顶部的两层为一个无向图，可以看做是一个受限玻尔兹曼机。</a:t>
-            </a:r>
-          </a:p>
-        </p:txBody>
-      </p:sp>
-      <p:pic>
-        <p:nvPicPr>
-          <p:cNvPr id="4" name="图片 3" descr="屏幕剪辑"/>
-          <p:cNvPicPr>
-            <a:picLocks noChangeAspect="1"/>
-          </p:cNvPicPr>
-          <p:nvPr/>
-        </p:nvPicPr>
-        <p:blipFill>
-          <a:blip r:embed="rId2">
-            <a:extLst>
-              <a:ext uri="{28A0092B-C50C-407E-A947-70E740481C1C}">
-                <a14:useLocalDpi xmlns:a14="http://schemas.microsoft.com/office/drawing/2010/main" val="0"/>
-              </a:ext>
-            </a:extLst>
-          </a:blip>
-          <a:stretch>
-            <a:fillRect/>
-          </a:stretch>
-        </p:blipFill>
-        <p:spPr>
-          <a:xfrm>
-            <a:off x="2209800" y="3124200"/>
-            <a:ext cx="6044103" cy="2727960"/>
-          </a:xfrm>
-          <a:prstGeom prst="rect">
-            <a:avLst/>
-          </a:prstGeom>
-        </p:spPr>
-      </p:pic>
-      <p:sp>
-        <p:nvSpPr>
-          <p:cNvPr id="5" name="文本框 4"/>
-          <p:cNvSpPr txBox="1"/>
-          <p:nvPr/>
-        </p:nvSpPr>
-        <p:spPr>
-          <a:xfrm>
-            <a:off x="1371601" y="4800600"/>
-            <a:ext cx="1107996" cy="369332"/>
-          </a:xfrm>
-          <a:prstGeom prst="rect">
-            <a:avLst/>
-          </a:prstGeom>
-          <a:noFill/>
-        </p:spPr>
-        <p:txBody>
-          <a:bodyPr wrap="none" rtlCol="0">
-            <a:spAutoFit/>
-          </a:bodyPr>
-          <a:lstStyle/>
-          <a:p>
-            <a:r>
-              <a:rPr lang="zh-CN" altLang="en-US" dirty="0">
-                <a:solidFill>
-                  <a:srgbClr val="FF0000"/>
-                </a:solidFill>
-              </a:rPr>
-              <a:t>认知权重</a:t>
-            </a:r>
-          </a:p>
-        </p:txBody>
-      </p:sp>
-      <p:sp>
-        <p:nvSpPr>
-          <p:cNvPr id="6" name="文本框 5"/>
-          <p:cNvSpPr txBox="1"/>
-          <p:nvPr/>
-        </p:nvSpPr>
-        <p:spPr>
-          <a:xfrm>
-            <a:off x="7848601" y="4632803"/>
-            <a:ext cx="1107996" cy="369332"/>
-          </a:xfrm>
-          <a:prstGeom prst="rect">
-            <a:avLst/>
-          </a:prstGeom>
-          <a:noFill/>
-        </p:spPr>
-        <p:txBody>
-          <a:bodyPr wrap="none" rtlCol="0">
-            <a:spAutoFit/>
-          </a:bodyPr>
-          <a:lstStyle/>
-          <a:p>
-            <a:r>
-              <a:rPr lang="zh-CN" altLang="en-US" dirty="0">
-                <a:solidFill>
-                  <a:srgbClr val="FF0000"/>
-                </a:solidFill>
-              </a:rPr>
-              <a:t>生成权重</a:t>
-            </a:r>
-          </a:p>
-        </p:txBody>
-      </p:sp>
-      <p:pic>
-        <p:nvPicPr>
-          <p:cNvPr id="7" name="图片 6" descr="屏幕剪辑"/>
-          <p:cNvPicPr>
-            <a:picLocks noChangeAspect="1"/>
-          </p:cNvPicPr>
-          <p:nvPr/>
-        </p:nvPicPr>
-        <p:blipFill>
-          <a:blip r:embed="rId3">
-            <a:extLst>
-              <a:ext uri="{28A0092B-C50C-407E-A947-70E740481C1C}">
-                <a14:useLocalDpi xmlns:a14="http://schemas.microsoft.com/office/drawing/2010/main" val="0"/>
-              </a:ext>
-            </a:extLst>
-          </a:blip>
-          <a:stretch>
-            <a:fillRect/>
-          </a:stretch>
-        </p:blipFill>
-        <p:spPr>
-          <a:xfrm>
-            <a:off x="3555418" y="5852160"/>
-            <a:ext cx="3222256" cy="353795"/>
-          </a:xfrm>
-          <a:prstGeom prst="rect">
-            <a:avLst/>
-          </a:prstGeom>
-        </p:spPr>
-      </p:pic>
-    </p:spTree>
-    <p:extLst>
-      <p:ext uri="{BB962C8B-B14F-4D97-AF65-F5344CB8AC3E}">
-        <p14:creationId xmlns:p14="http://schemas.microsoft.com/office/powerpoint/2010/main" val="2201077060"/>
-      </p:ext>
-    </p:extLst>
-  </p:cSld>
-  <p:clrMapOvr>
-    <a:masterClrMapping/>
-  </p:clrMapOvr>
-</p:sld>
-</file>
-
 <file path=ppt/slides/slide9.xml><?xml version="1.0" encoding="utf-8"?>
 <p:sld xmlns:a="http://schemas.openxmlformats.org/drawingml/2006/main" xmlns:r="http://schemas.openxmlformats.org/officeDocument/2006/relationships" xmlns:p="http://schemas.openxmlformats.org/presentationml/2006/main">
   <p:cSld>
@@ -6087,7 +7642,7 @@
             <a:spLocks noGrp="1"/>
           </p:cNvSpPr>
           <p:nvPr>
-            <p:ph type="title"/>
+            <p:ph type="ctrTitle"/>
           </p:nvPr>
         </p:nvSpPr>
         <p:spPr/>
@@ -6097,84 +7652,15 @@
           <a:p>
             <a:r>
               <a:rPr lang="zh-CN" altLang="en-US" dirty="0"/>
-              <a:t>训练深度信念网络</a:t>
-            </a:r>
-            <a:r>
-              <a:rPr lang="en-US" altLang="zh-CN" dirty="0"/>
-              <a:t>-</a:t>
-            </a:r>
-            <a:r>
-              <a:rPr lang="zh-CN" altLang="en-US" dirty="0"/>
-              <a:t>逐层训练</a:t>
+              <a:t>受限玻尔兹曼机</a:t>
             </a:r>
           </a:p>
         </p:txBody>
       </p:sp>
-      <p:sp>
-        <p:nvSpPr>
-          <p:cNvPr id="3" name="内容占位符 2"/>
-          <p:cNvSpPr>
-            <a:spLocks noGrp="1"/>
-          </p:cNvSpPr>
-          <p:nvPr>
-            <p:ph sz="quarter" idx="1"/>
-          </p:nvPr>
-        </p:nvSpPr>
-        <p:spPr/>
-        <p:txBody>
-          <a:bodyPr/>
-          <a:lstStyle/>
-          <a:p>
-            <a:pPr lvl="1"/>
-            <a:r>
-              <a:rPr lang="zh-CN" altLang="en-US" dirty="0">
-                <a:solidFill>
-                  <a:srgbClr val="FF0000"/>
-                </a:solidFill>
-              </a:rPr>
-              <a:t>逐层训练</a:t>
-            </a:r>
-            <a:r>
-              <a:rPr lang="zh-CN" altLang="en-US" dirty="0"/>
-              <a:t>是能够有效训练深度模型的最早的方法。</a:t>
-            </a:r>
-          </a:p>
-        </p:txBody>
-      </p:sp>
-      <p:pic>
-        <p:nvPicPr>
-          <p:cNvPr id="6" name="图片 5" descr="屏幕剪辑"/>
-          <p:cNvPicPr>
-            <a:picLocks noChangeAspect="1"/>
-          </p:cNvPicPr>
-          <p:nvPr/>
-        </p:nvPicPr>
-        <p:blipFill>
-          <a:blip r:embed="rId3">
-            <a:extLst>
-              <a:ext uri="{28A0092B-C50C-407E-A947-70E740481C1C}">
-                <a14:useLocalDpi xmlns:a14="http://schemas.microsoft.com/office/drawing/2010/main" val="0"/>
-              </a:ext>
-            </a:extLst>
-          </a:blip>
-          <a:stretch>
-            <a:fillRect/>
-          </a:stretch>
-        </p:blipFill>
-        <p:spPr>
-          <a:xfrm>
-            <a:off x="762000" y="1673817"/>
-            <a:ext cx="7253874" cy="4559343"/>
-          </a:xfrm>
-          <a:prstGeom prst="rect">
-            <a:avLst/>
-          </a:prstGeom>
-        </p:spPr>
-      </p:pic>
     </p:spTree>
     <p:extLst>
       <p:ext uri="{BB962C8B-B14F-4D97-AF65-F5344CB8AC3E}">
-        <p14:creationId xmlns:p14="http://schemas.microsoft.com/office/powerpoint/2010/main" val="2271968751"/>
+        <p14:creationId xmlns:p14="http://schemas.microsoft.com/office/powerpoint/2010/main" val="3237365235"/>
       </p:ext>
     </p:extLst>
   </p:cSld>
